--- a/presentation/final/final_presentation.pptx
+++ b/presentation/final/final_presentation.pptx
@@ -5,7 +5,7 @@
     <p:sldMasterId id="2147483777" r:id="rId1"/>
   </p:sldMasterIdLst>
   <p:notesMasterIdLst>
-    <p:notesMasterId r:id="rId8"/>
+    <p:notesMasterId r:id="rId13"/>
   </p:notesMasterIdLst>
   <p:sldIdLst>
     <p:sldId id="256" r:id="rId2"/>
@@ -14,32 +14,37 @@
     <p:sldId id="259" r:id="rId5"/>
     <p:sldId id="260" r:id="rId6"/>
     <p:sldId id="261" r:id="rId7"/>
+    <p:sldId id="262" r:id="rId8"/>
+    <p:sldId id="263" r:id="rId9"/>
+    <p:sldId id="264" r:id="rId10"/>
+    <p:sldId id="265" r:id="rId11"/>
+    <p:sldId id="266" r:id="rId12"/>
   </p:sldIdLst>
   <p:sldSz cx="12192000" cy="6858000"/>
   <p:notesSz cx="6858000" cy="9144000"/>
   <p:embeddedFontLst>
     <p:embeddedFont>
       <p:font typeface="Calibri" panose="020F0502020204030204" pitchFamily="34" charset="0"/>
-      <p:regular r:id="rId9"/>
-      <p:bold r:id="rId10"/>
-      <p:italic r:id="rId11"/>
-      <p:boldItalic r:id="rId12"/>
+      <p:regular r:id="rId14"/>
+      <p:bold r:id="rId15"/>
+      <p:italic r:id="rId16"/>
+      <p:boldItalic r:id="rId17"/>
     </p:embeddedFont>
     <p:embeddedFont>
       <p:font typeface="Century Gothic" panose="020B0502020202020204" pitchFamily="34" charset="0"/>
-      <p:regular r:id="rId13"/>
-      <p:bold r:id="rId14"/>
-      <p:italic r:id="rId15"/>
-      <p:boldItalic r:id="rId16"/>
+      <p:regular r:id="rId18"/>
+      <p:bold r:id="rId19"/>
+      <p:italic r:id="rId20"/>
+      <p:boldItalic r:id="rId21"/>
     </p:embeddedFont>
     <p:embeddedFont>
       <p:font typeface="Roboto Light" panose="020B0604020202020204" charset="0"/>
-      <p:regular r:id="rId17"/>
-      <p:italic r:id="rId18"/>
+      <p:regular r:id="rId22"/>
+      <p:italic r:id="rId23"/>
     </p:embeddedFont>
   </p:embeddedFontLst>
   <p:custDataLst>
-    <p:tags r:id="rId19"/>
+    <p:tags r:id="rId24"/>
   </p:custDataLst>
   <p:defaultTextStyle>
     <a:defPPr>
@@ -185,10 +190,16 @@
         <p14:section name="LTA Definition" id="{C5D67E92-69F6-4FBD-8D38-F67599B72C06}">
           <p14:sldIdLst>
             <p14:sldId id="261"/>
+            <p14:sldId id="262"/>
+            <p14:sldId id="263"/>
+            <p14:sldId id="264"/>
+            <p14:sldId id="265"/>
           </p14:sldIdLst>
         </p14:section>
         <p14:section name="LTA GCR Relation" id="{FAA013E9-71F3-4E19-88C7-E1EBA5F45791}">
-          <p14:sldIdLst/>
+          <p14:sldIdLst>
+            <p14:sldId id="266"/>
+          </p14:sldIdLst>
         </p14:section>
         <p14:section name="GCR Shortcomings" id="{9A0753C9-7805-4A56-84BA-32497A4CA4F2}">
           <p14:sldIdLst/>
@@ -236,14 +247,6 @@
     </p:ext>
   </p:extLst>
 </p:presentation>
-</file>
-
-<file path=ppt/revisionInfo.xml><?xml version="1.0" encoding="utf-8"?>
-<p1510:revInfo xmlns:a="http://schemas.openxmlformats.org/drawingml/2006/main" xmlns:r="http://schemas.openxmlformats.org/officeDocument/2006/relationships" xmlns:p1510="http://schemas.microsoft.com/office/powerpoint/2015/10/main">
-  <p1510:revLst>
-    <p1510:client id="{BECE2A0E-EDC2-4D11-82F2-883565C7B75F}" v="619" dt="2020-04-17T21:11:51.968"/>
-  </p1510:revLst>
-</p1510:revInfo>
 </file>
 
 <file path=ppt/notesMasters/notesMaster1.xml><?xml version="1.0" encoding="utf-8"?>
@@ -950,10 +953,10 @@
             </a:lvl1pPr>
           </a:lstStyle>
           <a:p>
-            <a:r>
-              <a:rPr lang="de-DE" dirty="0"/>
-              <a:t>XX.04.2020</a:t>
-            </a:r>
+            <a:fld id="{3035FD1B-60B0-4E89-8163-52AD1BDF77EB}" type="datetime4">
+              <a:rPr lang="en-US" smtClean="0"/>
+              <a:t>April 18, 2020</a:t>
+            </a:fld>
             <a:endParaRPr lang="en-US" dirty="0"/>
           </a:p>
         </p:txBody>
@@ -989,42 +992,6 @@
               <a:rPr lang="en-US"/>
               <a:t>Learning to Aggregate on Structured Data</a:t>
             </a:r>
-          </a:p>
-        </p:txBody>
-      </p:sp>
-      <p:sp>
-        <p:nvSpPr>
-          <p:cNvPr id="6" name="Foliennummernplatzhalter 5"/>
-          <p:cNvSpPr>
-            <a:spLocks noGrp="1"/>
-          </p:cNvSpPr>
-          <p:nvPr>
-            <p:ph type="sldNum" sz="quarter" idx="12"/>
-          </p:nvPr>
-        </p:nvSpPr>
-        <p:spPr>
-          <a:xfrm>
-            <a:off x="8760296" y="6423818"/>
-            <a:ext cx="2743200" cy="365125"/>
-          </a:xfrm>
-        </p:spPr>
-        <p:txBody>
-          <a:bodyPr/>
-          <a:lstStyle>
-            <a:lvl1pPr>
-              <a:defRPr>
-                <a:latin typeface="Roboto Light" panose="02000000000000000000" pitchFamily="2" charset="0"/>
-                <a:ea typeface="Roboto Light" panose="02000000000000000000" pitchFamily="2" charset="0"/>
-              </a:defRPr>
-            </a:lvl1pPr>
-          </a:lstStyle>
-          <a:p>
-            <a:fld id="{F4DAF760-8A09-427D-9634-9AF01F07ABD5}" type="slidenum">
-              <a:rPr lang="en-US" noProof="0" smtClean="0"/>
-              <a:pPr/>
-              <a:t>‹Nr.›</a:t>
-            </a:fld>
-            <a:endParaRPr lang="en-US" noProof="0"/>
           </a:p>
         </p:txBody>
       </p:sp>
@@ -1233,10 +1200,10 @@
             </a:lvl1pPr>
           </a:lstStyle>
           <a:p>
-            <a:r>
-              <a:rPr lang="de-DE" dirty="0"/>
-              <a:t>XX.04.2020</a:t>
-            </a:r>
+            <a:fld id="{1BD189AA-7E7F-420D-8050-0AE7F9FB7B25}" type="datetime4">
+              <a:rPr lang="en-US" smtClean="0"/>
+              <a:t>April 18, 2020</a:t>
+            </a:fld>
             <a:endParaRPr lang="en-US" dirty="0"/>
           </a:p>
         </p:txBody>
@@ -1561,10 +1528,10 @@
             </a:lvl1pPr>
           </a:lstStyle>
           <a:p>
-            <a:r>
-              <a:rPr lang="de-DE" dirty="0"/>
-              <a:t>XX.04.2020</a:t>
-            </a:r>
+            <a:fld id="{5CE81417-A769-458F-990F-82036850DBC9}" type="datetime4">
+              <a:rPr lang="en-US" smtClean="0"/>
+              <a:t>April 18, 2020</a:t>
+            </a:fld>
             <a:endParaRPr lang="en-US" dirty="0"/>
           </a:p>
         </p:txBody>
@@ -1851,10 +1818,10 @@
             </a:lvl1pPr>
           </a:lstStyle>
           <a:p>
-            <a:r>
-              <a:rPr lang="de-DE" dirty="0"/>
-              <a:t>XX.04.2020</a:t>
-            </a:r>
+            <a:fld id="{5EDF19A3-DDC3-4493-90D6-F36657A2C358}" type="datetime4">
+              <a:rPr lang="en-US" smtClean="0"/>
+              <a:t>April 18, 2020</a:t>
+            </a:fld>
             <a:endParaRPr lang="en-US" dirty="0"/>
           </a:p>
         </p:txBody>
@@ -2271,10 +2238,10 @@
             </a:lvl1pPr>
           </a:lstStyle>
           <a:p>
-            <a:r>
-              <a:rPr lang="de-DE" dirty="0"/>
-              <a:t>XX.04.2020</a:t>
-            </a:r>
+            <a:fld id="{DA232473-13E2-414C-A4A0-0829A146F174}" type="datetime4">
+              <a:rPr lang="en-US" smtClean="0"/>
+              <a:t>April 18, 2020</a:t>
+            </a:fld>
             <a:endParaRPr lang="en-US" dirty="0"/>
           </a:p>
         </p:txBody>
@@ -2448,10 +2415,10 @@
             </a:lvl1pPr>
           </a:lstStyle>
           <a:p>
-            <a:r>
-              <a:rPr lang="de-DE" dirty="0"/>
-              <a:t>XX.04.2020</a:t>
-            </a:r>
+            <a:fld id="{034F6294-4939-4648-9C93-42BC65ECEDAE}" type="datetime4">
+              <a:rPr lang="en-US" smtClean="0"/>
+              <a:t>April 18, 2020</a:t>
+            </a:fld>
             <a:endParaRPr lang="en-US" dirty="0"/>
           </a:p>
         </p:txBody>
@@ -2594,10 +2561,10 @@
             </a:lvl1pPr>
           </a:lstStyle>
           <a:p>
-            <a:r>
-              <a:rPr lang="de-DE" dirty="0"/>
-              <a:t>XX.04.2020</a:t>
-            </a:r>
+            <a:fld id="{2E95C8DE-F783-4152-B4E1-25F210D95F48}" type="datetime4">
+              <a:rPr lang="en-US" smtClean="0"/>
+              <a:t>April 18, 2020</a:t>
+            </a:fld>
             <a:endParaRPr lang="en-US" dirty="0"/>
           </a:p>
         </p:txBody>
@@ -2923,10 +2890,10 @@
             </a:lvl1pPr>
           </a:lstStyle>
           <a:p>
-            <a:r>
-              <a:rPr lang="de-DE" dirty="0"/>
-              <a:t>XX.04.2020</a:t>
-            </a:r>
+            <a:fld id="{A8E4D839-D143-475A-9D08-24294851DA9C}" type="datetime4">
+              <a:rPr lang="en-US" smtClean="0"/>
+              <a:t>April 18, 2020</a:t>
+            </a:fld>
             <a:endParaRPr lang="en-US" dirty="0"/>
           </a:p>
         </p:txBody>
@@ -3106,10 +3073,10 @@
             </a:lvl1pPr>
           </a:lstStyle>
           <a:p>
-            <a:r>
-              <a:rPr lang="de-DE" dirty="0"/>
-              <a:t>XX.04.2020</a:t>
-            </a:r>
+            <a:fld id="{DD7967FE-A54D-4A95-B98E-70899638A73F}" type="datetime4">
+              <a:rPr lang="en-US" smtClean="0"/>
+              <a:t>April 18, 2020</a:t>
+            </a:fld>
             <a:endParaRPr lang="en-US" dirty="0"/>
           </a:p>
         </p:txBody>
@@ -3774,11 +3741,39 @@
           <a:bodyPr/>
           <a:lstStyle/>
           <a:p>
+            <a:fld id="{183B7B21-9DF3-4CBA-BC78-49AEECA43DF1}" type="datetime4">
+              <a:rPr lang="en-US" smtClean="0"/>
+              <a:t>April 18, 2020</a:t>
+            </a:fld>
+            <a:endParaRPr lang="en-US" dirty="0"/>
+          </a:p>
+        </p:txBody>
+      </p:sp>
+      <p:sp>
+        <p:nvSpPr>
+          <p:cNvPr id="5" name="Fußzeilenplatzhalter 4">
+            <a:extLst>
+              <a:ext uri="{FF2B5EF4-FFF2-40B4-BE49-F238E27FC236}">
+                <a16:creationId xmlns:a16="http://schemas.microsoft.com/office/drawing/2014/main" id="{26770700-E83B-4DC3-B1A2-F11A4526FD53}"/>
+              </a:ext>
+            </a:extLst>
+          </p:cNvPr>
+          <p:cNvSpPr>
+            <a:spLocks noGrp="1"/>
+          </p:cNvSpPr>
+          <p:nvPr>
+            <p:ph type="ftr" sz="quarter" idx="11"/>
+          </p:nvPr>
+        </p:nvSpPr>
+        <p:spPr/>
+        <p:txBody>
+          <a:bodyPr/>
+          <a:lstStyle/>
+          <a:p>
             <a:r>
-              <a:rPr lang="de-DE" dirty="0"/>
-              <a:t>22.01.2020</a:t>
+              <a:rPr lang="en-US"/>
+              <a:t>Learning to Aggregate on Structured Data</a:t>
             </a:r>
-            <a:endParaRPr lang="en-US" dirty="0"/>
           </a:p>
         </p:txBody>
       </p:sp>
@@ -3792,6 +3787,3294 @@
   <p:clrMapOvr>
     <a:masterClrMapping/>
   </p:clrMapOvr>
+</p:sld>
+</file>
+
+<file path=ppt/slides/slide10.xml><?xml version="1.0" encoding="utf-8"?>
+<p:sld xmlns:a="http://schemas.openxmlformats.org/drawingml/2006/main" xmlns:r="http://schemas.openxmlformats.org/officeDocument/2006/relationships" xmlns:p="http://schemas.openxmlformats.org/presentationml/2006/main">
+  <p:cSld>
+    <p:spTree>
+      <p:nvGrpSpPr>
+        <p:cNvPr id="1" name=""/>
+        <p:cNvGrpSpPr/>
+        <p:nvPr/>
+      </p:nvGrpSpPr>
+      <p:grpSpPr>
+        <a:xfrm>
+          <a:off x="0" y="0"/>
+          <a:ext cx="0" cy="0"/>
+          <a:chOff x="0" y="0"/>
+          <a:chExt cx="0" cy="0"/>
+        </a:xfrm>
+      </p:grpSpPr>
+      <p:sp>
+        <p:nvSpPr>
+          <p:cNvPr id="2" name="Titel 1">
+            <a:extLst>
+              <a:ext uri="{FF2B5EF4-FFF2-40B4-BE49-F238E27FC236}">
+                <a16:creationId xmlns:a16="http://schemas.microsoft.com/office/drawing/2014/main" id="{2D0FFD85-9ECB-43AD-A5A9-1E845E3225DB}"/>
+              </a:ext>
+            </a:extLst>
+          </p:cNvPr>
+          <p:cNvSpPr>
+            <a:spLocks noGrp="1"/>
+          </p:cNvSpPr>
+          <p:nvPr>
+            <p:ph type="title"/>
+          </p:nvPr>
+        </p:nvSpPr>
+        <p:spPr/>
+        <p:txBody>
+          <a:bodyPr/>
+          <a:lstStyle/>
+          <a:p>
+            <a:r>
+              <a:rPr lang="en-US" dirty="0"/>
+              <a:t>Definition of LTA: </a:t>
+            </a:r>
+            <a:r>
+              <a:rPr lang="en-US" sz="2800" dirty="0"/>
+              <a:t>LTA vs non-LTA</a:t>
+            </a:r>
+          </a:p>
+        </p:txBody>
+      </p:sp>
+      <p:sp>
+        <p:nvSpPr>
+          <p:cNvPr id="3" name="Foliennummernplatzhalter 2">
+            <a:extLst>
+              <a:ext uri="{FF2B5EF4-FFF2-40B4-BE49-F238E27FC236}">
+                <a16:creationId xmlns:a16="http://schemas.microsoft.com/office/drawing/2014/main" id="{A9A3E377-2D44-4492-89E5-28D1334E9EC0}"/>
+              </a:ext>
+            </a:extLst>
+          </p:cNvPr>
+          <p:cNvSpPr>
+            <a:spLocks noGrp="1"/>
+          </p:cNvSpPr>
+          <p:nvPr>
+            <p:ph type="sldNum" sz="quarter" idx="12"/>
+          </p:nvPr>
+        </p:nvSpPr>
+        <p:spPr/>
+        <p:txBody>
+          <a:bodyPr/>
+          <a:lstStyle/>
+          <a:p>
+            <a:fld id="{F4DAF760-8A09-427D-9634-9AF01F07ABD5}" type="slidenum">
+              <a:rPr lang="de-DE" smtClean="0"/>
+              <a:pPr/>
+              <a:t>10</a:t>
+            </a:fld>
+            <a:endParaRPr lang="de-DE" dirty="0"/>
+          </a:p>
+        </p:txBody>
+      </p:sp>
+      <p:sp>
+        <p:nvSpPr>
+          <p:cNvPr id="4" name="Datumsplatzhalter 3">
+            <a:extLst>
+              <a:ext uri="{FF2B5EF4-FFF2-40B4-BE49-F238E27FC236}">
+                <a16:creationId xmlns:a16="http://schemas.microsoft.com/office/drawing/2014/main" id="{92762C93-2A9A-4811-B406-3D4DB30BF929}"/>
+              </a:ext>
+            </a:extLst>
+          </p:cNvPr>
+          <p:cNvSpPr>
+            <a:spLocks noGrp="1"/>
+          </p:cNvSpPr>
+          <p:nvPr>
+            <p:ph type="dt" sz="half" idx="2"/>
+          </p:nvPr>
+        </p:nvSpPr>
+        <p:spPr/>
+        <p:txBody>
+          <a:bodyPr/>
+          <a:lstStyle/>
+          <a:p>
+            <a:fld id="{0B7FC291-FBAC-4F28-B0CE-3289A37DBBF4}" type="datetime4">
+              <a:rPr lang="en-US" smtClean="0"/>
+              <a:t>April 18, 2020</a:t>
+            </a:fld>
+            <a:endParaRPr lang="en-US" dirty="0"/>
+          </a:p>
+        </p:txBody>
+      </p:sp>
+      <p:sp>
+        <p:nvSpPr>
+          <p:cNvPr id="5" name="Fußzeilenplatzhalter 4">
+            <a:extLst>
+              <a:ext uri="{FF2B5EF4-FFF2-40B4-BE49-F238E27FC236}">
+                <a16:creationId xmlns:a16="http://schemas.microsoft.com/office/drawing/2014/main" id="{1A8776A3-0E10-4A7C-A4A4-D2611C7BC52B}"/>
+              </a:ext>
+            </a:extLst>
+          </p:cNvPr>
+          <p:cNvSpPr>
+            <a:spLocks noGrp="1"/>
+          </p:cNvSpPr>
+          <p:nvPr>
+            <p:ph type="ftr" sz="quarter" idx="3"/>
+          </p:nvPr>
+        </p:nvSpPr>
+        <p:spPr/>
+        <p:txBody>
+          <a:bodyPr/>
+          <a:lstStyle/>
+          <a:p>
+            <a:r>
+              <a:rPr lang="en-US"/>
+              <a:t>Learning to Aggregate on Structured Data</a:t>
+            </a:r>
+          </a:p>
+        </p:txBody>
+      </p:sp>
+      <p:cxnSp>
+        <p:nvCxnSpPr>
+          <p:cNvPr id="7" name="Gerade Verbindung mit Pfeil 6">
+            <a:extLst>
+              <a:ext uri="{FF2B5EF4-FFF2-40B4-BE49-F238E27FC236}">
+                <a16:creationId xmlns:a16="http://schemas.microsoft.com/office/drawing/2014/main" id="{FDC61F32-E8DC-475E-A350-D9FFD59DE3E2}"/>
+              </a:ext>
+            </a:extLst>
+          </p:cNvPr>
+          <p:cNvCxnSpPr>
+            <a:cxnSpLocks/>
+          </p:cNvCxnSpPr>
+          <p:nvPr/>
+        </p:nvCxnSpPr>
+        <p:spPr>
+          <a:xfrm>
+            <a:off x="2682599" y="1314714"/>
+            <a:ext cx="0" cy="4521666"/>
+          </a:xfrm>
+          <a:prstGeom prst="straightConnector1">
+            <a:avLst/>
+          </a:prstGeom>
+          <a:ln w="38100">
+            <a:solidFill>
+              <a:srgbClr val="002060"/>
+            </a:solidFill>
+            <a:tailEnd type="triangle"/>
+          </a:ln>
+        </p:spPr>
+        <p:style>
+          <a:lnRef idx="1">
+            <a:schemeClr val="accent1"/>
+          </a:lnRef>
+          <a:fillRef idx="0">
+            <a:schemeClr val="accent1"/>
+          </a:fillRef>
+          <a:effectRef idx="0">
+            <a:schemeClr val="accent1"/>
+          </a:effectRef>
+          <a:fontRef idx="minor">
+            <a:schemeClr val="tx1"/>
+          </a:fontRef>
+        </p:style>
+      </p:cxnSp>
+      <p:sp>
+        <p:nvSpPr>
+          <p:cNvPr id="20" name="Inhaltsplatzhalter 7">
+            <a:extLst>
+              <a:ext uri="{FF2B5EF4-FFF2-40B4-BE49-F238E27FC236}">
+                <a16:creationId xmlns:a16="http://schemas.microsoft.com/office/drawing/2014/main" id="{7A53D360-C699-4C24-94D9-2480679ECC45}"/>
+              </a:ext>
+            </a:extLst>
+          </p:cNvPr>
+          <p:cNvSpPr txBox="1">
+            <a:spLocks/>
+          </p:cNvSpPr>
+          <p:nvPr/>
+        </p:nvSpPr>
+        <p:spPr>
+          <a:xfrm rot="16200000">
+            <a:off x="874391" y="3307473"/>
+            <a:ext cx="2989903" cy="536147"/>
+          </a:xfrm>
+          <a:prstGeom prst="rect">
+            <a:avLst/>
+          </a:prstGeom>
+        </p:spPr>
+        <p:txBody>
+          <a:bodyPr anchor="ctr">
+            <a:normAutofit/>
+          </a:bodyPr>
+          <a:lstStyle>
+            <a:lvl1pPr marL="228600" indent="-228600" algn="l" defTabSz="914400" rtl="0" eaLnBrk="1" latinLnBrk="0" hangingPunct="1">
+              <a:lnSpc>
+                <a:spcPct val="90000"/>
+              </a:lnSpc>
+              <a:spcBef>
+                <a:spcPts val="1000"/>
+              </a:spcBef>
+              <a:buFont typeface="Arial" panose="020B0604020202020204" pitchFamily="34" charset="0"/>
+              <a:buChar char="•"/>
+              <a:defRPr sz="2800" kern="1200">
+                <a:solidFill>
+                  <a:schemeClr val="tx1"/>
+                </a:solidFill>
+                <a:latin typeface="Roboto Light" panose="02000000000000000000" pitchFamily="2" charset="0"/>
+                <a:ea typeface="Roboto Light" panose="02000000000000000000" pitchFamily="2" charset="0"/>
+                <a:cs typeface="+mn-cs"/>
+              </a:defRPr>
+            </a:lvl1pPr>
+            <a:lvl2pPr marL="685800" indent="-228600" algn="l" defTabSz="914400" rtl="0" eaLnBrk="1" latinLnBrk="0" hangingPunct="1">
+              <a:lnSpc>
+                <a:spcPct val="90000"/>
+              </a:lnSpc>
+              <a:spcBef>
+                <a:spcPts val="500"/>
+              </a:spcBef>
+              <a:buFont typeface="Arial" panose="020B0604020202020204" pitchFamily="34" charset="0"/>
+              <a:buChar char="•"/>
+              <a:defRPr sz="2400" kern="1200">
+                <a:solidFill>
+                  <a:schemeClr val="tx1"/>
+                </a:solidFill>
+                <a:latin typeface="Roboto Light" panose="02000000000000000000" pitchFamily="2" charset="0"/>
+                <a:ea typeface="Roboto Light" panose="02000000000000000000" pitchFamily="2" charset="0"/>
+                <a:cs typeface="+mn-cs"/>
+              </a:defRPr>
+            </a:lvl2pPr>
+            <a:lvl3pPr marL="1143000" indent="-228600" algn="l" defTabSz="914400" rtl="0" eaLnBrk="1" latinLnBrk="0" hangingPunct="1">
+              <a:lnSpc>
+                <a:spcPct val="90000"/>
+              </a:lnSpc>
+              <a:spcBef>
+                <a:spcPts val="500"/>
+              </a:spcBef>
+              <a:buFont typeface="Arial" panose="020B0604020202020204" pitchFamily="34" charset="0"/>
+              <a:buChar char="•"/>
+              <a:defRPr sz="2000" kern="1200">
+                <a:solidFill>
+                  <a:schemeClr val="tx1"/>
+                </a:solidFill>
+                <a:latin typeface="Roboto Light" panose="02000000000000000000" pitchFamily="2" charset="0"/>
+                <a:ea typeface="Roboto Light" panose="02000000000000000000" pitchFamily="2" charset="0"/>
+                <a:cs typeface="+mn-cs"/>
+              </a:defRPr>
+            </a:lvl3pPr>
+            <a:lvl4pPr marL="1600200" indent="-228600" algn="l" defTabSz="914400" rtl="0" eaLnBrk="1" latinLnBrk="0" hangingPunct="1">
+              <a:lnSpc>
+                <a:spcPct val="90000"/>
+              </a:lnSpc>
+              <a:spcBef>
+                <a:spcPts val="500"/>
+              </a:spcBef>
+              <a:buFont typeface="Arial" panose="020B0604020202020204" pitchFamily="34" charset="0"/>
+              <a:buChar char="•"/>
+              <a:defRPr sz="1800" kern="1200">
+                <a:solidFill>
+                  <a:schemeClr val="tx1"/>
+                </a:solidFill>
+                <a:latin typeface="Roboto Light" panose="02000000000000000000" pitchFamily="2" charset="0"/>
+                <a:ea typeface="Roboto Light" panose="02000000000000000000" pitchFamily="2" charset="0"/>
+                <a:cs typeface="+mn-cs"/>
+              </a:defRPr>
+            </a:lvl4pPr>
+            <a:lvl5pPr marL="2057400" indent="-228600" algn="l" defTabSz="914400" rtl="0" eaLnBrk="1" latinLnBrk="0" hangingPunct="1">
+              <a:lnSpc>
+                <a:spcPct val="90000"/>
+              </a:lnSpc>
+              <a:spcBef>
+                <a:spcPts val="500"/>
+              </a:spcBef>
+              <a:buFont typeface="Arial" panose="020B0604020202020204" pitchFamily="34" charset="0"/>
+              <a:buChar char="•"/>
+              <a:defRPr sz="1800" kern="1200">
+                <a:solidFill>
+                  <a:schemeClr val="tx1"/>
+                </a:solidFill>
+                <a:latin typeface="Roboto Light" panose="02000000000000000000" pitchFamily="2" charset="0"/>
+                <a:ea typeface="Roboto Light" panose="02000000000000000000" pitchFamily="2" charset="0"/>
+                <a:cs typeface="+mn-cs"/>
+              </a:defRPr>
+            </a:lvl5pPr>
+            <a:lvl6pPr marL="2514600" indent="-228600" algn="l" defTabSz="914400" rtl="0" eaLnBrk="1" latinLnBrk="0" hangingPunct="1">
+              <a:lnSpc>
+                <a:spcPct val="90000"/>
+              </a:lnSpc>
+              <a:spcBef>
+                <a:spcPts val="500"/>
+              </a:spcBef>
+              <a:buFont typeface="Arial" panose="020B0604020202020204" pitchFamily="34" charset="0"/>
+              <a:buChar char="•"/>
+              <a:defRPr sz="1800" kern="1200">
+                <a:solidFill>
+                  <a:schemeClr val="tx1"/>
+                </a:solidFill>
+                <a:latin typeface="+mn-lt"/>
+                <a:ea typeface="+mn-ea"/>
+                <a:cs typeface="+mn-cs"/>
+              </a:defRPr>
+            </a:lvl6pPr>
+            <a:lvl7pPr marL="2971800" indent="-228600" algn="l" defTabSz="914400" rtl="0" eaLnBrk="1" latinLnBrk="0" hangingPunct="1">
+              <a:lnSpc>
+                <a:spcPct val="90000"/>
+              </a:lnSpc>
+              <a:spcBef>
+                <a:spcPts val="500"/>
+              </a:spcBef>
+              <a:buFont typeface="Arial" panose="020B0604020202020204" pitchFamily="34" charset="0"/>
+              <a:buChar char="•"/>
+              <a:defRPr sz="1800" kern="1200">
+                <a:solidFill>
+                  <a:schemeClr val="tx1"/>
+                </a:solidFill>
+                <a:latin typeface="+mn-lt"/>
+                <a:ea typeface="+mn-ea"/>
+                <a:cs typeface="+mn-cs"/>
+              </a:defRPr>
+            </a:lvl7pPr>
+            <a:lvl8pPr marL="3429000" indent="-228600" algn="l" defTabSz="914400" rtl="0" eaLnBrk="1" latinLnBrk="0" hangingPunct="1">
+              <a:lnSpc>
+                <a:spcPct val="90000"/>
+              </a:lnSpc>
+              <a:spcBef>
+                <a:spcPts val="500"/>
+              </a:spcBef>
+              <a:buFont typeface="Arial" panose="020B0604020202020204" pitchFamily="34" charset="0"/>
+              <a:buChar char="•"/>
+              <a:defRPr sz="1800" kern="1200">
+                <a:solidFill>
+                  <a:schemeClr val="tx1"/>
+                </a:solidFill>
+                <a:latin typeface="+mn-lt"/>
+                <a:ea typeface="+mn-ea"/>
+                <a:cs typeface="+mn-cs"/>
+              </a:defRPr>
+            </a:lvl8pPr>
+            <a:lvl9pPr marL="3886200" indent="-228600" algn="l" defTabSz="914400" rtl="0" eaLnBrk="1" latinLnBrk="0" hangingPunct="1">
+              <a:lnSpc>
+                <a:spcPct val="90000"/>
+              </a:lnSpc>
+              <a:spcBef>
+                <a:spcPts val="500"/>
+              </a:spcBef>
+              <a:buFont typeface="Arial" panose="020B0604020202020204" pitchFamily="34" charset="0"/>
+              <a:buChar char="•"/>
+              <a:defRPr sz="1800" kern="1200">
+                <a:solidFill>
+                  <a:schemeClr val="tx1"/>
+                </a:solidFill>
+                <a:latin typeface="+mn-lt"/>
+                <a:ea typeface="+mn-ea"/>
+                <a:cs typeface="+mn-cs"/>
+              </a:defRPr>
+            </a:lvl9pPr>
+          </a:lstStyle>
+          <a:p>
+            <a:pPr marL="0" indent="0" algn="ctr" fontAlgn="auto">
+              <a:lnSpc>
+                <a:spcPct val="100000"/>
+              </a:lnSpc>
+              <a:spcBef>
+                <a:spcPts val="2400"/>
+              </a:spcBef>
+              <a:spcAft>
+                <a:spcPts val="0"/>
+              </a:spcAft>
+              <a:buNone/>
+            </a:pPr>
+            <a:r>
+              <a:rPr lang="en-US" sz="2000" dirty="0">
+                <a:solidFill>
+                  <a:srgbClr val="002060"/>
+                </a:solidFill>
+              </a:rPr>
+              <a:t>Localized </a:t>
+            </a:r>
+            <a:r>
+              <a:rPr lang="en-US" sz="2000" dirty="0" err="1">
+                <a:solidFill>
+                  <a:srgbClr val="002060"/>
+                </a:solidFill>
+              </a:rPr>
+              <a:t>Explainability</a:t>
+            </a:r>
+            <a:endParaRPr lang="en-US" sz="2000" dirty="0">
+              <a:solidFill>
+                <a:srgbClr val="002060"/>
+              </a:solidFill>
+            </a:endParaRPr>
+          </a:p>
+        </p:txBody>
+      </p:sp>
+      <p:grpSp>
+        <p:nvGrpSpPr>
+          <p:cNvPr id="38" name="Gruppieren 37">
+            <a:extLst>
+              <a:ext uri="{FF2B5EF4-FFF2-40B4-BE49-F238E27FC236}">
+                <a16:creationId xmlns:a16="http://schemas.microsoft.com/office/drawing/2014/main" id="{EC6DED22-E2E3-401A-99FD-720E7E5FCFB9}"/>
+              </a:ext>
+            </a:extLst>
+          </p:cNvPr>
+          <p:cNvGrpSpPr/>
+          <p:nvPr/>
+        </p:nvGrpSpPr>
+        <p:grpSpPr>
+          <a:xfrm>
+            <a:off x="2931966" y="5165750"/>
+            <a:ext cx="5859694" cy="662782"/>
+            <a:chOff x="2931966" y="5249638"/>
+            <a:chExt cx="5859694" cy="662782"/>
+          </a:xfrm>
+        </p:grpSpPr>
+        <p:sp>
+          <p:nvSpPr>
+            <p:cNvPr id="28" name="Inhaltsplatzhalter 7">
+              <a:extLst>
+                <a:ext uri="{FF2B5EF4-FFF2-40B4-BE49-F238E27FC236}">
+                  <a16:creationId xmlns:a16="http://schemas.microsoft.com/office/drawing/2014/main" id="{F252D803-594C-4C1D-B7F3-824F011601F1}"/>
+                </a:ext>
+              </a:extLst>
+            </p:cNvPr>
+            <p:cNvSpPr txBox="1">
+              <a:spLocks/>
+            </p:cNvSpPr>
+            <p:nvPr/>
+          </p:nvSpPr>
+          <p:spPr>
+            <a:xfrm>
+              <a:off x="4382691" y="5249638"/>
+              <a:ext cx="4408969" cy="662782"/>
+            </a:xfrm>
+            <a:prstGeom prst="rect">
+              <a:avLst/>
+            </a:prstGeom>
+          </p:spPr>
+          <p:txBody>
+            <a:bodyPr anchor="ctr">
+              <a:normAutofit/>
+            </a:bodyPr>
+            <a:lstStyle>
+              <a:lvl1pPr marL="228600" indent="-228600" algn="l" defTabSz="914400" rtl="0" eaLnBrk="1" latinLnBrk="0" hangingPunct="1">
+                <a:lnSpc>
+                  <a:spcPct val="90000"/>
+                </a:lnSpc>
+                <a:spcBef>
+                  <a:spcPts val="1000"/>
+                </a:spcBef>
+                <a:buFont typeface="Arial" panose="020B0604020202020204" pitchFamily="34" charset="0"/>
+                <a:buChar char="•"/>
+                <a:defRPr sz="2800" kern="1200">
+                  <a:solidFill>
+                    <a:schemeClr val="tx1"/>
+                  </a:solidFill>
+                  <a:latin typeface="Roboto Light" panose="02000000000000000000" pitchFamily="2" charset="0"/>
+                  <a:ea typeface="Roboto Light" panose="02000000000000000000" pitchFamily="2" charset="0"/>
+                  <a:cs typeface="+mn-cs"/>
+                </a:defRPr>
+              </a:lvl1pPr>
+              <a:lvl2pPr marL="685800" indent="-228600" algn="l" defTabSz="914400" rtl="0" eaLnBrk="1" latinLnBrk="0" hangingPunct="1">
+                <a:lnSpc>
+                  <a:spcPct val="90000"/>
+                </a:lnSpc>
+                <a:spcBef>
+                  <a:spcPts val="500"/>
+                </a:spcBef>
+                <a:buFont typeface="Arial" panose="020B0604020202020204" pitchFamily="34" charset="0"/>
+                <a:buChar char="•"/>
+                <a:defRPr sz="2400" kern="1200">
+                  <a:solidFill>
+                    <a:schemeClr val="tx1"/>
+                  </a:solidFill>
+                  <a:latin typeface="Roboto Light" panose="02000000000000000000" pitchFamily="2" charset="0"/>
+                  <a:ea typeface="Roboto Light" panose="02000000000000000000" pitchFamily="2" charset="0"/>
+                  <a:cs typeface="+mn-cs"/>
+                </a:defRPr>
+              </a:lvl2pPr>
+              <a:lvl3pPr marL="1143000" indent="-228600" algn="l" defTabSz="914400" rtl="0" eaLnBrk="1" latinLnBrk="0" hangingPunct="1">
+                <a:lnSpc>
+                  <a:spcPct val="90000"/>
+                </a:lnSpc>
+                <a:spcBef>
+                  <a:spcPts val="500"/>
+                </a:spcBef>
+                <a:buFont typeface="Arial" panose="020B0604020202020204" pitchFamily="34" charset="0"/>
+                <a:buChar char="•"/>
+                <a:defRPr sz="2000" kern="1200">
+                  <a:solidFill>
+                    <a:schemeClr val="tx1"/>
+                  </a:solidFill>
+                  <a:latin typeface="Roboto Light" panose="02000000000000000000" pitchFamily="2" charset="0"/>
+                  <a:ea typeface="Roboto Light" panose="02000000000000000000" pitchFamily="2" charset="0"/>
+                  <a:cs typeface="+mn-cs"/>
+                </a:defRPr>
+              </a:lvl3pPr>
+              <a:lvl4pPr marL="1600200" indent="-228600" algn="l" defTabSz="914400" rtl="0" eaLnBrk="1" latinLnBrk="0" hangingPunct="1">
+                <a:lnSpc>
+                  <a:spcPct val="90000"/>
+                </a:lnSpc>
+                <a:spcBef>
+                  <a:spcPts val="500"/>
+                </a:spcBef>
+                <a:buFont typeface="Arial" panose="020B0604020202020204" pitchFamily="34" charset="0"/>
+                <a:buChar char="•"/>
+                <a:defRPr sz="1800" kern="1200">
+                  <a:solidFill>
+                    <a:schemeClr val="tx1"/>
+                  </a:solidFill>
+                  <a:latin typeface="Roboto Light" panose="02000000000000000000" pitchFamily="2" charset="0"/>
+                  <a:ea typeface="Roboto Light" panose="02000000000000000000" pitchFamily="2" charset="0"/>
+                  <a:cs typeface="+mn-cs"/>
+                </a:defRPr>
+              </a:lvl4pPr>
+              <a:lvl5pPr marL="2057400" indent="-228600" algn="l" defTabSz="914400" rtl="0" eaLnBrk="1" latinLnBrk="0" hangingPunct="1">
+                <a:lnSpc>
+                  <a:spcPct val="90000"/>
+                </a:lnSpc>
+                <a:spcBef>
+                  <a:spcPts val="500"/>
+                </a:spcBef>
+                <a:buFont typeface="Arial" panose="020B0604020202020204" pitchFamily="34" charset="0"/>
+                <a:buChar char="•"/>
+                <a:defRPr sz="1800" kern="1200">
+                  <a:solidFill>
+                    <a:schemeClr val="tx1"/>
+                  </a:solidFill>
+                  <a:latin typeface="Roboto Light" panose="02000000000000000000" pitchFamily="2" charset="0"/>
+                  <a:ea typeface="Roboto Light" panose="02000000000000000000" pitchFamily="2" charset="0"/>
+                  <a:cs typeface="+mn-cs"/>
+                </a:defRPr>
+              </a:lvl5pPr>
+              <a:lvl6pPr marL="2514600" indent="-228600" algn="l" defTabSz="914400" rtl="0" eaLnBrk="1" latinLnBrk="0" hangingPunct="1">
+                <a:lnSpc>
+                  <a:spcPct val="90000"/>
+                </a:lnSpc>
+                <a:spcBef>
+                  <a:spcPts val="500"/>
+                </a:spcBef>
+                <a:buFont typeface="Arial" panose="020B0604020202020204" pitchFamily="34" charset="0"/>
+                <a:buChar char="•"/>
+                <a:defRPr sz="1800" kern="1200">
+                  <a:solidFill>
+                    <a:schemeClr val="tx1"/>
+                  </a:solidFill>
+                  <a:latin typeface="+mn-lt"/>
+                  <a:ea typeface="+mn-ea"/>
+                  <a:cs typeface="+mn-cs"/>
+                </a:defRPr>
+              </a:lvl6pPr>
+              <a:lvl7pPr marL="2971800" indent="-228600" algn="l" defTabSz="914400" rtl="0" eaLnBrk="1" latinLnBrk="0" hangingPunct="1">
+                <a:lnSpc>
+                  <a:spcPct val="90000"/>
+                </a:lnSpc>
+                <a:spcBef>
+                  <a:spcPts val="500"/>
+                </a:spcBef>
+                <a:buFont typeface="Arial" panose="020B0604020202020204" pitchFamily="34" charset="0"/>
+                <a:buChar char="•"/>
+                <a:defRPr sz="1800" kern="1200">
+                  <a:solidFill>
+                    <a:schemeClr val="tx1"/>
+                  </a:solidFill>
+                  <a:latin typeface="+mn-lt"/>
+                  <a:ea typeface="+mn-ea"/>
+                  <a:cs typeface="+mn-cs"/>
+                </a:defRPr>
+              </a:lvl7pPr>
+              <a:lvl8pPr marL="3429000" indent="-228600" algn="l" defTabSz="914400" rtl="0" eaLnBrk="1" latinLnBrk="0" hangingPunct="1">
+                <a:lnSpc>
+                  <a:spcPct val="90000"/>
+                </a:lnSpc>
+                <a:spcBef>
+                  <a:spcPts val="500"/>
+                </a:spcBef>
+                <a:buFont typeface="Arial" panose="020B0604020202020204" pitchFamily="34" charset="0"/>
+                <a:buChar char="•"/>
+                <a:defRPr sz="1800" kern="1200">
+                  <a:solidFill>
+                    <a:schemeClr val="tx1"/>
+                  </a:solidFill>
+                  <a:latin typeface="+mn-lt"/>
+                  <a:ea typeface="+mn-ea"/>
+                  <a:cs typeface="+mn-cs"/>
+                </a:defRPr>
+              </a:lvl8pPr>
+              <a:lvl9pPr marL="3886200" indent="-228600" algn="l" defTabSz="914400" rtl="0" eaLnBrk="1" latinLnBrk="0" hangingPunct="1">
+                <a:lnSpc>
+                  <a:spcPct val="90000"/>
+                </a:lnSpc>
+                <a:spcBef>
+                  <a:spcPts val="500"/>
+                </a:spcBef>
+                <a:buFont typeface="Arial" panose="020B0604020202020204" pitchFamily="34" charset="0"/>
+                <a:buChar char="•"/>
+                <a:defRPr sz="1800" kern="1200">
+                  <a:solidFill>
+                    <a:schemeClr val="tx1"/>
+                  </a:solidFill>
+                  <a:latin typeface="+mn-lt"/>
+                  <a:ea typeface="+mn-ea"/>
+                  <a:cs typeface="+mn-cs"/>
+                </a:defRPr>
+              </a:lvl9pPr>
+            </a:lstStyle>
+            <a:p>
+              <a:pPr marL="0" indent="0" fontAlgn="auto">
+                <a:lnSpc>
+                  <a:spcPct val="100000"/>
+                </a:lnSpc>
+                <a:spcBef>
+                  <a:spcPts val="2400"/>
+                </a:spcBef>
+                <a:spcAft>
+                  <a:spcPts val="0"/>
+                </a:spcAft>
+                <a:buNone/>
+              </a:pPr>
+              <a:r>
+                <a:rPr lang="en-US" sz="2000" dirty="0"/>
+                <a:t>Meaningful localized constituents</a:t>
+              </a:r>
+            </a:p>
+          </p:txBody>
+        </p:sp>
+        <p:sp>
+          <p:nvSpPr>
+            <p:cNvPr id="13" name="Rechteck 12">
+              <a:extLst>
+                <a:ext uri="{FF2B5EF4-FFF2-40B4-BE49-F238E27FC236}">
+                  <a16:creationId xmlns:a16="http://schemas.microsoft.com/office/drawing/2014/main" id="{3978886D-D171-4836-8E0F-7654654882C6}"/>
+                </a:ext>
+              </a:extLst>
+            </p:cNvPr>
+            <p:cNvSpPr/>
+            <p:nvPr/>
+          </p:nvSpPr>
+          <p:spPr>
+            <a:xfrm>
+              <a:off x="2931966" y="5352499"/>
+              <a:ext cx="1308689" cy="457059"/>
+            </a:xfrm>
+            <a:prstGeom prst="rect">
+              <a:avLst/>
+            </a:prstGeom>
+            <a:solidFill>
+              <a:srgbClr val="00B050"/>
+            </a:solidFill>
+            <a:ln>
+              <a:noFill/>
+            </a:ln>
+          </p:spPr>
+          <p:style>
+            <a:lnRef idx="2">
+              <a:schemeClr val="accent1">
+                <a:shade val="50000"/>
+              </a:schemeClr>
+            </a:lnRef>
+            <a:fillRef idx="1">
+              <a:schemeClr val="accent1"/>
+            </a:fillRef>
+            <a:effectRef idx="0">
+              <a:schemeClr val="accent1"/>
+            </a:effectRef>
+            <a:fontRef idx="minor">
+              <a:schemeClr val="lt1"/>
+            </a:fontRef>
+          </p:style>
+          <p:txBody>
+            <a:bodyPr rtlCol="0" anchor="ctr"/>
+            <a:lstStyle/>
+            <a:p>
+              <a:pPr algn="ctr"/>
+              <a:r>
+                <a:rPr lang="en-US" dirty="0">
+                  <a:latin typeface="Roboto Light" panose="020B0604020202020204" charset="0"/>
+                  <a:ea typeface="Roboto Light" panose="020B0604020202020204" charset="0"/>
+                </a:rPr>
+                <a:t>LTA</a:t>
+              </a:r>
+            </a:p>
+          </p:txBody>
+        </p:sp>
+      </p:grpSp>
+      <p:grpSp>
+        <p:nvGrpSpPr>
+          <p:cNvPr id="37" name="Gruppieren 36">
+            <a:extLst>
+              <a:ext uri="{FF2B5EF4-FFF2-40B4-BE49-F238E27FC236}">
+                <a16:creationId xmlns:a16="http://schemas.microsoft.com/office/drawing/2014/main" id="{E3B7826A-B593-43EE-BBF8-905022077B71}"/>
+              </a:ext>
+            </a:extLst>
+          </p:cNvPr>
+          <p:cNvGrpSpPr/>
+          <p:nvPr/>
+        </p:nvGrpSpPr>
+        <p:grpSpPr>
+          <a:xfrm>
+            <a:off x="2931965" y="3859520"/>
+            <a:ext cx="5859694" cy="662782"/>
+            <a:chOff x="2931965" y="3709740"/>
+            <a:chExt cx="5859694" cy="662782"/>
+          </a:xfrm>
+        </p:grpSpPr>
+        <p:sp>
+          <p:nvSpPr>
+            <p:cNvPr id="29" name="Inhaltsplatzhalter 7">
+              <a:extLst>
+                <a:ext uri="{FF2B5EF4-FFF2-40B4-BE49-F238E27FC236}">
+                  <a16:creationId xmlns:a16="http://schemas.microsoft.com/office/drawing/2014/main" id="{0FC5FB71-A756-49B9-B7E2-61C9D20E4D1B}"/>
+                </a:ext>
+              </a:extLst>
+            </p:cNvPr>
+            <p:cNvSpPr txBox="1">
+              <a:spLocks/>
+            </p:cNvSpPr>
+            <p:nvPr/>
+          </p:nvSpPr>
+          <p:spPr>
+            <a:xfrm>
+              <a:off x="4382690" y="3709740"/>
+              <a:ext cx="4408969" cy="662782"/>
+            </a:xfrm>
+            <a:prstGeom prst="rect">
+              <a:avLst/>
+            </a:prstGeom>
+          </p:spPr>
+          <p:txBody>
+            <a:bodyPr anchor="ctr">
+              <a:normAutofit/>
+            </a:bodyPr>
+            <a:lstStyle>
+              <a:lvl1pPr marL="228600" indent="-228600" algn="l" defTabSz="914400" rtl="0" eaLnBrk="1" latinLnBrk="0" hangingPunct="1">
+                <a:lnSpc>
+                  <a:spcPct val="90000"/>
+                </a:lnSpc>
+                <a:spcBef>
+                  <a:spcPts val="1000"/>
+                </a:spcBef>
+                <a:buFont typeface="Arial" panose="020B0604020202020204" pitchFamily="34" charset="0"/>
+                <a:buChar char="•"/>
+                <a:defRPr sz="2800" kern="1200">
+                  <a:solidFill>
+                    <a:schemeClr val="tx1"/>
+                  </a:solidFill>
+                  <a:latin typeface="Roboto Light" panose="02000000000000000000" pitchFamily="2" charset="0"/>
+                  <a:ea typeface="Roboto Light" panose="02000000000000000000" pitchFamily="2" charset="0"/>
+                  <a:cs typeface="+mn-cs"/>
+                </a:defRPr>
+              </a:lvl1pPr>
+              <a:lvl2pPr marL="685800" indent="-228600" algn="l" defTabSz="914400" rtl="0" eaLnBrk="1" latinLnBrk="0" hangingPunct="1">
+                <a:lnSpc>
+                  <a:spcPct val="90000"/>
+                </a:lnSpc>
+                <a:spcBef>
+                  <a:spcPts val="500"/>
+                </a:spcBef>
+                <a:buFont typeface="Arial" panose="020B0604020202020204" pitchFamily="34" charset="0"/>
+                <a:buChar char="•"/>
+                <a:defRPr sz="2400" kern="1200">
+                  <a:solidFill>
+                    <a:schemeClr val="tx1"/>
+                  </a:solidFill>
+                  <a:latin typeface="Roboto Light" panose="02000000000000000000" pitchFamily="2" charset="0"/>
+                  <a:ea typeface="Roboto Light" panose="02000000000000000000" pitchFamily="2" charset="0"/>
+                  <a:cs typeface="+mn-cs"/>
+                </a:defRPr>
+              </a:lvl2pPr>
+              <a:lvl3pPr marL="1143000" indent="-228600" algn="l" defTabSz="914400" rtl="0" eaLnBrk="1" latinLnBrk="0" hangingPunct="1">
+                <a:lnSpc>
+                  <a:spcPct val="90000"/>
+                </a:lnSpc>
+                <a:spcBef>
+                  <a:spcPts val="500"/>
+                </a:spcBef>
+                <a:buFont typeface="Arial" panose="020B0604020202020204" pitchFamily="34" charset="0"/>
+                <a:buChar char="•"/>
+                <a:defRPr sz="2000" kern="1200">
+                  <a:solidFill>
+                    <a:schemeClr val="tx1"/>
+                  </a:solidFill>
+                  <a:latin typeface="Roboto Light" panose="02000000000000000000" pitchFamily="2" charset="0"/>
+                  <a:ea typeface="Roboto Light" panose="02000000000000000000" pitchFamily="2" charset="0"/>
+                  <a:cs typeface="+mn-cs"/>
+                </a:defRPr>
+              </a:lvl3pPr>
+              <a:lvl4pPr marL="1600200" indent="-228600" algn="l" defTabSz="914400" rtl="0" eaLnBrk="1" latinLnBrk="0" hangingPunct="1">
+                <a:lnSpc>
+                  <a:spcPct val="90000"/>
+                </a:lnSpc>
+                <a:spcBef>
+                  <a:spcPts val="500"/>
+                </a:spcBef>
+                <a:buFont typeface="Arial" panose="020B0604020202020204" pitchFamily="34" charset="0"/>
+                <a:buChar char="•"/>
+                <a:defRPr sz="1800" kern="1200">
+                  <a:solidFill>
+                    <a:schemeClr val="tx1"/>
+                  </a:solidFill>
+                  <a:latin typeface="Roboto Light" panose="02000000000000000000" pitchFamily="2" charset="0"/>
+                  <a:ea typeface="Roboto Light" panose="02000000000000000000" pitchFamily="2" charset="0"/>
+                  <a:cs typeface="+mn-cs"/>
+                </a:defRPr>
+              </a:lvl4pPr>
+              <a:lvl5pPr marL="2057400" indent="-228600" algn="l" defTabSz="914400" rtl="0" eaLnBrk="1" latinLnBrk="0" hangingPunct="1">
+                <a:lnSpc>
+                  <a:spcPct val="90000"/>
+                </a:lnSpc>
+                <a:spcBef>
+                  <a:spcPts val="500"/>
+                </a:spcBef>
+                <a:buFont typeface="Arial" panose="020B0604020202020204" pitchFamily="34" charset="0"/>
+                <a:buChar char="•"/>
+                <a:defRPr sz="1800" kern="1200">
+                  <a:solidFill>
+                    <a:schemeClr val="tx1"/>
+                  </a:solidFill>
+                  <a:latin typeface="Roboto Light" panose="02000000000000000000" pitchFamily="2" charset="0"/>
+                  <a:ea typeface="Roboto Light" panose="02000000000000000000" pitchFamily="2" charset="0"/>
+                  <a:cs typeface="+mn-cs"/>
+                </a:defRPr>
+              </a:lvl5pPr>
+              <a:lvl6pPr marL="2514600" indent="-228600" algn="l" defTabSz="914400" rtl="0" eaLnBrk="1" latinLnBrk="0" hangingPunct="1">
+                <a:lnSpc>
+                  <a:spcPct val="90000"/>
+                </a:lnSpc>
+                <a:spcBef>
+                  <a:spcPts val="500"/>
+                </a:spcBef>
+                <a:buFont typeface="Arial" panose="020B0604020202020204" pitchFamily="34" charset="0"/>
+                <a:buChar char="•"/>
+                <a:defRPr sz="1800" kern="1200">
+                  <a:solidFill>
+                    <a:schemeClr val="tx1"/>
+                  </a:solidFill>
+                  <a:latin typeface="+mn-lt"/>
+                  <a:ea typeface="+mn-ea"/>
+                  <a:cs typeface="+mn-cs"/>
+                </a:defRPr>
+              </a:lvl6pPr>
+              <a:lvl7pPr marL="2971800" indent="-228600" algn="l" defTabSz="914400" rtl="0" eaLnBrk="1" latinLnBrk="0" hangingPunct="1">
+                <a:lnSpc>
+                  <a:spcPct val="90000"/>
+                </a:lnSpc>
+                <a:spcBef>
+                  <a:spcPts val="500"/>
+                </a:spcBef>
+                <a:buFont typeface="Arial" panose="020B0604020202020204" pitchFamily="34" charset="0"/>
+                <a:buChar char="•"/>
+                <a:defRPr sz="1800" kern="1200">
+                  <a:solidFill>
+                    <a:schemeClr val="tx1"/>
+                  </a:solidFill>
+                  <a:latin typeface="+mn-lt"/>
+                  <a:ea typeface="+mn-ea"/>
+                  <a:cs typeface="+mn-cs"/>
+                </a:defRPr>
+              </a:lvl7pPr>
+              <a:lvl8pPr marL="3429000" indent="-228600" algn="l" defTabSz="914400" rtl="0" eaLnBrk="1" latinLnBrk="0" hangingPunct="1">
+                <a:lnSpc>
+                  <a:spcPct val="90000"/>
+                </a:lnSpc>
+                <a:spcBef>
+                  <a:spcPts val="500"/>
+                </a:spcBef>
+                <a:buFont typeface="Arial" panose="020B0604020202020204" pitchFamily="34" charset="0"/>
+                <a:buChar char="•"/>
+                <a:defRPr sz="1800" kern="1200">
+                  <a:solidFill>
+                    <a:schemeClr val="tx1"/>
+                  </a:solidFill>
+                  <a:latin typeface="+mn-lt"/>
+                  <a:ea typeface="+mn-ea"/>
+                  <a:cs typeface="+mn-cs"/>
+                </a:defRPr>
+              </a:lvl8pPr>
+              <a:lvl9pPr marL="3886200" indent="-228600" algn="l" defTabSz="914400" rtl="0" eaLnBrk="1" latinLnBrk="0" hangingPunct="1">
+                <a:lnSpc>
+                  <a:spcPct val="90000"/>
+                </a:lnSpc>
+                <a:spcBef>
+                  <a:spcPts val="500"/>
+                </a:spcBef>
+                <a:buFont typeface="Arial" panose="020B0604020202020204" pitchFamily="34" charset="0"/>
+                <a:buChar char="•"/>
+                <a:defRPr sz="1800" kern="1200">
+                  <a:solidFill>
+                    <a:schemeClr val="tx1"/>
+                  </a:solidFill>
+                  <a:latin typeface="+mn-lt"/>
+                  <a:ea typeface="+mn-ea"/>
+                  <a:cs typeface="+mn-cs"/>
+                </a:defRPr>
+              </a:lvl9pPr>
+            </a:lstStyle>
+            <a:p>
+              <a:pPr marL="0" indent="0" fontAlgn="auto">
+                <a:lnSpc>
+                  <a:spcPct val="100000"/>
+                </a:lnSpc>
+                <a:spcBef>
+                  <a:spcPts val="2400"/>
+                </a:spcBef>
+                <a:spcAft>
+                  <a:spcPts val="0"/>
+                </a:spcAft>
+                <a:buNone/>
+              </a:pPr>
+              <a:r>
+                <a:rPr lang="en-US" sz="2000" dirty="0"/>
+                <a:t>Localized</a:t>
+              </a:r>
+              <a:r>
+                <a:rPr lang="en-US" sz="2000" i="1" dirty="0"/>
+                <a:t> </a:t>
+              </a:r>
+              <a:r>
+                <a:rPr lang="en-US" sz="2000" dirty="0"/>
+                <a:t>constituents of limited size</a:t>
+              </a:r>
+            </a:p>
+          </p:txBody>
+        </p:sp>
+        <p:sp>
+          <p:nvSpPr>
+            <p:cNvPr id="30" name="Rechteck 29">
+              <a:extLst>
+                <a:ext uri="{FF2B5EF4-FFF2-40B4-BE49-F238E27FC236}">
+                  <a16:creationId xmlns:a16="http://schemas.microsoft.com/office/drawing/2014/main" id="{AB1F748C-A024-4FA6-8C8E-09C1A1DF32BF}"/>
+                </a:ext>
+              </a:extLst>
+            </p:cNvPr>
+            <p:cNvSpPr/>
+            <p:nvPr/>
+          </p:nvSpPr>
+          <p:spPr>
+            <a:xfrm>
+              <a:off x="2931965" y="3812601"/>
+              <a:ext cx="1308689" cy="457059"/>
+            </a:xfrm>
+            <a:prstGeom prst="rect">
+              <a:avLst/>
+            </a:prstGeom>
+            <a:solidFill>
+              <a:srgbClr val="92D050"/>
+            </a:solidFill>
+            <a:ln>
+              <a:noFill/>
+            </a:ln>
+          </p:spPr>
+          <p:style>
+            <a:lnRef idx="2">
+              <a:schemeClr val="accent1">
+                <a:shade val="50000"/>
+              </a:schemeClr>
+            </a:lnRef>
+            <a:fillRef idx="1">
+              <a:schemeClr val="accent1"/>
+            </a:fillRef>
+            <a:effectRef idx="0">
+              <a:schemeClr val="accent1"/>
+            </a:effectRef>
+            <a:fontRef idx="minor">
+              <a:schemeClr val="lt1"/>
+            </a:fontRef>
+          </p:style>
+          <p:txBody>
+            <a:bodyPr rtlCol="0" anchor="ctr"/>
+            <a:lstStyle/>
+            <a:p>
+              <a:pPr algn="ctr"/>
+              <a:r>
+                <a:rPr lang="en-US" dirty="0">
+                  <a:latin typeface="Roboto Light" panose="020B0604020202020204" charset="0"/>
+                  <a:ea typeface="Roboto Light" panose="020B0604020202020204" charset="0"/>
+                </a:rPr>
+                <a:t>LTA-like</a:t>
+              </a:r>
+            </a:p>
+          </p:txBody>
+        </p:sp>
+      </p:grpSp>
+      <p:grpSp>
+        <p:nvGrpSpPr>
+          <p:cNvPr id="35" name="Gruppieren 34">
+            <a:extLst>
+              <a:ext uri="{FF2B5EF4-FFF2-40B4-BE49-F238E27FC236}">
+                <a16:creationId xmlns:a16="http://schemas.microsoft.com/office/drawing/2014/main" id="{5825B332-F52C-4354-AEB2-19AFAE36DE08}"/>
+              </a:ext>
+            </a:extLst>
+          </p:cNvPr>
+          <p:cNvGrpSpPr/>
+          <p:nvPr/>
+        </p:nvGrpSpPr>
+        <p:grpSpPr>
+          <a:xfrm>
+            <a:off x="2931965" y="1247062"/>
+            <a:ext cx="5859696" cy="662782"/>
+            <a:chOff x="2931965" y="1330950"/>
+            <a:chExt cx="5859696" cy="662782"/>
+          </a:xfrm>
+        </p:grpSpPr>
+        <p:sp>
+          <p:nvSpPr>
+            <p:cNvPr id="27" name="Inhaltsplatzhalter 7">
+              <a:extLst>
+                <a:ext uri="{FF2B5EF4-FFF2-40B4-BE49-F238E27FC236}">
+                  <a16:creationId xmlns:a16="http://schemas.microsoft.com/office/drawing/2014/main" id="{34B491F3-52CF-4CD0-88FD-6DE60158D277}"/>
+                </a:ext>
+              </a:extLst>
+            </p:cNvPr>
+            <p:cNvSpPr txBox="1">
+              <a:spLocks/>
+            </p:cNvSpPr>
+            <p:nvPr/>
+          </p:nvSpPr>
+          <p:spPr>
+            <a:xfrm>
+              <a:off x="4382692" y="1330950"/>
+              <a:ext cx="4408969" cy="662782"/>
+            </a:xfrm>
+            <a:prstGeom prst="rect">
+              <a:avLst/>
+            </a:prstGeom>
+          </p:spPr>
+          <p:txBody>
+            <a:bodyPr anchor="ctr">
+              <a:normAutofit/>
+            </a:bodyPr>
+            <a:lstStyle>
+              <a:lvl1pPr marL="228600" indent="-228600" algn="l" defTabSz="914400" rtl="0" eaLnBrk="1" latinLnBrk="0" hangingPunct="1">
+                <a:lnSpc>
+                  <a:spcPct val="90000"/>
+                </a:lnSpc>
+                <a:spcBef>
+                  <a:spcPts val="1000"/>
+                </a:spcBef>
+                <a:buFont typeface="Arial" panose="020B0604020202020204" pitchFamily="34" charset="0"/>
+                <a:buChar char="•"/>
+                <a:defRPr sz="2800" kern="1200">
+                  <a:solidFill>
+                    <a:schemeClr val="tx1"/>
+                  </a:solidFill>
+                  <a:latin typeface="Roboto Light" panose="02000000000000000000" pitchFamily="2" charset="0"/>
+                  <a:ea typeface="Roboto Light" panose="02000000000000000000" pitchFamily="2" charset="0"/>
+                  <a:cs typeface="+mn-cs"/>
+                </a:defRPr>
+              </a:lvl1pPr>
+              <a:lvl2pPr marL="685800" indent="-228600" algn="l" defTabSz="914400" rtl="0" eaLnBrk="1" latinLnBrk="0" hangingPunct="1">
+                <a:lnSpc>
+                  <a:spcPct val="90000"/>
+                </a:lnSpc>
+                <a:spcBef>
+                  <a:spcPts val="500"/>
+                </a:spcBef>
+                <a:buFont typeface="Arial" panose="020B0604020202020204" pitchFamily="34" charset="0"/>
+                <a:buChar char="•"/>
+                <a:defRPr sz="2400" kern="1200">
+                  <a:solidFill>
+                    <a:schemeClr val="tx1"/>
+                  </a:solidFill>
+                  <a:latin typeface="Roboto Light" panose="02000000000000000000" pitchFamily="2" charset="0"/>
+                  <a:ea typeface="Roboto Light" panose="02000000000000000000" pitchFamily="2" charset="0"/>
+                  <a:cs typeface="+mn-cs"/>
+                </a:defRPr>
+              </a:lvl2pPr>
+              <a:lvl3pPr marL="1143000" indent="-228600" algn="l" defTabSz="914400" rtl="0" eaLnBrk="1" latinLnBrk="0" hangingPunct="1">
+                <a:lnSpc>
+                  <a:spcPct val="90000"/>
+                </a:lnSpc>
+                <a:spcBef>
+                  <a:spcPts val="500"/>
+                </a:spcBef>
+                <a:buFont typeface="Arial" panose="020B0604020202020204" pitchFamily="34" charset="0"/>
+                <a:buChar char="•"/>
+                <a:defRPr sz="2000" kern="1200">
+                  <a:solidFill>
+                    <a:schemeClr val="tx1"/>
+                  </a:solidFill>
+                  <a:latin typeface="Roboto Light" panose="02000000000000000000" pitchFamily="2" charset="0"/>
+                  <a:ea typeface="Roboto Light" panose="02000000000000000000" pitchFamily="2" charset="0"/>
+                  <a:cs typeface="+mn-cs"/>
+                </a:defRPr>
+              </a:lvl3pPr>
+              <a:lvl4pPr marL="1600200" indent="-228600" algn="l" defTabSz="914400" rtl="0" eaLnBrk="1" latinLnBrk="0" hangingPunct="1">
+                <a:lnSpc>
+                  <a:spcPct val="90000"/>
+                </a:lnSpc>
+                <a:spcBef>
+                  <a:spcPts val="500"/>
+                </a:spcBef>
+                <a:buFont typeface="Arial" panose="020B0604020202020204" pitchFamily="34" charset="0"/>
+                <a:buChar char="•"/>
+                <a:defRPr sz="1800" kern="1200">
+                  <a:solidFill>
+                    <a:schemeClr val="tx1"/>
+                  </a:solidFill>
+                  <a:latin typeface="Roboto Light" panose="02000000000000000000" pitchFamily="2" charset="0"/>
+                  <a:ea typeface="Roboto Light" panose="02000000000000000000" pitchFamily="2" charset="0"/>
+                  <a:cs typeface="+mn-cs"/>
+                </a:defRPr>
+              </a:lvl4pPr>
+              <a:lvl5pPr marL="2057400" indent="-228600" algn="l" defTabSz="914400" rtl="0" eaLnBrk="1" latinLnBrk="0" hangingPunct="1">
+                <a:lnSpc>
+                  <a:spcPct val="90000"/>
+                </a:lnSpc>
+                <a:spcBef>
+                  <a:spcPts val="500"/>
+                </a:spcBef>
+                <a:buFont typeface="Arial" panose="020B0604020202020204" pitchFamily="34" charset="0"/>
+                <a:buChar char="•"/>
+                <a:defRPr sz="1800" kern="1200">
+                  <a:solidFill>
+                    <a:schemeClr val="tx1"/>
+                  </a:solidFill>
+                  <a:latin typeface="Roboto Light" panose="02000000000000000000" pitchFamily="2" charset="0"/>
+                  <a:ea typeface="Roboto Light" panose="02000000000000000000" pitchFamily="2" charset="0"/>
+                  <a:cs typeface="+mn-cs"/>
+                </a:defRPr>
+              </a:lvl5pPr>
+              <a:lvl6pPr marL="2514600" indent="-228600" algn="l" defTabSz="914400" rtl="0" eaLnBrk="1" latinLnBrk="0" hangingPunct="1">
+                <a:lnSpc>
+                  <a:spcPct val="90000"/>
+                </a:lnSpc>
+                <a:spcBef>
+                  <a:spcPts val="500"/>
+                </a:spcBef>
+                <a:buFont typeface="Arial" panose="020B0604020202020204" pitchFamily="34" charset="0"/>
+                <a:buChar char="•"/>
+                <a:defRPr sz="1800" kern="1200">
+                  <a:solidFill>
+                    <a:schemeClr val="tx1"/>
+                  </a:solidFill>
+                  <a:latin typeface="+mn-lt"/>
+                  <a:ea typeface="+mn-ea"/>
+                  <a:cs typeface="+mn-cs"/>
+                </a:defRPr>
+              </a:lvl6pPr>
+              <a:lvl7pPr marL="2971800" indent="-228600" algn="l" defTabSz="914400" rtl="0" eaLnBrk="1" latinLnBrk="0" hangingPunct="1">
+                <a:lnSpc>
+                  <a:spcPct val="90000"/>
+                </a:lnSpc>
+                <a:spcBef>
+                  <a:spcPts val="500"/>
+                </a:spcBef>
+                <a:buFont typeface="Arial" panose="020B0604020202020204" pitchFamily="34" charset="0"/>
+                <a:buChar char="•"/>
+                <a:defRPr sz="1800" kern="1200">
+                  <a:solidFill>
+                    <a:schemeClr val="tx1"/>
+                  </a:solidFill>
+                  <a:latin typeface="+mn-lt"/>
+                  <a:ea typeface="+mn-ea"/>
+                  <a:cs typeface="+mn-cs"/>
+                </a:defRPr>
+              </a:lvl7pPr>
+              <a:lvl8pPr marL="3429000" indent="-228600" algn="l" defTabSz="914400" rtl="0" eaLnBrk="1" latinLnBrk="0" hangingPunct="1">
+                <a:lnSpc>
+                  <a:spcPct val="90000"/>
+                </a:lnSpc>
+                <a:spcBef>
+                  <a:spcPts val="500"/>
+                </a:spcBef>
+                <a:buFont typeface="Arial" panose="020B0604020202020204" pitchFamily="34" charset="0"/>
+                <a:buChar char="•"/>
+                <a:defRPr sz="1800" kern="1200">
+                  <a:solidFill>
+                    <a:schemeClr val="tx1"/>
+                  </a:solidFill>
+                  <a:latin typeface="+mn-lt"/>
+                  <a:ea typeface="+mn-ea"/>
+                  <a:cs typeface="+mn-cs"/>
+                </a:defRPr>
+              </a:lvl8pPr>
+              <a:lvl9pPr marL="3886200" indent="-228600" algn="l" defTabSz="914400" rtl="0" eaLnBrk="1" latinLnBrk="0" hangingPunct="1">
+                <a:lnSpc>
+                  <a:spcPct val="90000"/>
+                </a:lnSpc>
+                <a:spcBef>
+                  <a:spcPts val="500"/>
+                </a:spcBef>
+                <a:buFont typeface="Arial" panose="020B0604020202020204" pitchFamily="34" charset="0"/>
+                <a:buChar char="•"/>
+                <a:defRPr sz="1800" kern="1200">
+                  <a:solidFill>
+                    <a:schemeClr val="tx1"/>
+                  </a:solidFill>
+                  <a:latin typeface="+mn-lt"/>
+                  <a:ea typeface="+mn-ea"/>
+                  <a:cs typeface="+mn-cs"/>
+                </a:defRPr>
+              </a:lvl9pPr>
+            </a:lstStyle>
+            <a:p>
+              <a:pPr marL="0" indent="0" fontAlgn="auto">
+                <a:lnSpc>
+                  <a:spcPct val="100000"/>
+                </a:lnSpc>
+                <a:spcBef>
+                  <a:spcPts val="2400"/>
+                </a:spcBef>
+                <a:spcAft>
+                  <a:spcPts val="0"/>
+                </a:spcAft>
+                <a:buNone/>
+              </a:pPr>
+              <a:r>
+                <a:rPr lang="en-US" sz="2000" dirty="0"/>
+                <a:t>One trivial global constituent</a:t>
+              </a:r>
+              <a:endParaRPr lang="en-US" sz="2000" b="1" dirty="0"/>
+            </a:p>
+          </p:txBody>
+        </p:sp>
+        <p:sp>
+          <p:nvSpPr>
+            <p:cNvPr id="31" name="Rechteck 30">
+              <a:extLst>
+                <a:ext uri="{FF2B5EF4-FFF2-40B4-BE49-F238E27FC236}">
+                  <a16:creationId xmlns:a16="http://schemas.microsoft.com/office/drawing/2014/main" id="{42F8C1D0-98B3-41DF-9CAC-44A432354197}"/>
+                </a:ext>
+              </a:extLst>
+            </p:cNvPr>
+            <p:cNvSpPr/>
+            <p:nvPr/>
+          </p:nvSpPr>
+          <p:spPr>
+            <a:xfrm>
+              <a:off x="2931965" y="1433811"/>
+              <a:ext cx="1308689" cy="457059"/>
+            </a:xfrm>
+            <a:prstGeom prst="rect">
+              <a:avLst/>
+            </a:prstGeom>
+            <a:solidFill>
+              <a:srgbClr val="B0003E"/>
+            </a:solidFill>
+            <a:ln>
+              <a:noFill/>
+            </a:ln>
+          </p:spPr>
+          <p:style>
+            <a:lnRef idx="2">
+              <a:schemeClr val="accent1">
+                <a:shade val="50000"/>
+              </a:schemeClr>
+            </a:lnRef>
+            <a:fillRef idx="1">
+              <a:schemeClr val="accent1"/>
+            </a:fillRef>
+            <a:effectRef idx="0">
+              <a:schemeClr val="accent1"/>
+            </a:effectRef>
+            <a:fontRef idx="minor">
+              <a:schemeClr val="lt1"/>
+            </a:fontRef>
+          </p:style>
+          <p:txBody>
+            <a:bodyPr rtlCol="0" anchor="ctr"/>
+            <a:lstStyle/>
+            <a:p>
+              <a:pPr algn="ctr"/>
+              <a:r>
+                <a:rPr lang="en-US" dirty="0">
+                  <a:latin typeface="Roboto Light" panose="020B0604020202020204" charset="0"/>
+                  <a:ea typeface="Roboto Light" panose="020B0604020202020204" charset="0"/>
+                </a:rPr>
+                <a:t>non-LTA</a:t>
+              </a:r>
+            </a:p>
+          </p:txBody>
+        </p:sp>
+      </p:grpSp>
+      <p:pic>
+        <p:nvPicPr>
+          <p:cNvPr id="18" name="Grafik 17">
+            <a:extLst>
+              <a:ext uri="{FF2B5EF4-FFF2-40B4-BE49-F238E27FC236}">
+                <a16:creationId xmlns:a16="http://schemas.microsoft.com/office/drawing/2014/main" id="{8F938DC5-8709-422E-83B7-1AC1C6D84577}"/>
+              </a:ext>
+            </a:extLst>
+          </p:cNvPr>
+          <p:cNvPicPr>
+            <a:picLocks noChangeAspect="1"/>
+          </p:cNvPicPr>
+          <p:nvPr/>
+        </p:nvPicPr>
+        <p:blipFill>
+          <a:blip r:embed="rId2">
+            <a:extLst>
+              <a:ext uri="{28A0092B-C50C-407E-A947-70E740481C1C}">
+                <a14:useLocalDpi xmlns:a14="http://schemas.microsoft.com/office/drawing/2010/main" val="0"/>
+              </a:ext>
+              <a:ext uri="{96DAC541-7B7A-43D3-8B79-37D633B846F1}">
+                <asvg:svgBlip xmlns:asvg="http://schemas.microsoft.com/office/drawing/2016/SVG/main" r:embed="rId3"/>
+              </a:ext>
+            </a:extLst>
+          </a:blip>
+          <a:stretch>
+            <a:fillRect/>
+          </a:stretch>
+        </p:blipFill>
+        <p:spPr>
+          <a:xfrm>
+            <a:off x="8854899" y="1323643"/>
+            <a:ext cx="1381125" cy="1352550"/>
+          </a:xfrm>
+          <a:prstGeom prst="rect">
+            <a:avLst/>
+          </a:prstGeom>
+        </p:spPr>
+      </p:pic>
+      <p:pic>
+        <p:nvPicPr>
+          <p:cNvPr id="32" name="Grafik 31">
+            <a:extLst>
+              <a:ext uri="{FF2B5EF4-FFF2-40B4-BE49-F238E27FC236}">
+                <a16:creationId xmlns:a16="http://schemas.microsoft.com/office/drawing/2014/main" id="{2C44B77A-6D49-4359-AEEA-6FADC2BF9947}"/>
+              </a:ext>
+            </a:extLst>
+          </p:cNvPr>
+          <p:cNvPicPr>
+            <a:picLocks noChangeAspect="1"/>
+          </p:cNvPicPr>
+          <p:nvPr/>
+        </p:nvPicPr>
+        <p:blipFill>
+          <a:blip r:embed="rId4">
+            <a:extLst>
+              <a:ext uri="{28A0092B-C50C-407E-A947-70E740481C1C}">
+                <a14:useLocalDpi xmlns:a14="http://schemas.microsoft.com/office/drawing/2010/main" val="0"/>
+              </a:ext>
+              <a:ext uri="{96DAC541-7B7A-43D3-8B79-37D633B846F1}">
+                <asvg:svgBlip xmlns:asvg="http://schemas.microsoft.com/office/drawing/2016/SVG/main" r:embed="rId5"/>
+              </a:ext>
+            </a:extLst>
+          </a:blip>
+          <a:stretch>
+            <a:fillRect/>
+          </a:stretch>
+        </p:blipFill>
+        <p:spPr>
+          <a:xfrm>
+            <a:off x="9013596" y="3779819"/>
+            <a:ext cx="1228725" cy="1914525"/>
+          </a:xfrm>
+          <a:prstGeom prst="rect">
+            <a:avLst/>
+          </a:prstGeom>
+        </p:spPr>
+      </p:pic>
+      <p:grpSp>
+        <p:nvGrpSpPr>
+          <p:cNvPr id="36" name="Gruppieren 35">
+            <a:extLst>
+              <a:ext uri="{FF2B5EF4-FFF2-40B4-BE49-F238E27FC236}">
+                <a16:creationId xmlns:a16="http://schemas.microsoft.com/office/drawing/2014/main" id="{58124D1C-ABFC-455E-A4D9-181F62E00C6E}"/>
+              </a:ext>
+            </a:extLst>
+          </p:cNvPr>
+          <p:cNvGrpSpPr/>
+          <p:nvPr/>
+        </p:nvGrpSpPr>
+        <p:grpSpPr>
+          <a:xfrm>
+            <a:off x="2931965" y="2553291"/>
+            <a:ext cx="5859694" cy="662782"/>
+            <a:chOff x="2931965" y="2531985"/>
+            <a:chExt cx="5859694" cy="662782"/>
+          </a:xfrm>
+        </p:grpSpPr>
+        <p:sp>
+          <p:nvSpPr>
+            <p:cNvPr id="33" name="Inhaltsplatzhalter 7">
+              <a:extLst>
+                <a:ext uri="{FF2B5EF4-FFF2-40B4-BE49-F238E27FC236}">
+                  <a16:creationId xmlns:a16="http://schemas.microsoft.com/office/drawing/2014/main" id="{691ED356-CA4A-413D-A31B-A4A38308009D}"/>
+                </a:ext>
+              </a:extLst>
+            </p:cNvPr>
+            <p:cNvSpPr txBox="1">
+              <a:spLocks/>
+            </p:cNvSpPr>
+            <p:nvPr/>
+          </p:nvSpPr>
+          <p:spPr>
+            <a:xfrm>
+              <a:off x="4382690" y="2531985"/>
+              <a:ext cx="4408969" cy="662782"/>
+            </a:xfrm>
+            <a:prstGeom prst="rect">
+              <a:avLst/>
+            </a:prstGeom>
+          </p:spPr>
+          <p:txBody>
+            <a:bodyPr anchor="ctr">
+              <a:normAutofit/>
+            </a:bodyPr>
+            <a:lstStyle>
+              <a:lvl1pPr marL="228600" indent="-228600" algn="l" defTabSz="914400" rtl="0" eaLnBrk="1" latinLnBrk="0" hangingPunct="1">
+                <a:lnSpc>
+                  <a:spcPct val="90000"/>
+                </a:lnSpc>
+                <a:spcBef>
+                  <a:spcPts val="1000"/>
+                </a:spcBef>
+                <a:buFont typeface="Arial" panose="020B0604020202020204" pitchFamily="34" charset="0"/>
+                <a:buChar char="•"/>
+                <a:defRPr sz="2800" kern="1200">
+                  <a:solidFill>
+                    <a:schemeClr val="tx1"/>
+                  </a:solidFill>
+                  <a:latin typeface="Roboto Light" panose="02000000000000000000" pitchFamily="2" charset="0"/>
+                  <a:ea typeface="Roboto Light" panose="02000000000000000000" pitchFamily="2" charset="0"/>
+                  <a:cs typeface="+mn-cs"/>
+                </a:defRPr>
+              </a:lvl1pPr>
+              <a:lvl2pPr marL="685800" indent="-228600" algn="l" defTabSz="914400" rtl="0" eaLnBrk="1" latinLnBrk="0" hangingPunct="1">
+                <a:lnSpc>
+                  <a:spcPct val="90000"/>
+                </a:lnSpc>
+                <a:spcBef>
+                  <a:spcPts val="500"/>
+                </a:spcBef>
+                <a:buFont typeface="Arial" panose="020B0604020202020204" pitchFamily="34" charset="0"/>
+                <a:buChar char="•"/>
+                <a:defRPr sz="2400" kern="1200">
+                  <a:solidFill>
+                    <a:schemeClr val="tx1"/>
+                  </a:solidFill>
+                  <a:latin typeface="Roboto Light" panose="02000000000000000000" pitchFamily="2" charset="0"/>
+                  <a:ea typeface="Roboto Light" panose="02000000000000000000" pitchFamily="2" charset="0"/>
+                  <a:cs typeface="+mn-cs"/>
+                </a:defRPr>
+              </a:lvl2pPr>
+              <a:lvl3pPr marL="1143000" indent="-228600" algn="l" defTabSz="914400" rtl="0" eaLnBrk="1" latinLnBrk="0" hangingPunct="1">
+                <a:lnSpc>
+                  <a:spcPct val="90000"/>
+                </a:lnSpc>
+                <a:spcBef>
+                  <a:spcPts val="500"/>
+                </a:spcBef>
+                <a:buFont typeface="Arial" panose="020B0604020202020204" pitchFamily="34" charset="0"/>
+                <a:buChar char="•"/>
+                <a:defRPr sz="2000" kern="1200">
+                  <a:solidFill>
+                    <a:schemeClr val="tx1"/>
+                  </a:solidFill>
+                  <a:latin typeface="Roboto Light" panose="02000000000000000000" pitchFamily="2" charset="0"/>
+                  <a:ea typeface="Roboto Light" panose="02000000000000000000" pitchFamily="2" charset="0"/>
+                  <a:cs typeface="+mn-cs"/>
+                </a:defRPr>
+              </a:lvl3pPr>
+              <a:lvl4pPr marL="1600200" indent="-228600" algn="l" defTabSz="914400" rtl="0" eaLnBrk="1" latinLnBrk="0" hangingPunct="1">
+                <a:lnSpc>
+                  <a:spcPct val="90000"/>
+                </a:lnSpc>
+                <a:spcBef>
+                  <a:spcPts val="500"/>
+                </a:spcBef>
+                <a:buFont typeface="Arial" panose="020B0604020202020204" pitchFamily="34" charset="0"/>
+                <a:buChar char="•"/>
+                <a:defRPr sz="1800" kern="1200">
+                  <a:solidFill>
+                    <a:schemeClr val="tx1"/>
+                  </a:solidFill>
+                  <a:latin typeface="Roboto Light" panose="02000000000000000000" pitchFamily="2" charset="0"/>
+                  <a:ea typeface="Roboto Light" panose="02000000000000000000" pitchFamily="2" charset="0"/>
+                  <a:cs typeface="+mn-cs"/>
+                </a:defRPr>
+              </a:lvl4pPr>
+              <a:lvl5pPr marL="2057400" indent="-228600" algn="l" defTabSz="914400" rtl="0" eaLnBrk="1" latinLnBrk="0" hangingPunct="1">
+                <a:lnSpc>
+                  <a:spcPct val="90000"/>
+                </a:lnSpc>
+                <a:spcBef>
+                  <a:spcPts val="500"/>
+                </a:spcBef>
+                <a:buFont typeface="Arial" panose="020B0604020202020204" pitchFamily="34" charset="0"/>
+                <a:buChar char="•"/>
+                <a:defRPr sz="1800" kern="1200">
+                  <a:solidFill>
+                    <a:schemeClr val="tx1"/>
+                  </a:solidFill>
+                  <a:latin typeface="Roboto Light" panose="02000000000000000000" pitchFamily="2" charset="0"/>
+                  <a:ea typeface="Roboto Light" panose="02000000000000000000" pitchFamily="2" charset="0"/>
+                  <a:cs typeface="+mn-cs"/>
+                </a:defRPr>
+              </a:lvl5pPr>
+              <a:lvl6pPr marL="2514600" indent="-228600" algn="l" defTabSz="914400" rtl="0" eaLnBrk="1" latinLnBrk="0" hangingPunct="1">
+                <a:lnSpc>
+                  <a:spcPct val="90000"/>
+                </a:lnSpc>
+                <a:spcBef>
+                  <a:spcPts val="500"/>
+                </a:spcBef>
+                <a:buFont typeface="Arial" panose="020B0604020202020204" pitchFamily="34" charset="0"/>
+                <a:buChar char="•"/>
+                <a:defRPr sz="1800" kern="1200">
+                  <a:solidFill>
+                    <a:schemeClr val="tx1"/>
+                  </a:solidFill>
+                  <a:latin typeface="+mn-lt"/>
+                  <a:ea typeface="+mn-ea"/>
+                  <a:cs typeface="+mn-cs"/>
+                </a:defRPr>
+              </a:lvl6pPr>
+              <a:lvl7pPr marL="2971800" indent="-228600" algn="l" defTabSz="914400" rtl="0" eaLnBrk="1" latinLnBrk="0" hangingPunct="1">
+                <a:lnSpc>
+                  <a:spcPct val="90000"/>
+                </a:lnSpc>
+                <a:spcBef>
+                  <a:spcPts val="500"/>
+                </a:spcBef>
+                <a:buFont typeface="Arial" panose="020B0604020202020204" pitchFamily="34" charset="0"/>
+                <a:buChar char="•"/>
+                <a:defRPr sz="1800" kern="1200">
+                  <a:solidFill>
+                    <a:schemeClr val="tx1"/>
+                  </a:solidFill>
+                  <a:latin typeface="+mn-lt"/>
+                  <a:ea typeface="+mn-ea"/>
+                  <a:cs typeface="+mn-cs"/>
+                </a:defRPr>
+              </a:lvl7pPr>
+              <a:lvl8pPr marL="3429000" indent="-228600" algn="l" defTabSz="914400" rtl="0" eaLnBrk="1" latinLnBrk="0" hangingPunct="1">
+                <a:lnSpc>
+                  <a:spcPct val="90000"/>
+                </a:lnSpc>
+                <a:spcBef>
+                  <a:spcPts val="500"/>
+                </a:spcBef>
+                <a:buFont typeface="Arial" panose="020B0604020202020204" pitchFamily="34" charset="0"/>
+                <a:buChar char="•"/>
+                <a:defRPr sz="1800" kern="1200">
+                  <a:solidFill>
+                    <a:schemeClr val="tx1"/>
+                  </a:solidFill>
+                  <a:latin typeface="+mn-lt"/>
+                  <a:ea typeface="+mn-ea"/>
+                  <a:cs typeface="+mn-cs"/>
+                </a:defRPr>
+              </a:lvl8pPr>
+              <a:lvl9pPr marL="3886200" indent="-228600" algn="l" defTabSz="914400" rtl="0" eaLnBrk="1" latinLnBrk="0" hangingPunct="1">
+                <a:lnSpc>
+                  <a:spcPct val="90000"/>
+                </a:lnSpc>
+                <a:spcBef>
+                  <a:spcPts val="500"/>
+                </a:spcBef>
+                <a:buFont typeface="Arial" panose="020B0604020202020204" pitchFamily="34" charset="0"/>
+                <a:buChar char="•"/>
+                <a:defRPr sz="1800" kern="1200">
+                  <a:solidFill>
+                    <a:schemeClr val="tx1"/>
+                  </a:solidFill>
+                  <a:latin typeface="+mn-lt"/>
+                  <a:ea typeface="+mn-ea"/>
+                  <a:cs typeface="+mn-cs"/>
+                </a:defRPr>
+              </a:lvl9pPr>
+            </a:lstStyle>
+            <a:p>
+              <a:pPr marL="0" indent="0" fontAlgn="auto">
+                <a:lnSpc>
+                  <a:spcPct val="100000"/>
+                </a:lnSpc>
+                <a:spcBef>
+                  <a:spcPts val="2400"/>
+                </a:spcBef>
+                <a:spcAft>
+                  <a:spcPts val="0"/>
+                </a:spcAft>
+                <a:buNone/>
+              </a:pPr>
+              <a:r>
+                <a:rPr lang="en-US" sz="2000"/>
+                <a:t>Connected component constituents</a:t>
+              </a:r>
+            </a:p>
+          </p:txBody>
+        </p:sp>
+        <p:sp>
+          <p:nvSpPr>
+            <p:cNvPr id="34" name="Rechteck 33">
+              <a:extLst>
+                <a:ext uri="{FF2B5EF4-FFF2-40B4-BE49-F238E27FC236}">
+                  <a16:creationId xmlns:a16="http://schemas.microsoft.com/office/drawing/2014/main" id="{1B90DD35-EAA7-4885-9938-B87AC18363D9}"/>
+                </a:ext>
+              </a:extLst>
+            </p:cNvPr>
+            <p:cNvSpPr/>
+            <p:nvPr/>
+          </p:nvSpPr>
+          <p:spPr>
+            <a:xfrm>
+              <a:off x="2931965" y="2634846"/>
+              <a:ext cx="1308689" cy="457059"/>
+            </a:xfrm>
+            <a:prstGeom prst="rect">
+              <a:avLst/>
+            </a:prstGeom>
+            <a:solidFill>
+              <a:schemeClr val="accent4">
+                <a:lumMod val="75000"/>
+              </a:schemeClr>
+            </a:solidFill>
+            <a:ln>
+              <a:noFill/>
+            </a:ln>
+          </p:spPr>
+          <p:style>
+            <a:lnRef idx="2">
+              <a:schemeClr val="accent1">
+                <a:shade val="50000"/>
+              </a:schemeClr>
+            </a:lnRef>
+            <a:fillRef idx="1">
+              <a:schemeClr val="accent1"/>
+            </a:fillRef>
+            <a:effectRef idx="0">
+              <a:schemeClr val="accent1"/>
+            </a:effectRef>
+            <a:fontRef idx="minor">
+              <a:schemeClr val="lt1"/>
+            </a:fontRef>
+          </p:style>
+          <p:txBody>
+            <a:bodyPr rtlCol="0" anchor="ctr"/>
+            <a:lstStyle/>
+            <a:p>
+              <a:pPr algn="ctr"/>
+              <a:r>
+                <a:rPr lang="en-US" dirty="0">
+                  <a:latin typeface="Roboto Light" panose="020B0604020202020204" charset="0"/>
+                  <a:ea typeface="Roboto Light" panose="020B0604020202020204" charset="0"/>
+                </a:rPr>
+                <a:t>LTA-like</a:t>
+              </a:r>
+            </a:p>
+          </p:txBody>
+        </p:sp>
+      </p:grpSp>
+      <p:pic>
+        <p:nvPicPr>
+          <p:cNvPr id="40" name="Grafik 39">
+            <a:extLst>
+              <a:ext uri="{FF2B5EF4-FFF2-40B4-BE49-F238E27FC236}">
+                <a16:creationId xmlns:a16="http://schemas.microsoft.com/office/drawing/2014/main" id="{E808CD0A-0261-4A41-9E3F-061A5799188F}"/>
+              </a:ext>
+            </a:extLst>
+          </p:cNvPr>
+          <p:cNvPicPr>
+            <a:picLocks noChangeAspect="1"/>
+          </p:cNvPicPr>
+          <p:nvPr/>
+        </p:nvPicPr>
+        <p:blipFill>
+          <a:blip r:embed="rId6">
+            <a:extLst>
+              <a:ext uri="{28A0092B-C50C-407E-A947-70E740481C1C}">
+                <a14:useLocalDpi xmlns:a14="http://schemas.microsoft.com/office/drawing/2010/main" val="0"/>
+              </a:ext>
+              <a:ext uri="{96DAC541-7B7A-43D3-8B79-37D633B846F1}">
+                <asvg:svgBlip xmlns:asvg="http://schemas.microsoft.com/office/drawing/2016/SVG/main" r:embed="rId7"/>
+              </a:ext>
+            </a:extLst>
+          </a:blip>
+          <a:stretch>
+            <a:fillRect/>
+          </a:stretch>
+        </p:blipFill>
+        <p:spPr>
+          <a:xfrm>
+            <a:off x="3530348" y="1907306"/>
+            <a:ext cx="110491" cy="530357"/>
+          </a:xfrm>
+          <a:prstGeom prst="rect">
+            <a:avLst/>
+          </a:prstGeom>
+        </p:spPr>
+      </p:pic>
+      <p:pic>
+        <p:nvPicPr>
+          <p:cNvPr id="41" name="Grafik 40">
+            <a:extLst>
+              <a:ext uri="{FF2B5EF4-FFF2-40B4-BE49-F238E27FC236}">
+                <a16:creationId xmlns:a16="http://schemas.microsoft.com/office/drawing/2014/main" id="{DA352F4C-639F-4434-A5F1-98FA8632A2AE}"/>
+              </a:ext>
+            </a:extLst>
+          </p:cNvPr>
+          <p:cNvPicPr>
+            <a:picLocks noChangeAspect="1"/>
+          </p:cNvPicPr>
+          <p:nvPr/>
+        </p:nvPicPr>
+        <p:blipFill>
+          <a:blip r:embed="rId6">
+            <a:extLst>
+              <a:ext uri="{28A0092B-C50C-407E-A947-70E740481C1C}">
+                <a14:useLocalDpi xmlns:a14="http://schemas.microsoft.com/office/drawing/2010/main" val="0"/>
+              </a:ext>
+              <a:ext uri="{96DAC541-7B7A-43D3-8B79-37D633B846F1}">
+                <asvg:svgBlip xmlns:asvg="http://schemas.microsoft.com/office/drawing/2016/SVG/main" r:embed="rId7"/>
+              </a:ext>
+            </a:extLst>
+          </a:blip>
+          <a:stretch>
+            <a:fillRect/>
+          </a:stretch>
+        </p:blipFill>
+        <p:spPr>
+          <a:xfrm>
+            <a:off x="3530348" y="3213535"/>
+            <a:ext cx="110491" cy="530357"/>
+          </a:xfrm>
+          <a:prstGeom prst="rect">
+            <a:avLst/>
+          </a:prstGeom>
+        </p:spPr>
+      </p:pic>
+      <p:pic>
+        <p:nvPicPr>
+          <p:cNvPr id="42" name="Grafik 41">
+            <a:extLst>
+              <a:ext uri="{FF2B5EF4-FFF2-40B4-BE49-F238E27FC236}">
+                <a16:creationId xmlns:a16="http://schemas.microsoft.com/office/drawing/2014/main" id="{D6367C7A-B6D0-41E8-985B-17740B91753A}"/>
+              </a:ext>
+            </a:extLst>
+          </p:cNvPr>
+          <p:cNvPicPr>
+            <a:picLocks noChangeAspect="1"/>
+          </p:cNvPicPr>
+          <p:nvPr/>
+        </p:nvPicPr>
+        <p:blipFill>
+          <a:blip r:embed="rId6">
+            <a:extLst>
+              <a:ext uri="{28A0092B-C50C-407E-A947-70E740481C1C}">
+                <a14:useLocalDpi xmlns:a14="http://schemas.microsoft.com/office/drawing/2010/main" val="0"/>
+              </a:ext>
+              <a:ext uri="{96DAC541-7B7A-43D3-8B79-37D633B846F1}">
+                <asvg:svgBlip xmlns:asvg="http://schemas.microsoft.com/office/drawing/2016/SVG/main" r:embed="rId7"/>
+              </a:ext>
+            </a:extLst>
+          </a:blip>
+          <a:stretch>
+            <a:fillRect/>
+          </a:stretch>
+        </p:blipFill>
+        <p:spPr>
+          <a:xfrm>
+            <a:off x="3530348" y="4531753"/>
+            <a:ext cx="110491" cy="530357"/>
+          </a:xfrm>
+          <a:prstGeom prst="rect">
+            <a:avLst/>
+          </a:prstGeom>
+        </p:spPr>
+      </p:pic>
+    </p:spTree>
+    <p:extLst>
+      <p:ext uri="{BB962C8B-B14F-4D97-AF65-F5344CB8AC3E}">
+        <p14:creationId xmlns:p14="http://schemas.microsoft.com/office/powerpoint/2010/main" val="2156012413"/>
+      </p:ext>
+    </p:extLst>
+  </p:cSld>
+  <p:clrMapOvr>
+    <a:masterClrMapping/>
+  </p:clrMapOvr>
+</p:sld>
+</file>
+
+<file path=ppt/slides/slide11.xml><?xml version="1.0" encoding="utf-8"?>
+<p:sld xmlns:a="http://schemas.openxmlformats.org/drawingml/2006/main" xmlns:r="http://schemas.openxmlformats.org/officeDocument/2006/relationships" xmlns:p="http://schemas.openxmlformats.org/presentationml/2006/main">
+  <p:cSld>
+    <p:spTree>
+      <p:nvGrpSpPr>
+        <p:cNvPr id="1" name=""/>
+        <p:cNvGrpSpPr/>
+        <p:nvPr/>
+      </p:nvGrpSpPr>
+      <p:grpSpPr>
+        <a:xfrm>
+          <a:off x="0" y="0"/>
+          <a:ext cx="0" cy="0"/>
+          <a:chOff x="0" y="0"/>
+          <a:chExt cx="0" cy="0"/>
+        </a:xfrm>
+      </p:grpSpPr>
+      <p:sp>
+        <p:nvSpPr>
+          <p:cNvPr id="2" name="Titel 1">
+            <a:extLst>
+              <a:ext uri="{FF2B5EF4-FFF2-40B4-BE49-F238E27FC236}">
+                <a16:creationId xmlns:a16="http://schemas.microsoft.com/office/drawing/2014/main" id="{2D0FFD85-9ECB-43AD-A5A9-1E845E3225DB}"/>
+              </a:ext>
+            </a:extLst>
+          </p:cNvPr>
+          <p:cNvSpPr>
+            <a:spLocks noGrp="1"/>
+          </p:cNvSpPr>
+          <p:nvPr>
+            <p:ph type="title"/>
+          </p:nvPr>
+        </p:nvSpPr>
+        <p:spPr/>
+        <p:txBody>
+          <a:bodyPr/>
+          <a:lstStyle/>
+          <a:p>
+            <a:r>
+              <a:rPr lang="de-DE" dirty="0"/>
+              <a:t>Research Questions</a:t>
+            </a:r>
+            <a:endParaRPr lang="en-US" b="1" dirty="0"/>
+          </a:p>
+        </p:txBody>
+      </p:sp>
+      <p:sp>
+        <p:nvSpPr>
+          <p:cNvPr id="3" name="Foliennummernplatzhalter 2">
+            <a:extLst>
+              <a:ext uri="{FF2B5EF4-FFF2-40B4-BE49-F238E27FC236}">
+                <a16:creationId xmlns:a16="http://schemas.microsoft.com/office/drawing/2014/main" id="{A9A3E377-2D44-4492-89E5-28D1334E9EC0}"/>
+              </a:ext>
+            </a:extLst>
+          </p:cNvPr>
+          <p:cNvSpPr>
+            <a:spLocks noGrp="1"/>
+          </p:cNvSpPr>
+          <p:nvPr>
+            <p:ph type="sldNum" sz="quarter" idx="12"/>
+          </p:nvPr>
+        </p:nvSpPr>
+        <p:spPr/>
+        <p:txBody>
+          <a:bodyPr/>
+          <a:lstStyle/>
+          <a:p>
+            <a:fld id="{F4DAF760-8A09-427D-9634-9AF01F07ABD5}" type="slidenum">
+              <a:rPr lang="de-DE" smtClean="0"/>
+              <a:pPr/>
+              <a:t>11</a:t>
+            </a:fld>
+            <a:endParaRPr lang="de-DE" dirty="0"/>
+          </a:p>
+        </p:txBody>
+      </p:sp>
+      <p:sp>
+        <p:nvSpPr>
+          <p:cNvPr id="4" name="Datumsplatzhalter 3">
+            <a:extLst>
+              <a:ext uri="{FF2B5EF4-FFF2-40B4-BE49-F238E27FC236}">
+                <a16:creationId xmlns:a16="http://schemas.microsoft.com/office/drawing/2014/main" id="{92762C93-2A9A-4811-B406-3D4DB30BF929}"/>
+              </a:ext>
+            </a:extLst>
+          </p:cNvPr>
+          <p:cNvSpPr>
+            <a:spLocks noGrp="1"/>
+          </p:cNvSpPr>
+          <p:nvPr>
+            <p:ph type="dt" sz="half" idx="2"/>
+          </p:nvPr>
+        </p:nvSpPr>
+        <p:spPr/>
+        <p:txBody>
+          <a:bodyPr/>
+          <a:lstStyle/>
+          <a:p>
+            <a:fld id="{FC7A687E-3478-45FF-BE3F-5D1B7EEC5370}" type="datetime4">
+              <a:rPr lang="en-US" smtClean="0"/>
+              <a:t>April 18, 2020</a:t>
+            </a:fld>
+            <a:endParaRPr lang="en-US" dirty="0"/>
+          </a:p>
+        </p:txBody>
+      </p:sp>
+      <p:sp>
+        <p:nvSpPr>
+          <p:cNvPr id="5" name="Fußzeilenplatzhalter 4">
+            <a:extLst>
+              <a:ext uri="{FF2B5EF4-FFF2-40B4-BE49-F238E27FC236}">
+                <a16:creationId xmlns:a16="http://schemas.microsoft.com/office/drawing/2014/main" id="{1A8776A3-0E10-4A7C-A4A4-D2611C7BC52B}"/>
+              </a:ext>
+            </a:extLst>
+          </p:cNvPr>
+          <p:cNvSpPr>
+            <a:spLocks noGrp="1"/>
+          </p:cNvSpPr>
+          <p:nvPr>
+            <p:ph type="ftr" sz="quarter" idx="3"/>
+          </p:nvPr>
+        </p:nvSpPr>
+        <p:spPr/>
+        <p:txBody>
+          <a:bodyPr/>
+          <a:lstStyle/>
+          <a:p>
+            <a:r>
+              <a:rPr lang="en-US"/>
+              <a:t>Learning to Aggregate on Structured Data</a:t>
+            </a:r>
+          </a:p>
+        </p:txBody>
+      </p:sp>
+      <p:grpSp>
+        <p:nvGrpSpPr>
+          <p:cNvPr id="20" name="Gruppieren 19">
+            <a:extLst>
+              <a:ext uri="{FF2B5EF4-FFF2-40B4-BE49-F238E27FC236}">
+                <a16:creationId xmlns:a16="http://schemas.microsoft.com/office/drawing/2014/main" id="{4732A006-E0A2-4C34-9AE4-D110027E5FDD}"/>
+              </a:ext>
+            </a:extLst>
+          </p:cNvPr>
+          <p:cNvGrpSpPr/>
+          <p:nvPr/>
+        </p:nvGrpSpPr>
+        <p:grpSpPr>
+          <a:xfrm>
+            <a:off x="1977457" y="1016024"/>
+            <a:ext cx="4400550" cy="2200333"/>
+            <a:chOff x="3031659" y="868685"/>
+            <a:chExt cx="4400550" cy="2200333"/>
+          </a:xfrm>
+        </p:grpSpPr>
+        <p:sp>
+          <p:nvSpPr>
+            <p:cNvPr id="11" name="Inhaltsplatzhalter 7">
+              <a:extLst>
+                <a:ext uri="{FF2B5EF4-FFF2-40B4-BE49-F238E27FC236}">
+                  <a16:creationId xmlns:a16="http://schemas.microsoft.com/office/drawing/2014/main" id="{35478ECF-BC7F-4E35-A224-DC9377A7594A}"/>
+                </a:ext>
+              </a:extLst>
+            </p:cNvPr>
+            <p:cNvSpPr txBox="1">
+              <a:spLocks/>
+            </p:cNvSpPr>
+            <p:nvPr/>
+          </p:nvSpPr>
+          <p:spPr>
+            <a:xfrm>
+              <a:off x="3787051" y="868685"/>
+              <a:ext cx="1129295" cy="662782"/>
+            </a:xfrm>
+            <a:prstGeom prst="rect">
+              <a:avLst/>
+            </a:prstGeom>
+          </p:spPr>
+          <p:txBody>
+            <a:bodyPr anchor="ctr">
+              <a:noAutofit/>
+            </a:bodyPr>
+            <a:lstStyle>
+              <a:lvl1pPr marL="228600" indent="-228600" algn="l" defTabSz="914400" rtl="0" eaLnBrk="1" latinLnBrk="0" hangingPunct="1">
+                <a:lnSpc>
+                  <a:spcPct val="90000"/>
+                </a:lnSpc>
+                <a:spcBef>
+                  <a:spcPts val="1000"/>
+                </a:spcBef>
+                <a:buFont typeface="Arial" panose="020B0604020202020204" pitchFamily="34" charset="0"/>
+                <a:buChar char="•"/>
+                <a:defRPr sz="2800" kern="1200">
+                  <a:solidFill>
+                    <a:schemeClr val="tx1"/>
+                  </a:solidFill>
+                  <a:latin typeface="Roboto Light" panose="02000000000000000000" pitchFamily="2" charset="0"/>
+                  <a:ea typeface="Roboto Light" panose="02000000000000000000" pitchFamily="2" charset="0"/>
+                  <a:cs typeface="+mn-cs"/>
+                </a:defRPr>
+              </a:lvl1pPr>
+              <a:lvl2pPr marL="685800" indent="-228600" algn="l" defTabSz="914400" rtl="0" eaLnBrk="1" latinLnBrk="0" hangingPunct="1">
+                <a:lnSpc>
+                  <a:spcPct val="90000"/>
+                </a:lnSpc>
+                <a:spcBef>
+                  <a:spcPts val="500"/>
+                </a:spcBef>
+                <a:buFont typeface="Arial" panose="020B0604020202020204" pitchFamily="34" charset="0"/>
+                <a:buChar char="•"/>
+                <a:defRPr sz="2400" kern="1200">
+                  <a:solidFill>
+                    <a:schemeClr val="tx1"/>
+                  </a:solidFill>
+                  <a:latin typeface="Roboto Light" panose="02000000000000000000" pitchFamily="2" charset="0"/>
+                  <a:ea typeface="Roboto Light" panose="02000000000000000000" pitchFamily="2" charset="0"/>
+                  <a:cs typeface="+mn-cs"/>
+                </a:defRPr>
+              </a:lvl2pPr>
+              <a:lvl3pPr marL="1143000" indent="-228600" algn="l" defTabSz="914400" rtl="0" eaLnBrk="1" latinLnBrk="0" hangingPunct="1">
+                <a:lnSpc>
+                  <a:spcPct val="90000"/>
+                </a:lnSpc>
+                <a:spcBef>
+                  <a:spcPts val="500"/>
+                </a:spcBef>
+                <a:buFont typeface="Arial" panose="020B0604020202020204" pitchFamily="34" charset="0"/>
+                <a:buChar char="•"/>
+                <a:defRPr sz="2000" kern="1200">
+                  <a:solidFill>
+                    <a:schemeClr val="tx1"/>
+                  </a:solidFill>
+                  <a:latin typeface="Roboto Light" panose="02000000000000000000" pitchFamily="2" charset="0"/>
+                  <a:ea typeface="Roboto Light" panose="02000000000000000000" pitchFamily="2" charset="0"/>
+                  <a:cs typeface="+mn-cs"/>
+                </a:defRPr>
+              </a:lvl3pPr>
+              <a:lvl4pPr marL="1600200" indent="-228600" algn="l" defTabSz="914400" rtl="0" eaLnBrk="1" latinLnBrk="0" hangingPunct="1">
+                <a:lnSpc>
+                  <a:spcPct val="90000"/>
+                </a:lnSpc>
+                <a:spcBef>
+                  <a:spcPts val="500"/>
+                </a:spcBef>
+                <a:buFont typeface="Arial" panose="020B0604020202020204" pitchFamily="34" charset="0"/>
+                <a:buChar char="•"/>
+                <a:defRPr sz="1800" kern="1200">
+                  <a:solidFill>
+                    <a:schemeClr val="tx1"/>
+                  </a:solidFill>
+                  <a:latin typeface="Roboto Light" panose="02000000000000000000" pitchFamily="2" charset="0"/>
+                  <a:ea typeface="Roboto Light" panose="02000000000000000000" pitchFamily="2" charset="0"/>
+                  <a:cs typeface="+mn-cs"/>
+                </a:defRPr>
+              </a:lvl4pPr>
+              <a:lvl5pPr marL="2057400" indent="-228600" algn="l" defTabSz="914400" rtl="0" eaLnBrk="1" latinLnBrk="0" hangingPunct="1">
+                <a:lnSpc>
+                  <a:spcPct val="90000"/>
+                </a:lnSpc>
+                <a:spcBef>
+                  <a:spcPts val="500"/>
+                </a:spcBef>
+                <a:buFont typeface="Arial" panose="020B0604020202020204" pitchFamily="34" charset="0"/>
+                <a:buChar char="•"/>
+                <a:defRPr sz="1800" kern="1200">
+                  <a:solidFill>
+                    <a:schemeClr val="tx1"/>
+                  </a:solidFill>
+                  <a:latin typeface="Roboto Light" panose="02000000000000000000" pitchFamily="2" charset="0"/>
+                  <a:ea typeface="Roboto Light" panose="02000000000000000000" pitchFamily="2" charset="0"/>
+                  <a:cs typeface="+mn-cs"/>
+                </a:defRPr>
+              </a:lvl5pPr>
+              <a:lvl6pPr marL="2514600" indent="-228600" algn="l" defTabSz="914400" rtl="0" eaLnBrk="1" latinLnBrk="0" hangingPunct="1">
+                <a:lnSpc>
+                  <a:spcPct val="90000"/>
+                </a:lnSpc>
+                <a:spcBef>
+                  <a:spcPts val="500"/>
+                </a:spcBef>
+                <a:buFont typeface="Arial" panose="020B0604020202020204" pitchFamily="34" charset="0"/>
+                <a:buChar char="•"/>
+                <a:defRPr sz="1800" kern="1200">
+                  <a:solidFill>
+                    <a:schemeClr val="tx1"/>
+                  </a:solidFill>
+                  <a:latin typeface="+mn-lt"/>
+                  <a:ea typeface="+mn-ea"/>
+                  <a:cs typeface="+mn-cs"/>
+                </a:defRPr>
+              </a:lvl6pPr>
+              <a:lvl7pPr marL="2971800" indent="-228600" algn="l" defTabSz="914400" rtl="0" eaLnBrk="1" latinLnBrk="0" hangingPunct="1">
+                <a:lnSpc>
+                  <a:spcPct val="90000"/>
+                </a:lnSpc>
+                <a:spcBef>
+                  <a:spcPts val="500"/>
+                </a:spcBef>
+                <a:buFont typeface="Arial" panose="020B0604020202020204" pitchFamily="34" charset="0"/>
+                <a:buChar char="•"/>
+                <a:defRPr sz="1800" kern="1200">
+                  <a:solidFill>
+                    <a:schemeClr val="tx1"/>
+                  </a:solidFill>
+                  <a:latin typeface="+mn-lt"/>
+                  <a:ea typeface="+mn-ea"/>
+                  <a:cs typeface="+mn-cs"/>
+                </a:defRPr>
+              </a:lvl7pPr>
+              <a:lvl8pPr marL="3429000" indent="-228600" algn="l" defTabSz="914400" rtl="0" eaLnBrk="1" latinLnBrk="0" hangingPunct="1">
+                <a:lnSpc>
+                  <a:spcPct val="90000"/>
+                </a:lnSpc>
+                <a:spcBef>
+                  <a:spcPts val="500"/>
+                </a:spcBef>
+                <a:buFont typeface="Arial" panose="020B0604020202020204" pitchFamily="34" charset="0"/>
+                <a:buChar char="•"/>
+                <a:defRPr sz="1800" kern="1200">
+                  <a:solidFill>
+                    <a:schemeClr val="tx1"/>
+                  </a:solidFill>
+                  <a:latin typeface="+mn-lt"/>
+                  <a:ea typeface="+mn-ea"/>
+                  <a:cs typeface="+mn-cs"/>
+                </a:defRPr>
+              </a:lvl8pPr>
+              <a:lvl9pPr marL="3886200" indent="-228600" algn="l" defTabSz="914400" rtl="0" eaLnBrk="1" latinLnBrk="0" hangingPunct="1">
+                <a:lnSpc>
+                  <a:spcPct val="90000"/>
+                </a:lnSpc>
+                <a:spcBef>
+                  <a:spcPts val="500"/>
+                </a:spcBef>
+                <a:buFont typeface="Arial" panose="020B0604020202020204" pitchFamily="34" charset="0"/>
+                <a:buChar char="•"/>
+                <a:defRPr sz="1800" kern="1200">
+                  <a:solidFill>
+                    <a:schemeClr val="tx1"/>
+                  </a:solidFill>
+                  <a:latin typeface="+mn-lt"/>
+                  <a:ea typeface="+mn-ea"/>
+                  <a:cs typeface="+mn-cs"/>
+                </a:defRPr>
+              </a:lvl9pPr>
+            </a:lstStyle>
+            <a:p>
+              <a:pPr marL="0" indent="0" algn="ctr" fontAlgn="auto">
+                <a:lnSpc>
+                  <a:spcPct val="100000"/>
+                </a:lnSpc>
+                <a:spcBef>
+                  <a:spcPts val="2400"/>
+                </a:spcBef>
+                <a:spcAft>
+                  <a:spcPts val="0"/>
+                </a:spcAft>
+                <a:buNone/>
+              </a:pPr>
+              <a:r>
+                <a:rPr lang="en-US" sz="3200" b="1" dirty="0"/>
+                <a:t>LTA</a:t>
+              </a:r>
+            </a:p>
+          </p:txBody>
+        </p:sp>
+        <p:pic>
+          <p:nvPicPr>
+            <p:cNvPr id="18" name="Grafik 17">
+              <a:extLst>
+                <a:ext uri="{FF2B5EF4-FFF2-40B4-BE49-F238E27FC236}">
+                  <a16:creationId xmlns:a16="http://schemas.microsoft.com/office/drawing/2014/main" id="{FC35C1AE-B054-480D-8D85-3A5C74FC0090}"/>
+                </a:ext>
+              </a:extLst>
+            </p:cNvPr>
+            <p:cNvPicPr>
+              <a:picLocks noChangeAspect="1"/>
+            </p:cNvPicPr>
+            <p:nvPr/>
+          </p:nvPicPr>
+          <p:blipFill>
+            <a:blip r:embed="rId2">
+              <a:extLst>
+                <a:ext uri="{28A0092B-C50C-407E-A947-70E740481C1C}">
+                  <a14:useLocalDpi xmlns:a14="http://schemas.microsoft.com/office/drawing/2010/main" val="0"/>
+                </a:ext>
+                <a:ext uri="{96DAC541-7B7A-43D3-8B79-37D633B846F1}">
+                  <asvg:svgBlip xmlns:asvg="http://schemas.microsoft.com/office/drawing/2016/SVG/main" r:embed="rId3"/>
+                </a:ext>
+              </a:extLst>
+            </a:blip>
+            <a:stretch>
+              <a:fillRect/>
+            </a:stretch>
+          </p:blipFill>
+          <p:spPr>
+            <a:xfrm>
+              <a:off x="3031659" y="1154493"/>
+              <a:ext cx="4400550" cy="1914525"/>
+            </a:xfrm>
+            <a:prstGeom prst="rect">
+              <a:avLst/>
+            </a:prstGeom>
+          </p:spPr>
+        </p:pic>
+      </p:grpSp>
+      <p:cxnSp>
+        <p:nvCxnSpPr>
+          <p:cNvPr id="23" name="Gerader Verbinder 22">
+            <a:extLst>
+              <a:ext uri="{FF2B5EF4-FFF2-40B4-BE49-F238E27FC236}">
+                <a16:creationId xmlns:a16="http://schemas.microsoft.com/office/drawing/2014/main" id="{0CAF845F-72F1-4EC8-923F-C0578B77EA13}"/>
+              </a:ext>
+            </a:extLst>
+          </p:cNvPr>
+          <p:cNvCxnSpPr>
+            <a:cxnSpLocks/>
+          </p:cNvCxnSpPr>
+          <p:nvPr/>
+        </p:nvCxnSpPr>
+        <p:spPr>
+          <a:xfrm>
+            <a:off x="8111282" y="1069596"/>
+            <a:ext cx="0" cy="5039701"/>
+          </a:xfrm>
+          <a:prstGeom prst="line">
+            <a:avLst/>
+          </a:prstGeom>
+          <a:ln>
+            <a:solidFill>
+              <a:schemeClr val="accent1">
+                <a:lumMod val="75000"/>
+              </a:schemeClr>
+            </a:solidFill>
+          </a:ln>
+        </p:spPr>
+        <p:style>
+          <a:lnRef idx="1">
+            <a:schemeClr val="accent1"/>
+          </a:lnRef>
+          <a:fillRef idx="0">
+            <a:schemeClr val="accent1"/>
+          </a:fillRef>
+          <a:effectRef idx="0">
+            <a:schemeClr val="accent1"/>
+          </a:effectRef>
+          <a:fontRef idx="minor">
+            <a:schemeClr val="tx1"/>
+          </a:fontRef>
+        </p:style>
+      </p:cxnSp>
+      <p:sp>
+        <p:nvSpPr>
+          <p:cNvPr id="26" name="Inhaltsplatzhalter 7">
+            <a:extLst>
+              <a:ext uri="{FF2B5EF4-FFF2-40B4-BE49-F238E27FC236}">
+                <a16:creationId xmlns:a16="http://schemas.microsoft.com/office/drawing/2014/main" id="{021D6FC1-90DA-4584-A27B-3E34934B906A}"/>
+              </a:ext>
+            </a:extLst>
+          </p:cNvPr>
+          <p:cNvSpPr txBox="1">
+            <a:spLocks/>
+          </p:cNvSpPr>
+          <p:nvPr/>
+        </p:nvSpPr>
+        <p:spPr>
+          <a:xfrm>
+            <a:off x="8315087" y="1301832"/>
+            <a:ext cx="3618245" cy="4680520"/>
+          </a:xfrm>
+          <a:prstGeom prst="rect">
+            <a:avLst/>
+          </a:prstGeom>
+        </p:spPr>
+        <p:txBody>
+          <a:bodyPr anchor="ctr">
+            <a:normAutofit/>
+          </a:bodyPr>
+          <a:lstStyle>
+            <a:lvl1pPr marL="228600" indent="-228600" algn="l" defTabSz="914400" rtl="0" eaLnBrk="1" latinLnBrk="0" hangingPunct="1">
+              <a:lnSpc>
+                <a:spcPct val="90000"/>
+              </a:lnSpc>
+              <a:spcBef>
+                <a:spcPts val="1000"/>
+              </a:spcBef>
+              <a:buFont typeface="Arial" panose="020B0604020202020204" pitchFamily="34" charset="0"/>
+              <a:buChar char="•"/>
+              <a:defRPr sz="2800" kern="1200">
+                <a:solidFill>
+                  <a:schemeClr val="tx1"/>
+                </a:solidFill>
+                <a:latin typeface="Roboto Light" panose="02000000000000000000" pitchFamily="2" charset="0"/>
+                <a:ea typeface="Roboto Light" panose="02000000000000000000" pitchFamily="2" charset="0"/>
+                <a:cs typeface="+mn-cs"/>
+              </a:defRPr>
+            </a:lvl1pPr>
+            <a:lvl2pPr marL="685800" indent="-228600" algn="l" defTabSz="914400" rtl="0" eaLnBrk="1" latinLnBrk="0" hangingPunct="1">
+              <a:lnSpc>
+                <a:spcPct val="90000"/>
+              </a:lnSpc>
+              <a:spcBef>
+                <a:spcPts val="500"/>
+              </a:spcBef>
+              <a:buFont typeface="Arial" panose="020B0604020202020204" pitchFamily="34" charset="0"/>
+              <a:buChar char="•"/>
+              <a:defRPr sz="2400" kern="1200">
+                <a:solidFill>
+                  <a:schemeClr val="tx1"/>
+                </a:solidFill>
+                <a:latin typeface="Roboto Light" panose="02000000000000000000" pitchFamily="2" charset="0"/>
+                <a:ea typeface="Roboto Light" panose="02000000000000000000" pitchFamily="2" charset="0"/>
+                <a:cs typeface="+mn-cs"/>
+              </a:defRPr>
+            </a:lvl2pPr>
+            <a:lvl3pPr marL="1143000" indent="-228600" algn="l" defTabSz="914400" rtl="0" eaLnBrk="1" latinLnBrk="0" hangingPunct="1">
+              <a:lnSpc>
+                <a:spcPct val="90000"/>
+              </a:lnSpc>
+              <a:spcBef>
+                <a:spcPts val="500"/>
+              </a:spcBef>
+              <a:buFont typeface="Arial" panose="020B0604020202020204" pitchFamily="34" charset="0"/>
+              <a:buChar char="•"/>
+              <a:defRPr sz="2000" kern="1200">
+                <a:solidFill>
+                  <a:schemeClr val="tx1"/>
+                </a:solidFill>
+                <a:latin typeface="Roboto Light" panose="02000000000000000000" pitchFamily="2" charset="0"/>
+                <a:ea typeface="Roboto Light" panose="02000000000000000000" pitchFamily="2" charset="0"/>
+                <a:cs typeface="+mn-cs"/>
+              </a:defRPr>
+            </a:lvl3pPr>
+            <a:lvl4pPr marL="1600200" indent="-228600" algn="l" defTabSz="914400" rtl="0" eaLnBrk="1" latinLnBrk="0" hangingPunct="1">
+              <a:lnSpc>
+                <a:spcPct val="90000"/>
+              </a:lnSpc>
+              <a:spcBef>
+                <a:spcPts val="500"/>
+              </a:spcBef>
+              <a:buFont typeface="Arial" panose="020B0604020202020204" pitchFamily="34" charset="0"/>
+              <a:buChar char="•"/>
+              <a:defRPr sz="1800" kern="1200">
+                <a:solidFill>
+                  <a:schemeClr val="tx1"/>
+                </a:solidFill>
+                <a:latin typeface="Roboto Light" panose="02000000000000000000" pitchFamily="2" charset="0"/>
+                <a:ea typeface="Roboto Light" panose="02000000000000000000" pitchFamily="2" charset="0"/>
+                <a:cs typeface="+mn-cs"/>
+              </a:defRPr>
+            </a:lvl4pPr>
+            <a:lvl5pPr marL="2057400" indent="-228600" algn="l" defTabSz="914400" rtl="0" eaLnBrk="1" latinLnBrk="0" hangingPunct="1">
+              <a:lnSpc>
+                <a:spcPct val="90000"/>
+              </a:lnSpc>
+              <a:spcBef>
+                <a:spcPts val="500"/>
+              </a:spcBef>
+              <a:buFont typeface="Arial" panose="020B0604020202020204" pitchFamily="34" charset="0"/>
+              <a:buChar char="•"/>
+              <a:defRPr sz="1800" kern="1200">
+                <a:solidFill>
+                  <a:schemeClr val="tx1"/>
+                </a:solidFill>
+                <a:latin typeface="Roboto Light" panose="02000000000000000000" pitchFamily="2" charset="0"/>
+                <a:ea typeface="Roboto Light" panose="02000000000000000000" pitchFamily="2" charset="0"/>
+                <a:cs typeface="+mn-cs"/>
+              </a:defRPr>
+            </a:lvl5pPr>
+            <a:lvl6pPr marL="2514600" indent="-228600" algn="l" defTabSz="914400" rtl="0" eaLnBrk="1" latinLnBrk="0" hangingPunct="1">
+              <a:lnSpc>
+                <a:spcPct val="90000"/>
+              </a:lnSpc>
+              <a:spcBef>
+                <a:spcPts val="500"/>
+              </a:spcBef>
+              <a:buFont typeface="Arial" panose="020B0604020202020204" pitchFamily="34" charset="0"/>
+              <a:buChar char="•"/>
+              <a:defRPr sz="1800" kern="1200">
+                <a:solidFill>
+                  <a:schemeClr val="tx1"/>
+                </a:solidFill>
+                <a:latin typeface="+mn-lt"/>
+                <a:ea typeface="+mn-ea"/>
+                <a:cs typeface="+mn-cs"/>
+              </a:defRPr>
+            </a:lvl6pPr>
+            <a:lvl7pPr marL="2971800" indent="-228600" algn="l" defTabSz="914400" rtl="0" eaLnBrk="1" latinLnBrk="0" hangingPunct="1">
+              <a:lnSpc>
+                <a:spcPct val="90000"/>
+              </a:lnSpc>
+              <a:spcBef>
+                <a:spcPts val="500"/>
+              </a:spcBef>
+              <a:buFont typeface="Arial" panose="020B0604020202020204" pitchFamily="34" charset="0"/>
+              <a:buChar char="•"/>
+              <a:defRPr sz="1800" kern="1200">
+                <a:solidFill>
+                  <a:schemeClr val="tx1"/>
+                </a:solidFill>
+                <a:latin typeface="+mn-lt"/>
+                <a:ea typeface="+mn-ea"/>
+                <a:cs typeface="+mn-cs"/>
+              </a:defRPr>
+            </a:lvl7pPr>
+            <a:lvl8pPr marL="3429000" indent="-228600" algn="l" defTabSz="914400" rtl="0" eaLnBrk="1" latinLnBrk="0" hangingPunct="1">
+              <a:lnSpc>
+                <a:spcPct val="90000"/>
+              </a:lnSpc>
+              <a:spcBef>
+                <a:spcPts val="500"/>
+              </a:spcBef>
+              <a:buFont typeface="Arial" panose="020B0604020202020204" pitchFamily="34" charset="0"/>
+              <a:buChar char="•"/>
+              <a:defRPr sz="1800" kern="1200">
+                <a:solidFill>
+                  <a:schemeClr val="tx1"/>
+                </a:solidFill>
+                <a:latin typeface="+mn-lt"/>
+                <a:ea typeface="+mn-ea"/>
+                <a:cs typeface="+mn-cs"/>
+              </a:defRPr>
+            </a:lvl8pPr>
+            <a:lvl9pPr marL="3886200" indent="-228600" algn="l" defTabSz="914400" rtl="0" eaLnBrk="1" latinLnBrk="0" hangingPunct="1">
+              <a:lnSpc>
+                <a:spcPct val="90000"/>
+              </a:lnSpc>
+              <a:spcBef>
+                <a:spcPts val="500"/>
+              </a:spcBef>
+              <a:buFont typeface="Arial" panose="020B0604020202020204" pitchFamily="34" charset="0"/>
+              <a:buChar char="•"/>
+              <a:defRPr sz="1800" kern="1200">
+                <a:solidFill>
+                  <a:schemeClr val="tx1"/>
+                </a:solidFill>
+                <a:latin typeface="+mn-lt"/>
+                <a:ea typeface="+mn-ea"/>
+                <a:cs typeface="+mn-cs"/>
+              </a:defRPr>
+            </a:lvl9pPr>
+          </a:lstStyle>
+          <a:p>
+            <a:pPr marL="457200" indent="-457200" fontAlgn="auto">
+              <a:lnSpc>
+                <a:spcPct val="150000"/>
+              </a:lnSpc>
+              <a:spcBef>
+                <a:spcPts val="2400"/>
+              </a:spcBef>
+              <a:spcAft>
+                <a:spcPts val="0"/>
+              </a:spcAft>
+              <a:buFont typeface="Arial" panose="020B0604020202020204" pitchFamily="34" charset="0"/>
+              <a:buAutoNum type="arabicPeriod"/>
+            </a:pPr>
+            <a:r>
+              <a:rPr lang="en-US" sz="2000" dirty="0"/>
+              <a:t>What is a general definition of LTA?</a:t>
+            </a:r>
+          </a:p>
+          <a:p>
+            <a:pPr marL="457200" indent="-457200" fontAlgn="auto">
+              <a:lnSpc>
+                <a:spcPct val="150000"/>
+              </a:lnSpc>
+              <a:spcBef>
+                <a:spcPts val="2400"/>
+              </a:spcBef>
+              <a:spcAft>
+                <a:spcPts val="0"/>
+              </a:spcAft>
+              <a:buFont typeface="Arial" panose="020B0604020202020204" pitchFamily="34" charset="0"/>
+              <a:buAutoNum type="arabicPeriod"/>
+            </a:pPr>
+            <a:r>
+              <a:rPr lang="en-US" sz="2000" dirty="0"/>
+              <a:t>How does LTA relate to existing GC/GR methods?</a:t>
+            </a:r>
+          </a:p>
+          <a:p>
+            <a:pPr marL="457200" indent="-457200" fontAlgn="auto">
+              <a:lnSpc>
+                <a:spcPct val="150000"/>
+              </a:lnSpc>
+              <a:spcBef>
+                <a:spcPts val="2400"/>
+              </a:spcBef>
+              <a:spcAft>
+                <a:spcPts val="0"/>
+              </a:spcAft>
+              <a:buFont typeface="Arial" panose="020B0604020202020204" pitchFamily="34" charset="0"/>
+              <a:buAutoNum type="arabicPeriod"/>
+            </a:pPr>
+            <a:r>
+              <a:rPr lang="en-US" sz="2000" dirty="0"/>
+              <a:t>What are shortcomings of existing GC/GR methods?</a:t>
+            </a:r>
+            <a:br>
+              <a:rPr lang="en-US" sz="2000" dirty="0"/>
+            </a:br>
+            <a:r>
+              <a:rPr lang="en-US" sz="2000" dirty="0"/>
+              <a:t>How can they be fixed?</a:t>
+            </a:r>
+          </a:p>
+        </p:txBody>
+      </p:sp>
+      <p:sp>
+        <p:nvSpPr>
+          <p:cNvPr id="27" name="Ellipse 26">
+            <a:extLst>
+              <a:ext uri="{FF2B5EF4-FFF2-40B4-BE49-F238E27FC236}">
+                <a16:creationId xmlns:a16="http://schemas.microsoft.com/office/drawing/2014/main" id="{B830CFE3-2BD8-40BF-AEFC-4B9EF948EA1A}"/>
+              </a:ext>
+            </a:extLst>
+          </p:cNvPr>
+          <p:cNvSpPr/>
+          <p:nvPr/>
+        </p:nvSpPr>
+        <p:spPr>
+          <a:xfrm>
+            <a:off x="8236408" y="1767984"/>
+            <a:ext cx="504056" cy="504056"/>
+          </a:xfrm>
+          <a:prstGeom prst="ellipse">
+            <a:avLst/>
+          </a:prstGeom>
+          <a:noFill/>
+          <a:ln w="57150">
+            <a:solidFill>
+              <a:srgbClr val="C00000"/>
+            </a:solidFill>
+          </a:ln>
+        </p:spPr>
+        <p:style>
+          <a:lnRef idx="2">
+            <a:schemeClr val="accent1">
+              <a:shade val="50000"/>
+            </a:schemeClr>
+          </a:lnRef>
+          <a:fillRef idx="1">
+            <a:schemeClr val="accent1"/>
+          </a:fillRef>
+          <a:effectRef idx="0">
+            <a:schemeClr val="accent1"/>
+          </a:effectRef>
+          <a:fontRef idx="minor">
+            <a:schemeClr val="lt1"/>
+          </a:fontRef>
+        </p:style>
+        <p:txBody>
+          <a:bodyPr rtlCol="0" anchor="ctr"/>
+          <a:lstStyle/>
+          <a:p>
+            <a:pPr algn="ctr"/>
+            <a:endParaRPr lang="de-DE"/>
+          </a:p>
+        </p:txBody>
+      </p:sp>
+      <p:grpSp>
+        <p:nvGrpSpPr>
+          <p:cNvPr id="31" name="Gruppieren 30">
+            <a:extLst>
+              <a:ext uri="{FF2B5EF4-FFF2-40B4-BE49-F238E27FC236}">
+                <a16:creationId xmlns:a16="http://schemas.microsoft.com/office/drawing/2014/main" id="{3A2AAF99-5E24-48B3-BF07-D4E12D2613DC}"/>
+              </a:ext>
+            </a:extLst>
+          </p:cNvPr>
+          <p:cNvGrpSpPr/>
+          <p:nvPr/>
+        </p:nvGrpSpPr>
+        <p:grpSpPr>
+          <a:xfrm>
+            <a:off x="146637" y="3254928"/>
+            <a:ext cx="7818025" cy="2977635"/>
+            <a:chOff x="146637" y="3254928"/>
+            <a:chExt cx="7818025" cy="2977635"/>
+          </a:xfrm>
+        </p:grpSpPr>
+        <p:grpSp>
+          <p:nvGrpSpPr>
+            <p:cNvPr id="22" name="Gruppieren 21">
+              <a:extLst>
+                <a:ext uri="{FF2B5EF4-FFF2-40B4-BE49-F238E27FC236}">
+                  <a16:creationId xmlns:a16="http://schemas.microsoft.com/office/drawing/2014/main" id="{20DCE4FF-19C5-4168-879E-3133F101A7FA}"/>
+                </a:ext>
+              </a:extLst>
+            </p:cNvPr>
+            <p:cNvGrpSpPr/>
+            <p:nvPr/>
+          </p:nvGrpSpPr>
+          <p:grpSpPr>
+            <a:xfrm>
+              <a:off x="4543167" y="4217231"/>
+              <a:ext cx="3421495" cy="2015332"/>
+              <a:chOff x="4731905" y="4041074"/>
+              <a:chExt cx="3421495" cy="2015332"/>
+            </a:xfrm>
+          </p:grpSpPr>
+          <p:sp>
+            <p:nvSpPr>
+              <p:cNvPr id="13" name="Inhaltsplatzhalter 7">
+                <a:extLst>
+                  <a:ext uri="{FF2B5EF4-FFF2-40B4-BE49-F238E27FC236}">
+                    <a16:creationId xmlns:a16="http://schemas.microsoft.com/office/drawing/2014/main" id="{DCAF2207-475B-4EA4-8451-9BEC1303A66A}"/>
+                  </a:ext>
+                </a:extLst>
+              </p:cNvPr>
+              <p:cNvSpPr txBox="1">
+                <a:spLocks/>
+              </p:cNvSpPr>
+              <p:nvPr/>
+            </p:nvSpPr>
+            <p:spPr>
+              <a:xfrm>
+                <a:off x="4731905" y="5393624"/>
+                <a:ext cx="3421495" cy="662782"/>
+              </a:xfrm>
+              <a:prstGeom prst="rect">
+                <a:avLst/>
+              </a:prstGeom>
+            </p:spPr>
+            <p:txBody>
+              <a:bodyPr anchor="ctr">
+                <a:noAutofit/>
+              </a:bodyPr>
+              <a:lstStyle>
+                <a:lvl1pPr marL="228600" indent="-228600" algn="l" defTabSz="914400" rtl="0" eaLnBrk="1" latinLnBrk="0" hangingPunct="1">
+                  <a:lnSpc>
+                    <a:spcPct val="90000"/>
+                  </a:lnSpc>
+                  <a:spcBef>
+                    <a:spcPts val="1000"/>
+                  </a:spcBef>
+                  <a:buFont typeface="Arial" panose="020B0604020202020204" pitchFamily="34" charset="0"/>
+                  <a:buChar char="•"/>
+                  <a:defRPr sz="2800" kern="1200">
+                    <a:solidFill>
+                      <a:schemeClr val="tx1"/>
+                    </a:solidFill>
+                    <a:latin typeface="Roboto Light" panose="02000000000000000000" pitchFamily="2" charset="0"/>
+                    <a:ea typeface="Roboto Light" panose="02000000000000000000" pitchFamily="2" charset="0"/>
+                    <a:cs typeface="+mn-cs"/>
+                  </a:defRPr>
+                </a:lvl1pPr>
+                <a:lvl2pPr marL="685800" indent="-228600" algn="l" defTabSz="914400" rtl="0" eaLnBrk="1" latinLnBrk="0" hangingPunct="1">
+                  <a:lnSpc>
+                    <a:spcPct val="90000"/>
+                  </a:lnSpc>
+                  <a:spcBef>
+                    <a:spcPts val="500"/>
+                  </a:spcBef>
+                  <a:buFont typeface="Arial" panose="020B0604020202020204" pitchFamily="34" charset="0"/>
+                  <a:buChar char="•"/>
+                  <a:defRPr sz="2400" kern="1200">
+                    <a:solidFill>
+                      <a:schemeClr val="tx1"/>
+                    </a:solidFill>
+                    <a:latin typeface="Roboto Light" panose="02000000000000000000" pitchFamily="2" charset="0"/>
+                    <a:ea typeface="Roboto Light" panose="02000000000000000000" pitchFamily="2" charset="0"/>
+                    <a:cs typeface="+mn-cs"/>
+                  </a:defRPr>
+                </a:lvl2pPr>
+                <a:lvl3pPr marL="1143000" indent="-228600" algn="l" defTabSz="914400" rtl="0" eaLnBrk="1" latinLnBrk="0" hangingPunct="1">
+                  <a:lnSpc>
+                    <a:spcPct val="90000"/>
+                  </a:lnSpc>
+                  <a:spcBef>
+                    <a:spcPts val="500"/>
+                  </a:spcBef>
+                  <a:buFont typeface="Arial" panose="020B0604020202020204" pitchFamily="34" charset="0"/>
+                  <a:buChar char="•"/>
+                  <a:defRPr sz="2000" kern="1200">
+                    <a:solidFill>
+                      <a:schemeClr val="tx1"/>
+                    </a:solidFill>
+                    <a:latin typeface="Roboto Light" panose="02000000000000000000" pitchFamily="2" charset="0"/>
+                    <a:ea typeface="Roboto Light" panose="02000000000000000000" pitchFamily="2" charset="0"/>
+                    <a:cs typeface="+mn-cs"/>
+                  </a:defRPr>
+                </a:lvl3pPr>
+                <a:lvl4pPr marL="1600200" indent="-228600" algn="l" defTabSz="914400" rtl="0" eaLnBrk="1" latinLnBrk="0" hangingPunct="1">
+                  <a:lnSpc>
+                    <a:spcPct val="90000"/>
+                  </a:lnSpc>
+                  <a:spcBef>
+                    <a:spcPts val="500"/>
+                  </a:spcBef>
+                  <a:buFont typeface="Arial" panose="020B0604020202020204" pitchFamily="34" charset="0"/>
+                  <a:buChar char="•"/>
+                  <a:defRPr sz="1800" kern="1200">
+                    <a:solidFill>
+                      <a:schemeClr val="tx1"/>
+                    </a:solidFill>
+                    <a:latin typeface="Roboto Light" panose="02000000000000000000" pitchFamily="2" charset="0"/>
+                    <a:ea typeface="Roboto Light" panose="02000000000000000000" pitchFamily="2" charset="0"/>
+                    <a:cs typeface="+mn-cs"/>
+                  </a:defRPr>
+                </a:lvl4pPr>
+                <a:lvl5pPr marL="2057400" indent="-228600" algn="l" defTabSz="914400" rtl="0" eaLnBrk="1" latinLnBrk="0" hangingPunct="1">
+                  <a:lnSpc>
+                    <a:spcPct val="90000"/>
+                  </a:lnSpc>
+                  <a:spcBef>
+                    <a:spcPts val="500"/>
+                  </a:spcBef>
+                  <a:buFont typeface="Arial" panose="020B0604020202020204" pitchFamily="34" charset="0"/>
+                  <a:buChar char="•"/>
+                  <a:defRPr sz="1800" kern="1200">
+                    <a:solidFill>
+                      <a:schemeClr val="tx1"/>
+                    </a:solidFill>
+                    <a:latin typeface="Roboto Light" panose="02000000000000000000" pitchFamily="2" charset="0"/>
+                    <a:ea typeface="Roboto Light" panose="02000000000000000000" pitchFamily="2" charset="0"/>
+                    <a:cs typeface="+mn-cs"/>
+                  </a:defRPr>
+                </a:lvl5pPr>
+                <a:lvl6pPr marL="2514600" indent="-228600" algn="l" defTabSz="914400" rtl="0" eaLnBrk="1" latinLnBrk="0" hangingPunct="1">
+                  <a:lnSpc>
+                    <a:spcPct val="90000"/>
+                  </a:lnSpc>
+                  <a:spcBef>
+                    <a:spcPts val="500"/>
+                  </a:spcBef>
+                  <a:buFont typeface="Arial" panose="020B0604020202020204" pitchFamily="34" charset="0"/>
+                  <a:buChar char="•"/>
+                  <a:defRPr sz="1800" kern="1200">
+                    <a:solidFill>
+                      <a:schemeClr val="tx1"/>
+                    </a:solidFill>
+                    <a:latin typeface="+mn-lt"/>
+                    <a:ea typeface="+mn-ea"/>
+                    <a:cs typeface="+mn-cs"/>
+                  </a:defRPr>
+                </a:lvl6pPr>
+                <a:lvl7pPr marL="2971800" indent="-228600" algn="l" defTabSz="914400" rtl="0" eaLnBrk="1" latinLnBrk="0" hangingPunct="1">
+                  <a:lnSpc>
+                    <a:spcPct val="90000"/>
+                  </a:lnSpc>
+                  <a:spcBef>
+                    <a:spcPts val="500"/>
+                  </a:spcBef>
+                  <a:buFont typeface="Arial" panose="020B0604020202020204" pitchFamily="34" charset="0"/>
+                  <a:buChar char="•"/>
+                  <a:defRPr sz="1800" kern="1200">
+                    <a:solidFill>
+                      <a:schemeClr val="tx1"/>
+                    </a:solidFill>
+                    <a:latin typeface="+mn-lt"/>
+                    <a:ea typeface="+mn-ea"/>
+                    <a:cs typeface="+mn-cs"/>
+                  </a:defRPr>
+                </a:lvl7pPr>
+                <a:lvl8pPr marL="3429000" indent="-228600" algn="l" defTabSz="914400" rtl="0" eaLnBrk="1" latinLnBrk="0" hangingPunct="1">
+                  <a:lnSpc>
+                    <a:spcPct val="90000"/>
+                  </a:lnSpc>
+                  <a:spcBef>
+                    <a:spcPts val="500"/>
+                  </a:spcBef>
+                  <a:buFont typeface="Arial" panose="020B0604020202020204" pitchFamily="34" charset="0"/>
+                  <a:buChar char="•"/>
+                  <a:defRPr sz="1800" kern="1200">
+                    <a:solidFill>
+                      <a:schemeClr val="tx1"/>
+                    </a:solidFill>
+                    <a:latin typeface="+mn-lt"/>
+                    <a:ea typeface="+mn-ea"/>
+                    <a:cs typeface="+mn-cs"/>
+                  </a:defRPr>
+                </a:lvl8pPr>
+                <a:lvl9pPr marL="3886200" indent="-228600" algn="l" defTabSz="914400" rtl="0" eaLnBrk="1" latinLnBrk="0" hangingPunct="1">
+                  <a:lnSpc>
+                    <a:spcPct val="90000"/>
+                  </a:lnSpc>
+                  <a:spcBef>
+                    <a:spcPts val="500"/>
+                  </a:spcBef>
+                  <a:buFont typeface="Arial" panose="020B0604020202020204" pitchFamily="34" charset="0"/>
+                  <a:buChar char="•"/>
+                  <a:defRPr sz="1800" kern="1200">
+                    <a:solidFill>
+                      <a:schemeClr val="tx1"/>
+                    </a:solidFill>
+                    <a:latin typeface="+mn-lt"/>
+                    <a:ea typeface="+mn-ea"/>
+                    <a:cs typeface="+mn-cs"/>
+                  </a:defRPr>
+                </a:lvl9pPr>
+              </a:lstStyle>
+              <a:p>
+                <a:pPr marL="0" indent="0" algn="ctr" fontAlgn="auto">
+                  <a:lnSpc>
+                    <a:spcPct val="100000"/>
+                  </a:lnSpc>
+                  <a:spcBef>
+                    <a:spcPts val="2400"/>
+                  </a:spcBef>
+                  <a:spcAft>
+                    <a:spcPts val="0"/>
+                  </a:spcAft>
+                  <a:buNone/>
+                </a:pPr>
+                <a:r>
+                  <a:rPr lang="en-US" sz="2400" b="1" dirty="0"/>
+                  <a:t>Graph Neural Networks</a:t>
+                </a:r>
+              </a:p>
+            </p:txBody>
+          </p:sp>
+          <p:pic>
+            <p:nvPicPr>
+              <p:cNvPr id="7" name="Grafik 6">
+                <a:extLst>
+                  <a:ext uri="{FF2B5EF4-FFF2-40B4-BE49-F238E27FC236}">
+                    <a16:creationId xmlns:a16="http://schemas.microsoft.com/office/drawing/2014/main" id="{68FD9D38-FB0F-42FA-8C61-E00A0F763F1C}"/>
+                  </a:ext>
+                </a:extLst>
+              </p:cNvPr>
+              <p:cNvPicPr>
+                <a:picLocks noChangeAspect="1"/>
+              </p:cNvPicPr>
+              <p:nvPr/>
+            </p:nvPicPr>
+            <p:blipFill>
+              <a:blip r:embed="rId4">
+                <a:extLst>
+                  <a:ext uri="{28A0092B-C50C-407E-A947-70E740481C1C}">
+                    <a14:useLocalDpi xmlns:a14="http://schemas.microsoft.com/office/drawing/2010/main" val="0"/>
+                  </a:ext>
+                  <a:ext uri="{96DAC541-7B7A-43D3-8B79-37D633B846F1}">
+                    <asvg:svgBlip xmlns:asvg="http://schemas.microsoft.com/office/drawing/2016/SVG/main" r:embed="rId5"/>
+                  </a:ext>
+                </a:extLst>
+              </a:blip>
+              <a:stretch>
+                <a:fillRect/>
+              </a:stretch>
+            </p:blipFill>
+            <p:spPr>
+              <a:xfrm>
+                <a:off x="4794827" y="4041074"/>
+                <a:ext cx="3295650" cy="1352550"/>
+              </a:xfrm>
+              <a:prstGeom prst="rect">
+                <a:avLst/>
+              </a:prstGeom>
+            </p:spPr>
+          </p:pic>
+        </p:grpSp>
+        <p:grpSp>
+          <p:nvGrpSpPr>
+            <p:cNvPr id="21" name="Gruppieren 20">
+              <a:extLst>
+                <a:ext uri="{FF2B5EF4-FFF2-40B4-BE49-F238E27FC236}">
+                  <a16:creationId xmlns:a16="http://schemas.microsoft.com/office/drawing/2014/main" id="{B3DA5FA3-C035-41CA-86B7-62D5743C61DF}"/>
+                </a:ext>
+              </a:extLst>
+            </p:cNvPr>
+            <p:cNvGrpSpPr/>
+            <p:nvPr/>
+          </p:nvGrpSpPr>
+          <p:grpSpPr>
+            <a:xfrm>
+              <a:off x="146637" y="4217231"/>
+              <a:ext cx="4031095" cy="2015332"/>
+              <a:chOff x="335375" y="4041074"/>
+              <a:chExt cx="4031095" cy="2015332"/>
+            </a:xfrm>
+          </p:grpSpPr>
+          <p:sp>
+            <p:nvSpPr>
+              <p:cNvPr id="12" name="Inhaltsplatzhalter 7">
+                <a:extLst>
+                  <a:ext uri="{FF2B5EF4-FFF2-40B4-BE49-F238E27FC236}">
+                    <a16:creationId xmlns:a16="http://schemas.microsoft.com/office/drawing/2014/main" id="{13BD8AF7-6B3A-4EDD-A31F-46C1B6F8649F}"/>
+                  </a:ext>
+                </a:extLst>
+              </p:cNvPr>
+              <p:cNvSpPr txBox="1">
+                <a:spLocks/>
+              </p:cNvSpPr>
+              <p:nvPr/>
+            </p:nvSpPr>
+            <p:spPr>
+              <a:xfrm>
+                <a:off x="335375" y="5393624"/>
+                <a:ext cx="4031095" cy="662782"/>
+              </a:xfrm>
+              <a:prstGeom prst="rect">
+                <a:avLst/>
+              </a:prstGeom>
+            </p:spPr>
+            <p:txBody>
+              <a:bodyPr anchor="ctr">
+                <a:noAutofit/>
+              </a:bodyPr>
+              <a:lstStyle>
+                <a:lvl1pPr marL="228600" indent="-228600" algn="l" defTabSz="914400" rtl="0" eaLnBrk="1" latinLnBrk="0" hangingPunct="1">
+                  <a:lnSpc>
+                    <a:spcPct val="90000"/>
+                  </a:lnSpc>
+                  <a:spcBef>
+                    <a:spcPts val="1000"/>
+                  </a:spcBef>
+                  <a:buFont typeface="Arial" panose="020B0604020202020204" pitchFamily="34" charset="0"/>
+                  <a:buChar char="•"/>
+                  <a:defRPr sz="2800" kern="1200">
+                    <a:solidFill>
+                      <a:schemeClr val="tx1"/>
+                    </a:solidFill>
+                    <a:latin typeface="Roboto Light" panose="02000000000000000000" pitchFamily="2" charset="0"/>
+                    <a:ea typeface="Roboto Light" panose="02000000000000000000" pitchFamily="2" charset="0"/>
+                    <a:cs typeface="+mn-cs"/>
+                  </a:defRPr>
+                </a:lvl1pPr>
+                <a:lvl2pPr marL="685800" indent="-228600" algn="l" defTabSz="914400" rtl="0" eaLnBrk="1" latinLnBrk="0" hangingPunct="1">
+                  <a:lnSpc>
+                    <a:spcPct val="90000"/>
+                  </a:lnSpc>
+                  <a:spcBef>
+                    <a:spcPts val="500"/>
+                  </a:spcBef>
+                  <a:buFont typeface="Arial" panose="020B0604020202020204" pitchFamily="34" charset="0"/>
+                  <a:buChar char="•"/>
+                  <a:defRPr sz="2400" kern="1200">
+                    <a:solidFill>
+                      <a:schemeClr val="tx1"/>
+                    </a:solidFill>
+                    <a:latin typeface="Roboto Light" panose="02000000000000000000" pitchFamily="2" charset="0"/>
+                    <a:ea typeface="Roboto Light" panose="02000000000000000000" pitchFamily="2" charset="0"/>
+                    <a:cs typeface="+mn-cs"/>
+                  </a:defRPr>
+                </a:lvl2pPr>
+                <a:lvl3pPr marL="1143000" indent="-228600" algn="l" defTabSz="914400" rtl="0" eaLnBrk="1" latinLnBrk="0" hangingPunct="1">
+                  <a:lnSpc>
+                    <a:spcPct val="90000"/>
+                  </a:lnSpc>
+                  <a:spcBef>
+                    <a:spcPts val="500"/>
+                  </a:spcBef>
+                  <a:buFont typeface="Arial" panose="020B0604020202020204" pitchFamily="34" charset="0"/>
+                  <a:buChar char="•"/>
+                  <a:defRPr sz="2000" kern="1200">
+                    <a:solidFill>
+                      <a:schemeClr val="tx1"/>
+                    </a:solidFill>
+                    <a:latin typeface="Roboto Light" panose="02000000000000000000" pitchFamily="2" charset="0"/>
+                    <a:ea typeface="Roboto Light" panose="02000000000000000000" pitchFamily="2" charset="0"/>
+                    <a:cs typeface="+mn-cs"/>
+                  </a:defRPr>
+                </a:lvl3pPr>
+                <a:lvl4pPr marL="1600200" indent="-228600" algn="l" defTabSz="914400" rtl="0" eaLnBrk="1" latinLnBrk="0" hangingPunct="1">
+                  <a:lnSpc>
+                    <a:spcPct val="90000"/>
+                  </a:lnSpc>
+                  <a:spcBef>
+                    <a:spcPts val="500"/>
+                  </a:spcBef>
+                  <a:buFont typeface="Arial" panose="020B0604020202020204" pitchFamily="34" charset="0"/>
+                  <a:buChar char="•"/>
+                  <a:defRPr sz="1800" kern="1200">
+                    <a:solidFill>
+                      <a:schemeClr val="tx1"/>
+                    </a:solidFill>
+                    <a:latin typeface="Roboto Light" panose="02000000000000000000" pitchFamily="2" charset="0"/>
+                    <a:ea typeface="Roboto Light" panose="02000000000000000000" pitchFamily="2" charset="0"/>
+                    <a:cs typeface="+mn-cs"/>
+                  </a:defRPr>
+                </a:lvl4pPr>
+                <a:lvl5pPr marL="2057400" indent="-228600" algn="l" defTabSz="914400" rtl="0" eaLnBrk="1" latinLnBrk="0" hangingPunct="1">
+                  <a:lnSpc>
+                    <a:spcPct val="90000"/>
+                  </a:lnSpc>
+                  <a:spcBef>
+                    <a:spcPts val="500"/>
+                  </a:spcBef>
+                  <a:buFont typeface="Arial" panose="020B0604020202020204" pitchFamily="34" charset="0"/>
+                  <a:buChar char="•"/>
+                  <a:defRPr sz="1800" kern="1200">
+                    <a:solidFill>
+                      <a:schemeClr val="tx1"/>
+                    </a:solidFill>
+                    <a:latin typeface="Roboto Light" panose="02000000000000000000" pitchFamily="2" charset="0"/>
+                    <a:ea typeface="Roboto Light" panose="02000000000000000000" pitchFamily="2" charset="0"/>
+                    <a:cs typeface="+mn-cs"/>
+                  </a:defRPr>
+                </a:lvl5pPr>
+                <a:lvl6pPr marL="2514600" indent="-228600" algn="l" defTabSz="914400" rtl="0" eaLnBrk="1" latinLnBrk="0" hangingPunct="1">
+                  <a:lnSpc>
+                    <a:spcPct val="90000"/>
+                  </a:lnSpc>
+                  <a:spcBef>
+                    <a:spcPts val="500"/>
+                  </a:spcBef>
+                  <a:buFont typeface="Arial" panose="020B0604020202020204" pitchFamily="34" charset="0"/>
+                  <a:buChar char="•"/>
+                  <a:defRPr sz="1800" kern="1200">
+                    <a:solidFill>
+                      <a:schemeClr val="tx1"/>
+                    </a:solidFill>
+                    <a:latin typeface="+mn-lt"/>
+                    <a:ea typeface="+mn-ea"/>
+                    <a:cs typeface="+mn-cs"/>
+                  </a:defRPr>
+                </a:lvl6pPr>
+                <a:lvl7pPr marL="2971800" indent="-228600" algn="l" defTabSz="914400" rtl="0" eaLnBrk="1" latinLnBrk="0" hangingPunct="1">
+                  <a:lnSpc>
+                    <a:spcPct val="90000"/>
+                  </a:lnSpc>
+                  <a:spcBef>
+                    <a:spcPts val="500"/>
+                  </a:spcBef>
+                  <a:buFont typeface="Arial" panose="020B0604020202020204" pitchFamily="34" charset="0"/>
+                  <a:buChar char="•"/>
+                  <a:defRPr sz="1800" kern="1200">
+                    <a:solidFill>
+                      <a:schemeClr val="tx1"/>
+                    </a:solidFill>
+                    <a:latin typeface="+mn-lt"/>
+                    <a:ea typeface="+mn-ea"/>
+                    <a:cs typeface="+mn-cs"/>
+                  </a:defRPr>
+                </a:lvl7pPr>
+                <a:lvl8pPr marL="3429000" indent="-228600" algn="l" defTabSz="914400" rtl="0" eaLnBrk="1" latinLnBrk="0" hangingPunct="1">
+                  <a:lnSpc>
+                    <a:spcPct val="90000"/>
+                  </a:lnSpc>
+                  <a:spcBef>
+                    <a:spcPts val="500"/>
+                  </a:spcBef>
+                  <a:buFont typeface="Arial" panose="020B0604020202020204" pitchFamily="34" charset="0"/>
+                  <a:buChar char="•"/>
+                  <a:defRPr sz="1800" kern="1200">
+                    <a:solidFill>
+                      <a:schemeClr val="tx1"/>
+                    </a:solidFill>
+                    <a:latin typeface="+mn-lt"/>
+                    <a:ea typeface="+mn-ea"/>
+                    <a:cs typeface="+mn-cs"/>
+                  </a:defRPr>
+                </a:lvl8pPr>
+                <a:lvl9pPr marL="3886200" indent="-228600" algn="l" defTabSz="914400" rtl="0" eaLnBrk="1" latinLnBrk="0" hangingPunct="1">
+                  <a:lnSpc>
+                    <a:spcPct val="90000"/>
+                  </a:lnSpc>
+                  <a:spcBef>
+                    <a:spcPts val="500"/>
+                  </a:spcBef>
+                  <a:buFont typeface="Arial" panose="020B0604020202020204" pitchFamily="34" charset="0"/>
+                  <a:buChar char="•"/>
+                  <a:defRPr sz="1800" kern="1200">
+                    <a:solidFill>
+                      <a:schemeClr val="tx1"/>
+                    </a:solidFill>
+                    <a:latin typeface="+mn-lt"/>
+                    <a:ea typeface="+mn-ea"/>
+                    <a:cs typeface="+mn-cs"/>
+                  </a:defRPr>
+                </a:lvl9pPr>
+              </a:lstStyle>
+              <a:p>
+                <a:pPr marL="0" indent="0" algn="ctr" fontAlgn="auto">
+                  <a:lnSpc>
+                    <a:spcPct val="100000"/>
+                  </a:lnSpc>
+                  <a:spcBef>
+                    <a:spcPts val="2400"/>
+                  </a:spcBef>
+                  <a:spcAft>
+                    <a:spcPts val="0"/>
+                  </a:spcAft>
+                  <a:buNone/>
+                </a:pPr>
+                <a:r>
+                  <a:rPr lang="en-US" sz="2400" b="1" dirty="0"/>
+                  <a:t>Graph Embeddings &amp; Kernels</a:t>
+                </a:r>
+              </a:p>
+            </p:txBody>
+          </p:sp>
+          <p:pic>
+            <p:nvPicPr>
+              <p:cNvPr id="9" name="Grafik 8">
+                <a:extLst>
+                  <a:ext uri="{FF2B5EF4-FFF2-40B4-BE49-F238E27FC236}">
+                    <a16:creationId xmlns:a16="http://schemas.microsoft.com/office/drawing/2014/main" id="{AEFF10A9-11F7-41C3-B7DC-0F052D3EF562}"/>
+                  </a:ext>
+                </a:extLst>
+              </p:cNvPr>
+              <p:cNvPicPr>
+                <a:picLocks noChangeAspect="1"/>
+              </p:cNvPicPr>
+              <p:nvPr/>
+            </p:nvPicPr>
+            <p:blipFill>
+              <a:blip r:embed="rId6">
+                <a:extLst>
+                  <a:ext uri="{28A0092B-C50C-407E-A947-70E740481C1C}">
+                    <a14:useLocalDpi xmlns:a14="http://schemas.microsoft.com/office/drawing/2010/main" val="0"/>
+                  </a:ext>
+                  <a:ext uri="{96DAC541-7B7A-43D3-8B79-37D633B846F1}">
+                    <asvg:svgBlip xmlns:asvg="http://schemas.microsoft.com/office/drawing/2016/SVG/main" r:embed="rId7"/>
+                  </a:ext>
+                </a:extLst>
+              </a:blip>
+              <a:stretch>
+                <a:fillRect/>
+              </a:stretch>
+            </p:blipFill>
+            <p:spPr>
+              <a:xfrm>
+                <a:off x="512597" y="4041074"/>
+                <a:ext cx="3676650" cy="1352550"/>
+              </a:xfrm>
+              <a:prstGeom prst="rect">
+                <a:avLst/>
+              </a:prstGeom>
+            </p:spPr>
+          </p:pic>
+        </p:grpSp>
+        <p:cxnSp>
+          <p:nvCxnSpPr>
+            <p:cNvPr id="28" name="Gerade Verbindung mit Pfeil 27">
+              <a:extLst>
+                <a:ext uri="{FF2B5EF4-FFF2-40B4-BE49-F238E27FC236}">
+                  <a16:creationId xmlns:a16="http://schemas.microsoft.com/office/drawing/2014/main" id="{C8D365E8-5D47-40F3-83A6-38C07451E8AE}"/>
+                </a:ext>
+              </a:extLst>
+            </p:cNvPr>
+            <p:cNvCxnSpPr>
+              <a:cxnSpLocks/>
+            </p:cNvCxnSpPr>
+            <p:nvPr/>
+          </p:nvCxnSpPr>
+          <p:spPr>
+            <a:xfrm flipV="1">
+              <a:off x="2162184" y="3254928"/>
+              <a:ext cx="1331831" cy="962303"/>
+            </a:xfrm>
+            <a:prstGeom prst="straightConnector1">
+              <a:avLst/>
+            </a:prstGeom>
+            <a:ln w="57150">
+              <a:solidFill>
+                <a:schemeClr val="accent1">
+                  <a:lumMod val="75000"/>
+                </a:schemeClr>
+              </a:solidFill>
+              <a:headEnd type="triangle"/>
+              <a:tailEnd type="triangle"/>
+            </a:ln>
+          </p:spPr>
+          <p:style>
+            <a:lnRef idx="1">
+              <a:schemeClr val="accent1"/>
+            </a:lnRef>
+            <a:fillRef idx="0">
+              <a:schemeClr val="accent1"/>
+            </a:fillRef>
+            <a:effectRef idx="0">
+              <a:schemeClr val="accent1"/>
+            </a:effectRef>
+            <a:fontRef idx="minor">
+              <a:schemeClr val="tx1"/>
+            </a:fontRef>
+          </p:style>
+        </p:cxnSp>
+        <p:cxnSp>
+          <p:nvCxnSpPr>
+            <p:cNvPr id="30" name="Gerade Verbindung mit Pfeil 29">
+              <a:extLst>
+                <a:ext uri="{FF2B5EF4-FFF2-40B4-BE49-F238E27FC236}">
+                  <a16:creationId xmlns:a16="http://schemas.microsoft.com/office/drawing/2014/main" id="{BEE0204E-EBEC-4603-852E-4AE503810BC8}"/>
+                </a:ext>
+              </a:extLst>
+            </p:cNvPr>
+            <p:cNvCxnSpPr>
+              <a:cxnSpLocks/>
+            </p:cNvCxnSpPr>
+            <p:nvPr/>
+          </p:nvCxnSpPr>
+          <p:spPr>
+            <a:xfrm flipH="1" flipV="1">
+              <a:off x="4764169" y="3254928"/>
+              <a:ext cx="1331831" cy="962303"/>
+            </a:xfrm>
+            <a:prstGeom prst="straightConnector1">
+              <a:avLst/>
+            </a:prstGeom>
+            <a:ln w="57150">
+              <a:solidFill>
+                <a:schemeClr val="accent1">
+                  <a:lumMod val="75000"/>
+                </a:schemeClr>
+              </a:solidFill>
+              <a:headEnd type="triangle"/>
+              <a:tailEnd type="triangle"/>
+            </a:ln>
+          </p:spPr>
+          <p:style>
+            <a:lnRef idx="1">
+              <a:schemeClr val="accent1"/>
+            </a:lnRef>
+            <a:fillRef idx="0">
+              <a:schemeClr val="accent1"/>
+            </a:fillRef>
+            <a:effectRef idx="0">
+              <a:schemeClr val="accent1"/>
+            </a:effectRef>
+            <a:fontRef idx="minor">
+              <a:schemeClr val="tx1"/>
+            </a:fontRef>
+          </p:style>
+        </p:cxnSp>
+      </p:grpSp>
+    </p:spTree>
+    <p:extLst>
+      <p:ext uri="{BB962C8B-B14F-4D97-AF65-F5344CB8AC3E}">
+        <p14:creationId xmlns:p14="http://schemas.microsoft.com/office/powerpoint/2010/main" val="14952545"/>
+      </p:ext>
+    </p:extLst>
+  </p:cSld>
+  <p:clrMapOvr>
+    <a:masterClrMapping/>
+  </p:clrMapOvr>
+  <p:timing>
+    <p:tnLst>
+      <p:par>
+        <p:cTn id="1" dur="indefinite" restart="never" nodeType="tmRoot">
+          <p:childTnLst>
+            <p:seq concurrent="1" nextAc="seek">
+              <p:cTn id="2" dur="indefinite" nodeType="mainSeq">
+                <p:childTnLst>
+                  <p:par>
+                    <p:cTn id="3" fill="hold">
+                      <p:stCondLst>
+                        <p:cond delay="indefinite"/>
+                      </p:stCondLst>
+                      <p:childTnLst>
+                        <p:par>
+                          <p:cTn id="4" fill="hold">
+                            <p:stCondLst>
+                              <p:cond delay="0"/>
+                            </p:stCondLst>
+                            <p:childTnLst>
+                              <p:par>
+                                <p:cTn id="5" presetID="42" presetClass="path" presetSubtype="0" accel="50000" decel="50000" fill="hold" grpId="0" nodeType="clickEffect">
+                                  <p:stCondLst>
+                                    <p:cond delay="0"/>
+                                  </p:stCondLst>
+                                  <p:childTnLst>
+                                    <p:animMotion origin="layout" path="M -3.95833E-6 -4.44444E-6 L -3.95833E-6 0.17686 " pathEditMode="relative" rAng="0" ptsTypes="AA">
+                                      <p:cBhvr>
+                                        <p:cTn id="6" dur="500" fill="hold"/>
+                                        <p:tgtEl>
+                                          <p:spTgt spid="27"/>
+                                        </p:tgtEl>
+                                        <p:attrNameLst>
+                                          <p:attrName>ppt_x</p:attrName>
+                                          <p:attrName>ppt_y</p:attrName>
+                                        </p:attrNameLst>
+                                      </p:cBhvr>
+                                      <p:rCtr x="0" y="8843"/>
+                                    </p:animMotion>
+                                  </p:childTnLst>
+                                </p:cTn>
+                              </p:par>
+                            </p:childTnLst>
+                          </p:cTn>
+                        </p:par>
+                      </p:childTnLst>
+                    </p:cTn>
+                  </p:par>
+                </p:childTnLst>
+              </p:cTn>
+              <p:prevCondLst>
+                <p:cond evt="onPrev" delay="0">
+                  <p:tgtEl>
+                    <p:sldTgt/>
+                  </p:tgtEl>
+                </p:cond>
+              </p:prevCondLst>
+              <p:nextCondLst>
+                <p:cond evt="onNext" delay="0">
+                  <p:tgtEl>
+                    <p:sldTgt/>
+                  </p:tgtEl>
+                </p:cond>
+              </p:nextCondLst>
+            </p:seq>
+          </p:childTnLst>
+        </p:cTn>
+      </p:par>
+    </p:tnLst>
+    <p:bldLst>
+      <p:bldP spid="27" grpId="0" animBg="1"/>
+    </p:bldLst>
+  </p:timing>
 </p:sld>
 </file>
 
@@ -3895,10 +7178,10 @@
           <a:bodyPr/>
           <a:lstStyle/>
           <a:p>
-            <a:r>
-              <a:rPr lang="de-DE" dirty="0"/>
-              <a:t>XX.04.2020</a:t>
-            </a:r>
+            <a:fld id="{37C30C04-17A6-47E6-96C8-40BA360A6D8C}" type="datetime4">
+              <a:rPr lang="en-US" smtClean="0"/>
+              <a:t>April 18, 2020</a:t>
+            </a:fld>
             <a:endParaRPr lang="en-US" dirty="0"/>
           </a:p>
         </p:txBody>
@@ -5270,10 +8553,10 @@
           <a:bodyPr/>
           <a:lstStyle/>
           <a:p>
-            <a:r>
-              <a:rPr lang="de-DE" dirty="0"/>
-              <a:t>XX.04.2020</a:t>
-            </a:r>
+            <a:fld id="{D6761AC5-07F8-4B2A-9B53-4E66BD853818}" type="datetime4">
+              <a:rPr lang="en-US" smtClean="0"/>
+              <a:t>April 18, 2020</a:t>
+            </a:fld>
             <a:endParaRPr lang="en-US" dirty="0"/>
           </a:p>
         </p:txBody>
@@ -6290,10 +9573,10 @@
           <a:bodyPr/>
           <a:lstStyle/>
           <a:p>
-            <a:r>
-              <a:rPr lang="de-DE" dirty="0"/>
-              <a:t>XX.04.2020</a:t>
-            </a:r>
+            <a:fld id="{67FF3C35-126C-4FDC-A75A-80D1A1CBB9B3}" type="datetime4">
+              <a:rPr lang="en-US" smtClean="0"/>
+              <a:t>April 18, 2020</a:t>
+            </a:fld>
             <a:endParaRPr lang="en-US" dirty="0"/>
           </a:p>
         </p:txBody>
@@ -8008,10 +11291,10 @@
           <a:bodyPr/>
           <a:lstStyle/>
           <a:p>
-            <a:r>
-              <a:rPr lang="de-DE" dirty="0"/>
-              <a:t>XX.04.2020</a:t>
-            </a:r>
+            <a:fld id="{FC7A687E-3478-45FF-BE3F-5D1B7EEC5370}" type="datetime4">
+              <a:rPr lang="en-US" smtClean="0"/>
+              <a:t>April 18, 2020</a:t>
+            </a:fld>
             <a:endParaRPr lang="en-US" dirty="0"/>
           </a:p>
         </p:txBody>
@@ -9659,10 +12942,10 @@
           <a:p>
             <a:r>
               <a:rPr lang="en-US" dirty="0"/>
-              <a:t>A General Definition of LTA: </a:t>
+              <a:t>Definition of LTA: </a:t>
             </a:r>
             <a:r>
-              <a:rPr lang="en-US" i="1" dirty="0"/>
+              <a:rPr lang="en-US" sz="2800" dirty="0"/>
               <a:t>Decomposition</a:t>
             </a:r>
           </a:p>
@@ -9719,10 +13002,10 @@
           <a:bodyPr/>
           <a:lstStyle/>
           <a:p>
-            <a:r>
-              <a:rPr lang="de-DE" dirty="0"/>
-              <a:t>XX.04.2020</a:t>
-            </a:r>
+            <a:fld id="{77D13265-76C8-4839-9CC5-F4553F0B4B9E}" type="datetime4">
+              <a:rPr lang="en-US" smtClean="0"/>
+              <a:t>April 18, 2020</a:t>
+            </a:fld>
             <a:endParaRPr lang="en-US" dirty="0"/>
           </a:p>
         </p:txBody>
@@ -9793,6 +13076,865 @@
           </a:prstGeom>
         </p:spPr>
       </p:pic>
+      <p:sp>
+        <p:nvSpPr>
+          <p:cNvPr id="25" name="Inhaltsplatzhalter 7">
+            <a:extLst>
+              <a:ext uri="{FF2B5EF4-FFF2-40B4-BE49-F238E27FC236}">
+                <a16:creationId xmlns:a16="http://schemas.microsoft.com/office/drawing/2014/main" id="{9A67294D-6C43-4BA7-ADA6-EC6EF79AE9E7}"/>
+              </a:ext>
+            </a:extLst>
+          </p:cNvPr>
+          <p:cNvSpPr txBox="1">
+            <a:spLocks/>
+          </p:cNvSpPr>
+          <p:nvPr/>
+        </p:nvSpPr>
+        <p:spPr>
+          <a:xfrm>
+            <a:off x="1354782" y="4990636"/>
+            <a:ext cx="5582072" cy="662782"/>
+          </a:xfrm>
+          <a:prstGeom prst="rect">
+            <a:avLst/>
+          </a:prstGeom>
+        </p:spPr>
+        <p:txBody>
+          <a:bodyPr anchor="ctr">
+            <a:normAutofit/>
+          </a:bodyPr>
+          <a:lstStyle>
+            <a:lvl1pPr marL="228600" indent="-228600" algn="l" defTabSz="914400" rtl="0" eaLnBrk="1" latinLnBrk="0" hangingPunct="1">
+              <a:lnSpc>
+                <a:spcPct val="90000"/>
+              </a:lnSpc>
+              <a:spcBef>
+                <a:spcPts val="1000"/>
+              </a:spcBef>
+              <a:buFont typeface="Arial" panose="020B0604020202020204" pitchFamily="34" charset="0"/>
+              <a:buChar char="•"/>
+              <a:defRPr sz="2800" kern="1200">
+                <a:solidFill>
+                  <a:schemeClr val="tx1"/>
+                </a:solidFill>
+                <a:latin typeface="Roboto Light" panose="02000000000000000000" pitchFamily="2" charset="0"/>
+                <a:ea typeface="Roboto Light" panose="02000000000000000000" pitchFamily="2" charset="0"/>
+                <a:cs typeface="+mn-cs"/>
+              </a:defRPr>
+            </a:lvl1pPr>
+            <a:lvl2pPr marL="685800" indent="-228600" algn="l" defTabSz="914400" rtl="0" eaLnBrk="1" latinLnBrk="0" hangingPunct="1">
+              <a:lnSpc>
+                <a:spcPct val="90000"/>
+              </a:lnSpc>
+              <a:spcBef>
+                <a:spcPts val="500"/>
+              </a:spcBef>
+              <a:buFont typeface="Arial" panose="020B0604020202020204" pitchFamily="34" charset="0"/>
+              <a:buChar char="•"/>
+              <a:defRPr sz="2400" kern="1200">
+                <a:solidFill>
+                  <a:schemeClr val="tx1"/>
+                </a:solidFill>
+                <a:latin typeface="Roboto Light" panose="02000000000000000000" pitchFamily="2" charset="0"/>
+                <a:ea typeface="Roboto Light" panose="02000000000000000000" pitchFamily="2" charset="0"/>
+                <a:cs typeface="+mn-cs"/>
+              </a:defRPr>
+            </a:lvl2pPr>
+            <a:lvl3pPr marL="1143000" indent="-228600" algn="l" defTabSz="914400" rtl="0" eaLnBrk="1" latinLnBrk="0" hangingPunct="1">
+              <a:lnSpc>
+                <a:spcPct val="90000"/>
+              </a:lnSpc>
+              <a:spcBef>
+                <a:spcPts val="500"/>
+              </a:spcBef>
+              <a:buFont typeface="Arial" panose="020B0604020202020204" pitchFamily="34" charset="0"/>
+              <a:buChar char="•"/>
+              <a:defRPr sz="2000" kern="1200">
+                <a:solidFill>
+                  <a:schemeClr val="tx1"/>
+                </a:solidFill>
+                <a:latin typeface="Roboto Light" panose="02000000000000000000" pitchFamily="2" charset="0"/>
+                <a:ea typeface="Roboto Light" panose="02000000000000000000" pitchFamily="2" charset="0"/>
+                <a:cs typeface="+mn-cs"/>
+              </a:defRPr>
+            </a:lvl3pPr>
+            <a:lvl4pPr marL="1600200" indent="-228600" algn="l" defTabSz="914400" rtl="0" eaLnBrk="1" latinLnBrk="0" hangingPunct="1">
+              <a:lnSpc>
+                <a:spcPct val="90000"/>
+              </a:lnSpc>
+              <a:spcBef>
+                <a:spcPts val="500"/>
+              </a:spcBef>
+              <a:buFont typeface="Arial" panose="020B0604020202020204" pitchFamily="34" charset="0"/>
+              <a:buChar char="•"/>
+              <a:defRPr sz="1800" kern="1200">
+                <a:solidFill>
+                  <a:schemeClr val="tx1"/>
+                </a:solidFill>
+                <a:latin typeface="Roboto Light" panose="02000000000000000000" pitchFamily="2" charset="0"/>
+                <a:ea typeface="Roboto Light" panose="02000000000000000000" pitchFamily="2" charset="0"/>
+                <a:cs typeface="+mn-cs"/>
+              </a:defRPr>
+            </a:lvl4pPr>
+            <a:lvl5pPr marL="2057400" indent="-228600" algn="l" defTabSz="914400" rtl="0" eaLnBrk="1" latinLnBrk="0" hangingPunct="1">
+              <a:lnSpc>
+                <a:spcPct val="90000"/>
+              </a:lnSpc>
+              <a:spcBef>
+                <a:spcPts val="500"/>
+              </a:spcBef>
+              <a:buFont typeface="Arial" panose="020B0604020202020204" pitchFamily="34" charset="0"/>
+              <a:buChar char="•"/>
+              <a:defRPr sz="1800" kern="1200">
+                <a:solidFill>
+                  <a:schemeClr val="tx1"/>
+                </a:solidFill>
+                <a:latin typeface="Roboto Light" panose="02000000000000000000" pitchFamily="2" charset="0"/>
+                <a:ea typeface="Roboto Light" panose="02000000000000000000" pitchFamily="2" charset="0"/>
+                <a:cs typeface="+mn-cs"/>
+              </a:defRPr>
+            </a:lvl5pPr>
+            <a:lvl6pPr marL="2514600" indent="-228600" algn="l" defTabSz="914400" rtl="0" eaLnBrk="1" latinLnBrk="0" hangingPunct="1">
+              <a:lnSpc>
+                <a:spcPct val="90000"/>
+              </a:lnSpc>
+              <a:spcBef>
+                <a:spcPts val="500"/>
+              </a:spcBef>
+              <a:buFont typeface="Arial" panose="020B0604020202020204" pitchFamily="34" charset="0"/>
+              <a:buChar char="•"/>
+              <a:defRPr sz="1800" kern="1200">
+                <a:solidFill>
+                  <a:schemeClr val="tx1"/>
+                </a:solidFill>
+                <a:latin typeface="+mn-lt"/>
+                <a:ea typeface="+mn-ea"/>
+                <a:cs typeface="+mn-cs"/>
+              </a:defRPr>
+            </a:lvl6pPr>
+            <a:lvl7pPr marL="2971800" indent="-228600" algn="l" defTabSz="914400" rtl="0" eaLnBrk="1" latinLnBrk="0" hangingPunct="1">
+              <a:lnSpc>
+                <a:spcPct val="90000"/>
+              </a:lnSpc>
+              <a:spcBef>
+                <a:spcPts val="500"/>
+              </a:spcBef>
+              <a:buFont typeface="Arial" panose="020B0604020202020204" pitchFamily="34" charset="0"/>
+              <a:buChar char="•"/>
+              <a:defRPr sz="1800" kern="1200">
+                <a:solidFill>
+                  <a:schemeClr val="tx1"/>
+                </a:solidFill>
+                <a:latin typeface="+mn-lt"/>
+                <a:ea typeface="+mn-ea"/>
+                <a:cs typeface="+mn-cs"/>
+              </a:defRPr>
+            </a:lvl7pPr>
+            <a:lvl8pPr marL="3429000" indent="-228600" algn="l" defTabSz="914400" rtl="0" eaLnBrk="1" latinLnBrk="0" hangingPunct="1">
+              <a:lnSpc>
+                <a:spcPct val="90000"/>
+              </a:lnSpc>
+              <a:spcBef>
+                <a:spcPts val="500"/>
+              </a:spcBef>
+              <a:buFont typeface="Arial" panose="020B0604020202020204" pitchFamily="34" charset="0"/>
+              <a:buChar char="•"/>
+              <a:defRPr sz="1800" kern="1200">
+                <a:solidFill>
+                  <a:schemeClr val="tx1"/>
+                </a:solidFill>
+                <a:latin typeface="+mn-lt"/>
+                <a:ea typeface="+mn-ea"/>
+                <a:cs typeface="+mn-cs"/>
+              </a:defRPr>
+            </a:lvl8pPr>
+            <a:lvl9pPr marL="3886200" indent="-228600" algn="l" defTabSz="914400" rtl="0" eaLnBrk="1" latinLnBrk="0" hangingPunct="1">
+              <a:lnSpc>
+                <a:spcPct val="90000"/>
+              </a:lnSpc>
+              <a:spcBef>
+                <a:spcPts val="500"/>
+              </a:spcBef>
+              <a:buFont typeface="Arial" panose="020B0604020202020204" pitchFamily="34" charset="0"/>
+              <a:buChar char="•"/>
+              <a:defRPr sz="1800" kern="1200">
+                <a:solidFill>
+                  <a:schemeClr val="tx1"/>
+                </a:solidFill>
+                <a:latin typeface="+mn-lt"/>
+                <a:ea typeface="+mn-ea"/>
+                <a:cs typeface="+mn-cs"/>
+              </a:defRPr>
+            </a:lvl9pPr>
+          </a:lstStyle>
+          <a:p>
+            <a:pPr marL="0" indent="0" algn="ctr" fontAlgn="auto">
+              <a:lnSpc>
+                <a:spcPct val="100000"/>
+              </a:lnSpc>
+              <a:spcBef>
+                <a:spcPts val="2400"/>
+              </a:spcBef>
+              <a:spcAft>
+                <a:spcPts val="0"/>
+              </a:spcAft>
+              <a:buNone/>
+            </a:pPr>
+            <a:r>
+              <a:rPr lang="en-US" sz="2000" dirty="0"/>
+              <a:t>Split a graph into a subset of its subgraphs.</a:t>
+            </a:r>
+            <a:endParaRPr lang="en-US" sz="2000" b="1" dirty="0"/>
+          </a:p>
+        </p:txBody>
+      </p:sp>
+      <p:grpSp>
+        <p:nvGrpSpPr>
+          <p:cNvPr id="15" name="Gruppieren 14">
+            <a:extLst>
+              <a:ext uri="{FF2B5EF4-FFF2-40B4-BE49-F238E27FC236}">
+                <a16:creationId xmlns:a16="http://schemas.microsoft.com/office/drawing/2014/main" id="{31D9D70E-B46A-41DC-91A3-652D6CE2B951}"/>
+              </a:ext>
+            </a:extLst>
+          </p:cNvPr>
+          <p:cNvGrpSpPr/>
+          <p:nvPr/>
+        </p:nvGrpSpPr>
+        <p:grpSpPr>
+          <a:xfrm>
+            <a:off x="2666479" y="4439506"/>
+            <a:ext cx="2965073" cy="662782"/>
+            <a:chOff x="2294010" y="4040174"/>
+            <a:chExt cx="2965073" cy="662782"/>
+          </a:xfrm>
+        </p:grpSpPr>
+        <p:pic>
+          <p:nvPicPr>
+            <p:cNvPr id="10" name="Grafik 9">
+              <a:extLst>
+                <a:ext uri="{FF2B5EF4-FFF2-40B4-BE49-F238E27FC236}">
+                  <a16:creationId xmlns:a16="http://schemas.microsoft.com/office/drawing/2014/main" id="{F7D68AAF-5CE8-442B-82F0-C40D6B6A459F}"/>
+                </a:ext>
+              </a:extLst>
+            </p:cNvPr>
+            <p:cNvPicPr>
+              <a:picLocks noChangeAspect="1"/>
+            </p:cNvPicPr>
+            <p:nvPr/>
+          </p:nvPicPr>
+          <p:blipFill>
+            <a:blip r:embed="rId4">
+              <a:extLst>
+                <a:ext uri="{28A0092B-C50C-407E-A947-70E740481C1C}">
+                  <a14:useLocalDpi xmlns:a14="http://schemas.microsoft.com/office/drawing/2010/main" val="0"/>
+                </a:ext>
+                <a:ext uri="{96DAC541-7B7A-43D3-8B79-37D633B846F1}">
+                  <asvg:svgBlip xmlns:asvg="http://schemas.microsoft.com/office/drawing/2016/SVG/main" r:embed="rId5"/>
+                </a:ext>
+              </a:extLst>
+            </a:blip>
+            <a:stretch>
+              <a:fillRect/>
+            </a:stretch>
+          </p:blipFill>
+          <p:spPr>
+            <a:xfrm>
+              <a:off x="3772467" y="4241667"/>
+              <a:ext cx="1486616" cy="259797"/>
+            </a:xfrm>
+            <a:prstGeom prst="rect">
+              <a:avLst/>
+            </a:prstGeom>
+          </p:spPr>
+        </p:pic>
+        <p:sp>
+          <p:nvSpPr>
+            <p:cNvPr id="29" name="Inhaltsplatzhalter 7">
+              <a:extLst>
+                <a:ext uri="{FF2B5EF4-FFF2-40B4-BE49-F238E27FC236}">
+                  <a16:creationId xmlns:a16="http://schemas.microsoft.com/office/drawing/2014/main" id="{83DA0FFE-9CE5-42D8-8206-CD298C9ADF26}"/>
+                </a:ext>
+              </a:extLst>
+            </p:cNvPr>
+            <p:cNvSpPr txBox="1">
+              <a:spLocks/>
+            </p:cNvSpPr>
+            <p:nvPr/>
+          </p:nvSpPr>
+          <p:spPr>
+            <a:xfrm>
+              <a:off x="2294010" y="4040174"/>
+              <a:ext cx="1478457" cy="662782"/>
+            </a:xfrm>
+            <a:prstGeom prst="rect">
+              <a:avLst/>
+            </a:prstGeom>
+          </p:spPr>
+          <p:txBody>
+            <a:bodyPr anchor="ctr">
+              <a:normAutofit/>
+            </a:bodyPr>
+            <a:lstStyle>
+              <a:lvl1pPr marL="228600" indent="-228600" algn="l" defTabSz="914400" rtl="0" eaLnBrk="1" latinLnBrk="0" hangingPunct="1">
+                <a:lnSpc>
+                  <a:spcPct val="90000"/>
+                </a:lnSpc>
+                <a:spcBef>
+                  <a:spcPts val="1000"/>
+                </a:spcBef>
+                <a:buFont typeface="Arial" panose="020B0604020202020204" pitchFamily="34" charset="0"/>
+                <a:buChar char="•"/>
+                <a:defRPr sz="2800" kern="1200">
+                  <a:solidFill>
+                    <a:schemeClr val="tx1"/>
+                  </a:solidFill>
+                  <a:latin typeface="Roboto Light" panose="02000000000000000000" pitchFamily="2" charset="0"/>
+                  <a:ea typeface="Roboto Light" panose="02000000000000000000" pitchFamily="2" charset="0"/>
+                  <a:cs typeface="+mn-cs"/>
+                </a:defRPr>
+              </a:lvl1pPr>
+              <a:lvl2pPr marL="685800" indent="-228600" algn="l" defTabSz="914400" rtl="0" eaLnBrk="1" latinLnBrk="0" hangingPunct="1">
+                <a:lnSpc>
+                  <a:spcPct val="90000"/>
+                </a:lnSpc>
+                <a:spcBef>
+                  <a:spcPts val="500"/>
+                </a:spcBef>
+                <a:buFont typeface="Arial" panose="020B0604020202020204" pitchFamily="34" charset="0"/>
+                <a:buChar char="•"/>
+                <a:defRPr sz="2400" kern="1200">
+                  <a:solidFill>
+                    <a:schemeClr val="tx1"/>
+                  </a:solidFill>
+                  <a:latin typeface="Roboto Light" panose="02000000000000000000" pitchFamily="2" charset="0"/>
+                  <a:ea typeface="Roboto Light" panose="02000000000000000000" pitchFamily="2" charset="0"/>
+                  <a:cs typeface="+mn-cs"/>
+                </a:defRPr>
+              </a:lvl2pPr>
+              <a:lvl3pPr marL="1143000" indent="-228600" algn="l" defTabSz="914400" rtl="0" eaLnBrk="1" latinLnBrk="0" hangingPunct="1">
+                <a:lnSpc>
+                  <a:spcPct val="90000"/>
+                </a:lnSpc>
+                <a:spcBef>
+                  <a:spcPts val="500"/>
+                </a:spcBef>
+                <a:buFont typeface="Arial" panose="020B0604020202020204" pitchFamily="34" charset="0"/>
+                <a:buChar char="•"/>
+                <a:defRPr sz="2000" kern="1200">
+                  <a:solidFill>
+                    <a:schemeClr val="tx1"/>
+                  </a:solidFill>
+                  <a:latin typeface="Roboto Light" panose="02000000000000000000" pitchFamily="2" charset="0"/>
+                  <a:ea typeface="Roboto Light" panose="02000000000000000000" pitchFamily="2" charset="0"/>
+                  <a:cs typeface="+mn-cs"/>
+                </a:defRPr>
+              </a:lvl3pPr>
+              <a:lvl4pPr marL="1600200" indent="-228600" algn="l" defTabSz="914400" rtl="0" eaLnBrk="1" latinLnBrk="0" hangingPunct="1">
+                <a:lnSpc>
+                  <a:spcPct val="90000"/>
+                </a:lnSpc>
+                <a:spcBef>
+                  <a:spcPts val="500"/>
+                </a:spcBef>
+                <a:buFont typeface="Arial" panose="020B0604020202020204" pitchFamily="34" charset="0"/>
+                <a:buChar char="•"/>
+                <a:defRPr sz="1800" kern="1200">
+                  <a:solidFill>
+                    <a:schemeClr val="tx1"/>
+                  </a:solidFill>
+                  <a:latin typeface="Roboto Light" panose="02000000000000000000" pitchFamily="2" charset="0"/>
+                  <a:ea typeface="Roboto Light" panose="02000000000000000000" pitchFamily="2" charset="0"/>
+                  <a:cs typeface="+mn-cs"/>
+                </a:defRPr>
+              </a:lvl4pPr>
+              <a:lvl5pPr marL="2057400" indent="-228600" algn="l" defTabSz="914400" rtl="0" eaLnBrk="1" latinLnBrk="0" hangingPunct="1">
+                <a:lnSpc>
+                  <a:spcPct val="90000"/>
+                </a:lnSpc>
+                <a:spcBef>
+                  <a:spcPts val="500"/>
+                </a:spcBef>
+                <a:buFont typeface="Arial" panose="020B0604020202020204" pitchFamily="34" charset="0"/>
+                <a:buChar char="•"/>
+                <a:defRPr sz="1800" kern="1200">
+                  <a:solidFill>
+                    <a:schemeClr val="tx1"/>
+                  </a:solidFill>
+                  <a:latin typeface="Roboto Light" panose="02000000000000000000" pitchFamily="2" charset="0"/>
+                  <a:ea typeface="Roboto Light" panose="02000000000000000000" pitchFamily="2" charset="0"/>
+                  <a:cs typeface="+mn-cs"/>
+                </a:defRPr>
+              </a:lvl5pPr>
+              <a:lvl6pPr marL="2514600" indent="-228600" algn="l" defTabSz="914400" rtl="0" eaLnBrk="1" latinLnBrk="0" hangingPunct="1">
+                <a:lnSpc>
+                  <a:spcPct val="90000"/>
+                </a:lnSpc>
+                <a:spcBef>
+                  <a:spcPts val="500"/>
+                </a:spcBef>
+                <a:buFont typeface="Arial" panose="020B0604020202020204" pitchFamily="34" charset="0"/>
+                <a:buChar char="•"/>
+                <a:defRPr sz="1800" kern="1200">
+                  <a:solidFill>
+                    <a:schemeClr val="tx1"/>
+                  </a:solidFill>
+                  <a:latin typeface="+mn-lt"/>
+                  <a:ea typeface="+mn-ea"/>
+                  <a:cs typeface="+mn-cs"/>
+                </a:defRPr>
+              </a:lvl6pPr>
+              <a:lvl7pPr marL="2971800" indent="-228600" algn="l" defTabSz="914400" rtl="0" eaLnBrk="1" latinLnBrk="0" hangingPunct="1">
+                <a:lnSpc>
+                  <a:spcPct val="90000"/>
+                </a:lnSpc>
+                <a:spcBef>
+                  <a:spcPts val="500"/>
+                </a:spcBef>
+                <a:buFont typeface="Arial" panose="020B0604020202020204" pitchFamily="34" charset="0"/>
+                <a:buChar char="•"/>
+                <a:defRPr sz="1800" kern="1200">
+                  <a:solidFill>
+                    <a:schemeClr val="tx1"/>
+                  </a:solidFill>
+                  <a:latin typeface="+mn-lt"/>
+                  <a:ea typeface="+mn-ea"/>
+                  <a:cs typeface="+mn-cs"/>
+                </a:defRPr>
+              </a:lvl7pPr>
+              <a:lvl8pPr marL="3429000" indent="-228600" algn="l" defTabSz="914400" rtl="0" eaLnBrk="1" latinLnBrk="0" hangingPunct="1">
+                <a:lnSpc>
+                  <a:spcPct val="90000"/>
+                </a:lnSpc>
+                <a:spcBef>
+                  <a:spcPts val="500"/>
+                </a:spcBef>
+                <a:buFont typeface="Arial" panose="020B0604020202020204" pitchFamily="34" charset="0"/>
+                <a:buChar char="•"/>
+                <a:defRPr sz="1800" kern="1200">
+                  <a:solidFill>
+                    <a:schemeClr val="tx1"/>
+                  </a:solidFill>
+                  <a:latin typeface="+mn-lt"/>
+                  <a:ea typeface="+mn-ea"/>
+                  <a:cs typeface="+mn-cs"/>
+                </a:defRPr>
+              </a:lvl8pPr>
+              <a:lvl9pPr marL="3886200" indent="-228600" algn="l" defTabSz="914400" rtl="0" eaLnBrk="1" latinLnBrk="0" hangingPunct="1">
+                <a:lnSpc>
+                  <a:spcPct val="90000"/>
+                </a:lnSpc>
+                <a:spcBef>
+                  <a:spcPts val="500"/>
+                </a:spcBef>
+                <a:buFont typeface="Arial" panose="020B0604020202020204" pitchFamily="34" charset="0"/>
+                <a:buChar char="•"/>
+                <a:defRPr sz="1800" kern="1200">
+                  <a:solidFill>
+                    <a:schemeClr val="tx1"/>
+                  </a:solidFill>
+                  <a:latin typeface="+mn-lt"/>
+                  <a:ea typeface="+mn-ea"/>
+                  <a:cs typeface="+mn-cs"/>
+                </a:defRPr>
+              </a:lvl9pPr>
+            </a:lstStyle>
+            <a:p>
+              <a:pPr marL="0" indent="0" algn="ctr" fontAlgn="auto">
+                <a:lnSpc>
+                  <a:spcPct val="100000"/>
+                </a:lnSpc>
+                <a:spcBef>
+                  <a:spcPts val="2400"/>
+                </a:spcBef>
+                <a:spcAft>
+                  <a:spcPts val="0"/>
+                </a:spcAft>
+                <a:buNone/>
+              </a:pPr>
+              <a:r>
+                <a:rPr lang="en-US" sz="2000" b="1" dirty="0"/>
+                <a:t>Required:</a:t>
+              </a:r>
+            </a:p>
+          </p:txBody>
+        </p:sp>
+      </p:grpSp>
+      <p:grpSp>
+        <p:nvGrpSpPr>
+          <p:cNvPr id="19" name="Gruppieren 18">
+            <a:extLst>
+              <a:ext uri="{FF2B5EF4-FFF2-40B4-BE49-F238E27FC236}">
+                <a16:creationId xmlns:a16="http://schemas.microsoft.com/office/drawing/2014/main" id="{0C2CA6AE-892B-4D6E-AC96-BE9D1B261724}"/>
+              </a:ext>
+            </a:extLst>
+          </p:cNvPr>
+          <p:cNvGrpSpPr/>
+          <p:nvPr/>
+        </p:nvGrpSpPr>
+        <p:grpSpPr>
+          <a:xfrm>
+            <a:off x="5770025" y="1929814"/>
+            <a:ext cx="5244720" cy="1271212"/>
+            <a:chOff x="5770025" y="1929814"/>
+            <a:chExt cx="5244720" cy="1271212"/>
+          </a:xfrm>
+        </p:grpSpPr>
+        <p:sp>
+          <p:nvSpPr>
+            <p:cNvPr id="32" name="Inhaltsplatzhalter 7">
+              <a:extLst>
+                <a:ext uri="{FF2B5EF4-FFF2-40B4-BE49-F238E27FC236}">
+                  <a16:creationId xmlns:a16="http://schemas.microsoft.com/office/drawing/2014/main" id="{B97A24FC-09C0-4715-AC22-10BE34D21C1F}"/>
+                </a:ext>
+              </a:extLst>
+            </p:cNvPr>
+            <p:cNvSpPr txBox="1">
+              <a:spLocks/>
+            </p:cNvSpPr>
+            <p:nvPr/>
+          </p:nvSpPr>
+          <p:spPr>
+            <a:xfrm>
+              <a:off x="7432646" y="2161308"/>
+              <a:ext cx="3582099" cy="987227"/>
+            </a:xfrm>
+            <a:prstGeom prst="rect">
+              <a:avLst/>
+            </a:prstGeom>
+          </p:spPr>
+          <p:txBody>
+            <a:bodyPr anchor="ctr">
+              <a:normAutofit lnSpcReduction="10000"/>
+            </a:bodyPr>
+            <a:lstStyle>
+              <a:lvl1pPr marL="228600" indent="-228600" algn="l" defTabSz="914400" rtl="0" eaLnBrk="1" latinLnBrk="0" hangingPunct="1">
+                <a:lnSpc>
+                  <a:spcPct val="90000"/>
+                </a:lnSpc>
+                <a:spcBef>
+                  <a:spcPts val="1000"/>
+                </a:spcBef>
+                <a:buFont typeface="Arial" panose="020B0604020202020204" pitchFamily="34" charset="0"/>
+                <a:buChar char="•"/>
+                <a:defRPr sz="2800" kern="1200">
+                  <a:solidFill>
+                    <a:schemeClr val="tx1"/>
+                  </a:solidFill>
+                  <a:latin typeface="Roboto Light" panose="02000000000000000000" pitchFamily="2" charset="0"/>
+                  <a:ea typeface="Roboto Light" panose="02000000000000000000" pitchFamily="2" charset="0"/>
+                  <a:cs typeface="+mn-cs"/>
+                </a:defRPr>
+              </a:lvl1pPr>
+              <a:lvl2pPr marL="685800" indent="-228600" algn="l" defTabSz="914400" rtl="0" eaLnBrk="1" latinLnBrk="0" hangingPunct="1">
+                <a:lnSpc>
+                  <a:spcPct val="90000"/>
+                </a:lnSpc>
+                <a:spcBef>
+                  <a:spcPts val="500"/>
+                </a:spcBef>
+                <a:buFont typeface="Arial" panose="020B0604020202020204" pitchFamily="34" charset="0"/>
+                <a:buChar char="•"/>
+                <a:defRPr sz="2400" kern="1200">
+                  <a:solidFill>
+                    <a:schemeClr val="tx1"/>
+                  </a:solidFill>
+                  <a:latin typeface="Roboto Light" panose="02000000000000000000" pitchFamily="2" charset="0"/>
+                  <a:ea typeface="Roboto Light" panose="02000000000000000000" pitchFamily="2" charset="0"/>
+                  <a:cs typeface="+mn-cs"/>
+                </a:defRPr>
+              </a:lvl2pPr>
+              <a:lvl3pPr marL="1143000" indent="-228600" algn="l" defTabSz="914400" rtl="0" eaLnBrk="1" latinLnBrk="0" hangingPunct="1">
+                <a:lnSpc>
+                  <a:spcPct val="90000"/>
+                </a:lnSpc>
+                <a:spcBef>
+                  <a:spcPts val="500"/>
+                </a:spcBef>
+                <a:buFont typeface="Arial" panose="020B0604020202020204" pitchFamily="34" charset="0"/>
+                <a:buChar char="•"/>
+                <a:defRPr sz="2000" kern="1200">
+                  <a:solidFill>
+                    <a:schemeClr val="tx1"/>
+                  </a:solidFill>
+                  <a:latin typeface="Roboto Light" panose="02000000000000000000" pitchFamily="2" charset="0"/>
+                  <a:ea typeface="Roboto Light" panose="02000000000000000000" pitchFamily="2" charset="0"/>
+                  <a:cs typeface="+mn-cs"/>
+                </a:defRPr>
+              </a:lvl3pPr>
+              <a:lvl4pPr marL="1600200" indent="-228600" algn="l" defTabSz="914400" rtl="0" eaLnBrk="1" latinLnBrk="0" hangingPunct="1">
+                <a:lnSpc>
+                  <a:spcPct val="90000"/>
+                </a:lnSpc>
+                <a:spcBef>
+                  <a:spcPts val="500"/>
+                </a:spcBef>
+                <a:buFont typeface="Arial" panose="020B0604020202020204" pitchFamily="34" charset="0"/>
+                <a:buChar char="•"/>
+                <a:defRPr sz="1800" kern="1200">
+                  <a:solidFill>
+                    <a:schemeClr val="tx1"/>
+                  </a:solidFill>
+                  <a:latin typeface="Roboto Light" panose="02000000000000000000" pitchFamily="2" charset="0"/>
+                  <a:ea typeface="Roboto Light" panose="02000000000000000000" pitchFamily="2" charset="0"/>
+                  <a:cs typeface="+mn-cs"/>
+                </a:defRPr>
+              </a:lvl4pPr>
+              <a:lvl5pPr marL="2057400" indent="-228600" algn="l" defTabSz="914400" rtl="0" eaLnBrk="1" latinLnBrk="0" hangingPunct="1">
+                <a:lnSpc>
+                  <a:spcPct val="90000"/>
+                </a:lnSpc>
+                <a:spcBef>
+                  <a:spcPts val="500"/>
+                </a:spcBef>
+                <a:buFont typeface="Arial" panose="020B0604020202020204" pitchFamily="34" charset="0"/>
+                <a:buChar char="•"/>
+                <a:defRPr sz="1800" kern="1200">
+                  <a:solidFill>
+                    <a:schemeClr val="tx1"/>
+                  </a:solidFill>
+                  <a:latin typeface="Roboto Light" panose="02000000000000000000" pitchFamily="2" charset="0"/>
+                  <a:ea typeface="Roboto Light" panose="02000000000000000000" pitchFamily="2" charset="0"/>
+                  <a:cs typeface="+mn-cs"/>
+                </a:defRPr>
+              </a:lvl5pPr>
+              <a:lvl6pPr marL="2514600" indent="-228600" algn="l" defTabSz="914400" rtl="0" eaLnBrk="1" latinLnBrk="0" hangingPunct="1">
+                <a:lnSpc>
+                  <a:spcPct val="90000"/>
+                </a:lnSpc>
+                <a:spcBef>
+                  <a:spcPts val="500"/>
+                </a:spcBef>
+                <a:buFont typeface="Arial" panose="020B0604020202020204" pitchFamily="34" charset="0"/>
+                <a:buChar char="•"/>
+                <a:defRPr sz="1800" kern="1200">
+                  <a:solidFill>
+                    <a:schemeClr val="tx1"/>
+                  </a:solidFill>
+                  <a:latin typeface="+mn-lt"/>
+                  <a:ea typeface="+mn-ea"/>
+                  <a:cs typeface="+mn-cs"/>
+                </a:defRPr>
+              </a:lvl6pPr>
+              <a:lvl7pPr marL="2971800" indent="-228600" algn="l" defTabSz="914400" rtl="0" eaLnBrk="1" latinLnBrk="0" hangingPunct="1">
+                <a:lnSpc>
+                  <a:spcPct val="90000"/>
+                </a:lnSpc>
+                <a:spcBef>
+                  <a:spcPts val="500"/>
+                </a:spcBef>
+                <a:buFont typeface="Arial" panose="020B0604020202020204" pitchFamily="34" charset="0"/>
+                <a:buChar char="•"/>
+                <a:defRPr sz="1800" kern="1200">
+                  <a:solidFill>
+                    <a:schemeClr val="tx1"/>
+                  </a:solidFill>
+                  <a:latin typeface="+mn-lt"/>
+                  <a:ea typeface="+mn-ea"/>
+                  <a:cs typeface="+mn-cs"/>
+                </a:defRPr>
+              </a:lvl7pPr>
+              <a:lvl8pPr marL="3429000" indent="-228600" algn="l" defTabSz="914400" rtl="0" eaLnBrk="1" latinLnBrk="0" hangingPunct="1">
+                <a:lnSpc>
+                  <a:spcPct val="90000"/>
+                </a:lnSpc>
+                <a:spcBef>
+                  <a:spcPts val="500"/>
+                </a:spcBef>
+                <a:buFont typeface="Arial" panose="020B0604020202020204" pitchFamily="34" charset="0"/>
+                <a:buChar char="•"/>
+                <a:defRPr sz="1800" kern="1200">
+                  <a:solidFill>
+                    <a:schemeClr val="tx1"/>
+                  </a:solidFill>
+                  <a:latin typeface="+mn-lt"/>
+                  <a:ea typeface="+mn-ea"/>
+                  <a:cs typeface="+mn-cs"/>
+                </a:defRPr>
+              </a:lvl8pPr>
+              <a:lvl9pPr marL="3886200" indent="-228600" algn="l" defTabSz="914400" rtl="0" eaLnBrk="1" latinLnBrk="0" hangingPunct="1">
+                <a:lnSpc>
+                  <a:spcPct val="90000"/>
+                </a:lnSpc>
+                <a:spcBef>
+                  <a:spcPts val="500"/>
+                </a:spcBef>
+                <a:buFont typeface="Arial" panose="020B0604020202020204" pitchFamily="34" charset="0"/>
+                <a:buChar char="•"/>
+                <a:defRPr sz="1800" kern="1200">
+                  <a:solidFill>
+                    <a:schemeClr val="tx1"/>
+                  </a:solidFill>
+                  <a:latin typeface="+mn-lt"/>
+                  <a:ea typeface="+mn-ea"/>
+                  <a:cs typeface="+mn-cs"/>
+                </a:defRPr>
+              </a:lvl9pPr>
+            </a:lstStyle>
+            <a:p>
+              <a:pPr marL="0" indent="0" algn="ctr" fontAlgn="auto">
+                <a:lnSpc>
+                  <a:spcPct val="160000"/>
+                </a:lnSpc>
+                <a:spcBef>
+                  <a:spcPts val="2400"/>
+                </a:spcBef>
+                <a:spcAft>
+                  <a:spcPts val="0"/>
+                </a:spcAft>
+                <a:buNone/>
+              </a:pPr>
+              <a:r>
+                <a:rPr lang="en-US" sz="2000" b="1" dirty="0">
+                  <a:solidFill>
+                    <a:srgbClr val="002060"/>
+                  </a:solidFill>
+                </a:rPr>
+                <a:t>Ideally:</a:t>
+              </a:r>
+              <a:r>
+                <a:rPr lang="en-US" sz="2000" dirty="0">
+                  <a:solidFill>
+                    <a:srgbClr val="002060"/>
+                  </a:solidFill>
+                </a:rPr>
+                <a:t> </a:t>
+              </a:r>
+              <a:r>
+                <a:rPr lang="en-US" sz="2000" i="1" dirty="0">
+                  <a:solidFill>
+                    <a:srgbClr val="002060"/>
+                  </a:solidFill>
+                </a:rPr>
+                <a:t>Localized</a:t>
+              </a:r>
+              <a:r>
+                <a:rPr lang="en-US" sz="2000" dirty="0">
+                  <a:solidFill>
+                    <a:srgbClr val="002060"/>
+                  </a:solidFill>
+                </a:rPr>
+                <a:t>, </a:t>
+              </a:r>
+              <a:r>
+                <a:rPr lang="en-US" sz="2000" i="1" dirty="0">
+                  <a:solidFill>
+                    <a:srgbClr val="002060"/>
+                  </a:solidFill>
+                </a:rPr>
+                <a:t>interpretable</a:t>
+              </a:r>
+              <a:r>
+                <a:rPr lang="en-US" sz="2000" dirty="0">
+                  <a:solidFill>
+                    <a:srgbClr val="002060"/>
+                  </a:solidFill>
+                </a:rPr>
+                <a:t> subgraph constituents.</a:t>
+              </a:r>
+              <a:endParaRPr lang="en-US" sz="2000" b="1" dirty="0">
+                <a:solidFill>
+                  <a:srgbClr val="002060"/>
+                </a:solidFill>
+              </a:endParaRPr>
+            </a:p>
+          </p:txBody>
+        </p:sp>
+        <p:sp>
+          <p:nvSpPr>
+            <p:cNvPr id="35" name="Ellipse 34">
+              <a:extLst>
+                <a:ext uri="{FF2B5EF4-FFF2-40B4-BE49-F238E27FC236}">
+                  <a16:creationId xmlns:a16="http://schemas.microsoft.com/office/drawing/2014/main" id="{67340E0D-BB43-4DA8-9F50-DB5A969FAF75}"/>
+                </a:ext>
+              </a:extLst>
+            </p:cNvPr>
+            <p:cNvSpPr/>
+            <p:nvPr/>
+          </p:nvSpPr>
+          <p:spPr>
+            <a:xfrm rot="20727829">
+              <a:off x="5770025" y="1929814"/>
+              <a:ext cx="713153" cy="1271212"/>
+            </a:xfrm>
+            <a:prstGeom prst="ellipse">
+              <a:avLst/>
+            </a:prstGeom>
+            <a:noFill/>
+            <a:ln w="57150">
+              <a:solidFill>
+                <a:srgbClr val="C00000"/>
+              </a:solidFill>
+            </a:ln>
+          </p:spPr>
+          <p:style>
+            <a:lnRef idx="2">
+              <a:schemeClr val="accent1">
+                <a:shade val="50000"/>
+              </a:schemeClr>
+            </a:lnRef>
+            <a:fillRef idx="1">
+              <a:schemeClr val="accent1"/>
+            </a:fillRef>
+            <a:effectRef idx="0">
+              <a:schemeClr val="accent1"/>
+            </a:effectRef>
+            <a:fontRef idx="minor">
+              <a:schemeClr val="lt1"/>
+            </a:fontRef>
+          </p:style>
+          <p:txBody>
+            <a:bodyPr rtlCol="0" anchor="ctr"/>
+            <a:lstStyle/>
+            <a:p>
+              <a:pPr algn="ctr"/>
+              <a:endParaRPr lang="de-DE"/>
+            </a:p>
+          </p:txBody>
+        </p:sp>
+        <p:cxnSp>
+          <p:nvCxnSpPr>
+            <p:cNvPr id="17" name="Gerader Verbinder 16">
+              <a:extLst>
+                <a:ext uri="{FF2B5EF4-FFF2-40B4-BE49-F238E27FC236}">
+                  <a16:creationId xmlns:a16="http://schemas.microsoft.com/office/drawing/2014/main" id="{8C9D138E-0E67-4209-BF75-CE1EE5506527}"/>
+                </a:ext>
+              </a:extLst>
+            </p:cNvPr>
+            <p:cNvCxnSpPr>
+              <a:stCxn id="35" idx="6"/>
+            </p:cNvCxnSpPr>
+            <p:nvPr/>
+          </p:nvCxnSpPr>
+          <p:spPr>
+            <a:xfrm>
+              <a:off x="6471764" y="2475922"/>
+              <a:ext cx="960882" cy="6045"/>
+            </a:xfrm>
+            <a:prstGeom prst="line">
+              <a:avLst/>
+            </a:prstGeom>
+            <a:ln w="19050">
+              <a:solidFill>
+                <a:srgbClr val="C00000"/>
+              </a:solidFill>
+            </a:ln>
+          </p:spPr>
+          <p:style>
+            <a:lnRef idx="1">
+              <a:schemeClr val="accent1"/>
+            </a:lnRef>
+            <a:fillRef idx="0">
+              <a:schemeClr val="accent1"/>
+            </a:fillRef>
+            <a:effectRef idx="0">
+              <a:schemeClr val="accent1"/>
+            </a:effectRef>
+            <a:fontRef idx="minor">
+              <a:schemeClr val="tx1"/>
+            </a:fontRef>
+          </p:style>
+        </p:cxnSp>
+      </p:grpSp>
     </p:spTree>
     <p:extLst>
       <p:ext uri="{BB962C8B-B14F-4D97-AF65-F5344CB8AC3E}">
@@ -9803,6 +13945,3562 @@
   <p:clrMapOvr>
     <a:masterClrMapping/>
   </p:clrMapOvr>
+  <p:timing>
+    <p:tnLst>
+      <p:par>
+        <p:cTn id="1" dur="indefinite" restart="never" nodeType="tmRoot">
+          <p:childTnLst>
+            <p:seq concurrent="1" nextAc="seek">
+              <p:cTn id="2" dur="indefinite" nodeType="mainSeq">
+                <p:childTnLst>
+                  <p:par>
+                    <p:cTn id="3" fill="hold">
+                      <p:stCondLst>
+                        <p:cond delay="indefinite"/>
+                      </p:stCondLst>
+                      <p:childTnLst>
+                        <p:par>
+                          <p:cTn id="4" fill="hold">
+                            <p:stCondLst>
+                              <p:cond delay="0"/>
+                            </p:stCondLst>
+                            <p:childTnLst>
+                              <p:par>
+                                <p:cTn id="5" presetID="1" presetClass="entr" presetSubtype="0" fill="hold" nodeType="clickEffect">
+                                  <p:stCondLst>
+                                    <p:cond delay="0"/>
+                                  </p:stCondLst>
+                                  <p:childTnLst>
+                                    <p:set>
+                                      <p:cBhvr>
+                                        <p:cTn id="6" dur="1" fill="hold">
+                                          <p:stCondLst>
+                                            <p:cond delay="0"/>
+                                          </p:stCondLst>
+                                        </p:cTn>
+                                        <p:tgtEl>
+                                          <p:spTgt spid="19"/>
+                                        </p:tgtEl>
+                                        <p:attrNameLst>
+                                          <p:attrName>style.visibility</p:attrName>
+                                        </p:attrNameLst>
+                                      </p:cBhvr>
+                                      <p:to>
+                                        <p:strVal val="visible"/>
+                                      </p:to>
+                                    </p:set>
+                                  </p:childTnLst>
+                                </p:cTn>
+                              </p:par>
+                            </p:childTnLst>
+                          </p:cTn>
+                        </p:par>
+                      </p:childTnLst>
+                    </p:cTn>
+                  </p:par>
+                </p:childTnLst>
+              </p:cTn>
+              <p:prevCondLst>
+                <p:cond evt="onPrev" delay="0">
+                  <p:tgtEl>
+                    <p:sldTgt/>
+                  </p:tgtEl>
+                </p:cond>
+              </p:prevCondLst>
+              <p:nextCondLst>
+                <p:cond evt="onNext" delay="0">
+                  <p:tgtEl>
+                    <p:sldTgt/>
+                  </p:tgtEl>
+                </p:cond>
+              </p:nextCondLst>
+            </p:seq>
+          </p:childTnLst>
+        </p:cTn>
+      </p:par>
+    </p:tnLst>
+  </p:timing>
+</p:sld>
+</file>
+
+<file path=ppt/slides/slide7.xml><?xml version="1.0" encoding="utf-8"?>
+<p:sld xmlns:a="http://schemas.openxmlformats.org/drawingml/2006/main" xmlns:r="http://schemas.openxmlformats.org/officeDocument/2006/relationships" xmlns:p="http://schemas.openxmlformats.org/presentationml/2006/main">
+  <p:cSld>
+    <p:spTree>
+      <p:nvGrpSpPr>
+        <p:cNvPr id="1" name=""/>
+        <p:cNvGrpSpPr/>
+        <p:nvPr/>
+      </p:nvGrpSpPr>
+      <p:grpSpPr>
+        <a:xfrm>
+          <a:off x="0" y="0"/>
+          <a:ext cx="0" cy="0"/>
+          <a:chOff x="0" y="0"/>
+          <a:chExt cx="0" cy="0"/>
+        </a:xfrm>
+      </p:grpSpPr>
+      <p:sp>
+        <p:nvSpPr>
+          <p:cNvPr id="2" name="Titel 1">
+            <a:extLst>
+              <a:ext uri="{FF2B5EF4-FFF2-40B4-BE49-F238E27FC236}">
+                <a16:creationId xmlns:a16="http://schemas.microsoft.com/office/drawing/2014/main" id="{2D0FFD85-9ECB-43AD-A5A9-1E845E3225DB}"/>
+              </a:ext>
+            </a:extLst>
+          </p:cNvPr>
+          <p:cNvSpPr>
+            <a:spLocks noGrp="1"/>
+          </p:cNvSpPr>
+          <p:nvPr>
+            <p:ph type="title"/>
+          </p:nvPr>
+        </p:nvSpPr>
+        <p:spPr/>
+        <p:txBody>
+          <a:bodyPr/>
+          <a:lstStyle/>
+          <a:p>
+            <a:r>
+              <a:rPr lang="en-US" dirty="0"/>
+              <a:t>Definition of LTA: </a:t>
+            </a:r>
+            <a:r>
+              <a:rPr lang="en-US" sz="2800" dirty="0"/>
+              <a:t>Evaluation</a:t>
+            </a:r>
+          </a:p>
+        </p:txBody>
+      </p:sp>
+      <p:sp>
+        <p:nvSpPr>
+          <p:cNvPr id="3" name="Foliennummernplatzhalter 2">
+            <a:extLst>
+              <a:ext uri="{FF2B5EF4-FFF2-40B4-BE49-F238E27FC236}">
+                <a16:creationId xmlns:a16="http://schemas.microsoft.com/office/drawing/2014/main" id="{A9A3E377-2D44-4492-89E5-28D1334E9EC0}"/>
+              </a:ext>
+            </a:extLst>
+          </p:cNvPr>
+          <p:cNvSpPr>
+            <a:spLocks noGrp="1"/>
+          </p:cNvSpPr>
+          <p:nvPr>
+            <p:ph type="sldNum" sz="quarter" idx="12"/>
+          </p:nvPr>
+        </p:nvSpPr>
+        <p:spPr/>
+        <p:txBody>
+          <a:bodyPr/>
+          <a:lstStyle/>
+          <a:p>
+            <a:fld id="{F4DAF760-8A09-427D-9634-9AF01F07ABD5}" type="slidenum">
+              <a:rPr lang="de-DE" smtClean="0"/>
+              <a:pPr/>
+              <a:t>7</a:t>
+            </a:fld>
+            <a:endParaRPr lang="de-DE" dirty="0"/>
+          </a:p>
+        </p:txBody>
+      </p:sp>
+      <p:sp>
+        <p:nvSpPr>
+          <p:cNvPr id="4" name="Datumsplatzhalter 3">
+            <a:extLst>
+              <a:ext uri="{FF2B5EF4-FFF2-40B4-BE49-F238E27FC236}">
+                <a16:creationId xmlns:a16="http://schemas.microsoft.com/office/drawing/2014/main" id="{92762C93-2A9A-4811-B406-3D4DB30BF929}"/>
+              </a:ext>
+            </a:extLst>
+          </p:cNvPr>
+          <p:cNvSpPr>
+            <a:spLocks noGrp="1"/>
+          </p:cNvSpPr>
+          <p:nvPr>
+            <p:ph type="dt" sz="half" idx="2"/>
+          </p:nvPr>
+        </p:nvSpPr>
+        <p:spPr/>
+        <p:txBody>
+          <a:bodyPr/>
+          <a:lstStyle/>
+          <a:p>
+            <a:fld id="{430DF349-95C2-46DE-9950-038CEA89BBBD}" type="datetime4">
+              <a:rPr lang="en-US" smtClean="0"/>
+              <a:t>April 18, 2020</a:t>
+            </a:fld>
+            <a:endParaRPr lang="en-US" dirty="0"/>
+          </a:p>
+        </p:txBody>
+      </p:sp>
+      <p:sp>
+        <p:nvSpPr>
+          <p:cNvPr id="5" name="Fußzeilenplatzhalter 4">
+            <a:extLst>
+              <a:ext uri="{FF2B5EF4-FFF2-40B4-BE49-F238E27FC236}">
+                <a16:creationId xmlns:a16="http://schemas.microsoft.com/office/drawing/2014/main" id="{1A8776A3-0E10-4A7C-A4A4-D2611C7BC52B}"/>
+              </a:ext>
+            </a:extLst>
+          </p:cNvPr>
+          <p:cNvSpPr>
+            <a:spLocks noGrp="1"/>
+          </p:cNvSpPr>
+          <p:nvPr>
+            <p:ph type="ftr" sz="quarter" idx="3"/>
+          </p:nvPr>
+        </p:nvSpPr>
+        <p:spPr/>
+        <p:txBody>
+          <a:bodyPr/>
+          <a:lstStyle/>
+          <a:p>
+            <a:r>
+              <a:rPr lang="en-US"/>
+              <a:t>Learning to Aggregate on Structured Data</a:t>
+            </a:r>
+          </a:p>
+        </p:txBody>
+      </p:sp>
+      <p:pic>
+        <p:nvPicPr>
+          <p:cNvPr id="24" name="Grafik 23">
+            <a:extLst>
+              <a:ext uri="{FF2B5EF4-FFF2-40B4-BE49-F238E27FC236}">
+                <a16:creationId xmlns:a16="http://schemas.microsoft.com/office/drawing/2014/main" id="{CC0044D9-3783-4C20-AF27-FE96639B1F9E}"/>
+              </a:ext>
+            </a:extLst>
+          </p:cNvPr>
+          <p:cNvPicPr>
+            <a:picLocks noChangeAspect="1"/>
+          </p:cNvPicPr>
+          <p:nvPr/>
+        </p:nvPicPr>
+        <p:blipFill>
+          <a:blip r:embed="rId2">
+            <a:extLst>
+              <a:ext uri="{28A0092B-C50C-407E-A947-70E740481C1C}">
+                <a14:useLocalDpi xmlns:a14="http://schemas.microsoft.com/office/drawing/2010/main" val="0"/>
+              </a:ext>
+              <a:ext uri="{96DAC541-7B7A-43D3-8B79-37D633B846F1}">
+                <asvg:svgBlip xmlns:asvg="http://schemas.microsoft.com/office/drawing/2016/SVG/main" r:embed="rId3"/>
+              </a:ext>
+            </a:extLst>
+          </a:blip>
+          <a:srcRect/>
+          <a:stretch/>
+        </p:blipFill>
+        <p:spPr>
+          <a:xfrm>
+            <a:off x="1354782" y="1204582"/>
+            <a:ext cx="9482434" cy="2947243"/>
+          </a:xfrm>
+          <a:prstGeom prst="rect">
+            <a:avLst/>
+          </a:prstGeom>
+        </p:spPr>
+      </p:pic>
+      <p:sp>
+        <p:nvSpPr>
+          <p:cNvPr id="25" name="Inhaltsplatzhalter 7">
+            <a:extLst>
+              <a:ext uri="{FF2B5EF4-FFF2-40B4-BE49-F238E27FC236}">
+                <a16:creationId xmlns:a16="http://schemas.microsoft.com/office/drawing/2014/main" id="{9A67294D-6C43-4BA7-ADA6-EC6EF79AE9E7}"/>
+              </a:ext>
+            </a:extLst>
+          </p:cNvPr>
+          <p:cNvSpPr txBox="1">
+            <a:spLocks/>
+          </p:cNvSpPr>
+          <p:nvPr/>
+        </p:nvSpPr>
+        <p:spPr>
+          <a:xfrm>
+            <a:off x="4534204" y="4990636"/>
+            <a:ext cx="5582072" cy="662782"/>
+          </a:xfrm>
+          <a:prstGeom prst="rect">
+            <a:avLst/>
+          </a:prstGeom>
+        </p:spPr>
+        <p:txBody>
+          <a:bodyPr anchor="ctr">
+            <a:normAutofit/>
+          </a:bodyPr>
+          <a:lstStyle>
+            <a:lvl1pPr marL="228600" indent="-228600" algn="l" defTabSz="914400" rtl="0" eaLnBrk="1" latinLnBrk="0" hangingPunct="1">
+              <a:lnSpc>
+                <a:spcPct val="90000"/>
+              </a:lnSpc>
+              <a:spcBef>
+                <a:spcPts val="1000"/>
+              </a:spcBef>
+              <a:buFont typeface="Arial" panose="020B0604020202020204" pitchFamily="34" charset="0"/>
+              <a:buChar char="•"/>
+              <a:defRPr sz="2800" kern="1200">
+                <a:solidFill>
+                  <a:schemeClr val="tx1"/>
+                </a:solidFill>
+                <a:latin typeface="Roboto Light" panose="02000000000000000000" pitchFamily="2" charset="0"/>
+                <a:ea typeface="Roboto Light" panose="02000000000000000000" pitchFamily="2" charset="0"/>
+                <a:cs typeface="+mn-cs"/>
+              </a:defRPr>
+            </a:lvl1pPr>
+            <a:lvl2pPr marL="685800" indent="-228600" algn="l" defTabSz="914400" rtl="0" eaLnBrk="1" latinLnBrk="0" hangingPunct="1">
+              <a:lnSpc>
+                <a:spcPct val="90000"/>
+              </a:lnSpc>
+              <a:spcBef>
+                <a:spcPts val="500"/>
+              </a:spcBef>
+              <a:buFont typeface="Arial" panose="020B0604020202020204" pitchFamily="34" charset="0"/>
+              <a:buChar char="•"/>
+              <a:defRPr sz="2400" kern="1200">
+                <a:solidFill>
+                  <a:schemeClr val="tx1"/>
+                </a:solidFill>
+                <a:latin typeface="Roboto Light" panose="02000000000000000000" pitchFamily="2" charset="0"/>
+                <a:ea typeface="Roboto Light" panose="02000000000000000000" pitchFamily="2" charset="0"/>
+                <a:cs typeface="+mn-cs"/>
+              </a:defRPr>
+            </a:lvl2pPr>
+            <a:lvl3pPr marL="1143000" indent="-228600" algn="l" defTabSz="914400" rtl="0" eaLnBrk="1" latinLnBrk="0" hangingPunct="1">
+              <a:lnSpc>
+                <a:spcPct val="90000"/>
+              </a:lnSpc>
+              <a:spcBef>
+                <a:spcPts val="500"/>
+              </a:spcBef>
+              <a:buFont typeface="Arial" panose="020B0604020202020204" pitchFamily="34" charset="0"/>
+              <a:buChar char="•"/>
+              <a:defRPr sz="2000" kern="1200">
+                <a:solidFill>
+                  <a:schemeClr val="tx1"/>
+                </a:solidFill>
+                <a:latin typeface="Roboto Light" panose="02000000000000000000" pitchFamily="2" charset="0"/>
+                <a:ea typeface="Roboto Light" panose="02000000000000000000" pitchFamily="2" charset="0"/>
+                <a:cs typeface="+mn-cs"/>
+              </a:defRPr>
+            </a:lvl3pPr>
+            <a:lvl4pPr marL="1600200" indent="-228600" algn="l" defTabSz="914400" rtl="0" eaLnBrk="1" latinLnBrk="0" hangingPunct="1">
+              <a:lnSpc>
+                <a:spcPct val="90000"/>
+              </a:lnSpc>
+              <a:spcBef>
+                <a:spcPts val="500"/>
+              </a:spcBef>
+              <a:buFont typeface="Arial" panose="020B0604020202020204" pitchFamily="34" charset="0"/>
+              <a:buChar char="•"/>
+              <a:defRPr sz="1800" kern="1200">
+                <a:solidFill>
+                  <a:schemeClr val="tx1"/>
+                </a:solidFill>
+                <a:latin typeface="Roboto Light" panose="02000000000000000000" pitchFamily="2" charset="0"/>
+                <a:ea typeface="Roboto Light" panose="02000000000000000000" pitchFamily="2" charset="0"/>
+                <a:cs typeface="+mn-cs"/>
+              </a:defRPr>
+            </a:lvl4pPr>
+            <a:lvl5pPr marL="2057400" indent="-228600" algn="l" defTabSz="914400" rtl="0" eaLnBrk="1" latinLnBrk="0" hangingPunct="1">
+              <a:lnSpc>
+                <a:spcPct val="90000"/>
+              </a:lnSpc>
+              <a:spcBef>
+                <a:spcPts val="500"/>
+              </a:spcBef>
+              <a:buFont typeface="Arial" panose="020B0604020202020204" pitchFamily="34" charset="0"/>
+              <a:buChar char="•"/>
+              <a:defRPr sz="1800" kern="1200">
+                <a:solidFill>
+                  <a:schemeClr val="tx1"/>
+                </a:solidFill>
+                <a:latin typeface="Roboto Light" panose="02000000000000000000" pitchFamily="2" charset="0"/>
+                <a:ea typeface="Roboto Light" panose="02000000000000000000" pitchFamily="2" charset="0"/>
+                <a:cs typeface="+mn-cs"/>
+              </a:defRPr>
+            </a:lvl5pPr>
+            <a:lvl6pPr marL="2514600" indent="-228600" algn="l" defTabSz="914400" rtl="0" eaLnBrk="1" latinLnBrk="0" hangingPunct="1">
+              <a:lnSpc>
+                <a:spcPct val="90000"/>
+              </a:lnSpc>
+              <a:spcBef>
+                <a:spcPts val="500"/>
+              </a:spcBef>
+              <a:buFont typeface="Arial" panose="020B0604020202020204" pitchFamily="34" charset="0"/>
+              <a:buChar char="•"/>
+              <a:defRPr sz="1800" kern="1200">
+                <a:solidFill>
+                  <a:schemeClr val="tx1"/>
+                </a:solidFill>
+                <a:latin typeface="+mn-lt"/>
+                <a:ea typeface="+mn-ea"/>
+                <a:cs typeface="+mn-cs"/>
+              </a:defRPr>
+            </a:lvl6pPr>
+            <a:lvl7pPr marL="2971800" indent="-228600" algn="l" defTabSz="914400" rtl="0" eaLnBrk="1" latinLnBrk="0" hangingPunct="1">
+              <a:lnSpc>
+                <a:spcPct val="90000"/>
+              </a:lnSpc>
+              <a:spcBef>
+                <a:spcPts val="500"/>
+              </a:spcBef>
+              <a:buFont typeface="Arial" panose="020B0604020202020204" pitchFamily="34" charset="0"/>
+              <a:buChar char="•"/>
+              <a:defRPr sz="1800" kern="1200">
+                <a:solidFill>
+                  <a:schemeClr val="tx1"/>
+                </a:solidFill>
+                <a:latin typeface="+mn-lt"/>
+                <a:ea typeface="+mn-ea"/>
+                <a:cs typeface="+mn-cs"/>
+              </a:defRPr>
+            </a:lvl7pPr>
+            <a:lvl8pPr marL="3429000" indent="-228600" algn="l" defTabSz="914400" rtl="0" eaLnBrk="1" latinLnBrk="0" hangingPunct="1">
+              <a:lnSpc>
+                <a:spcPct val="90000"/>
+              </a:lnSpc>
+              <a:spcBef>
+                <a:spcPts val="500"/>
+              </a:spcBef>
+              <a:buFont typeface="Arial" panose="020B0604020202020204" pitchFamily="34" charset="0"/>
+              <a:buChar char="•"/>
+              <a:defRPr sz="1800" kern="1200">
+                <a:solidFill>
+                  <a:schemeClr val="tx1"/>
+                </a:solidFill>
+                <a:latin typeface="+mn-lt"/>
+                <a:ea typeface="+mn-ea"/>
+                <a:cs typeface="+mn-cs"/>
+              </a:defRPr>
+            </a:lvl8pPr>
+            <a:lvl9pPr marL="3886200" indent="-228600" algn="l" defTabSz="914400" rtl="0" eaLnBrk="1" latinLnBrk="0" hangingPunct="1">
+              <a:lnSpc>
+                <a:spcPct val="90000"/>
+              </a:lnSpc>
+              <a:spcBef>
+                <a:spcPts val="500"/>
+              </a:spcBef>
+              <a:buFont typeface="Arial" panose="020B0604020202020204" pitchFamily="34" charset="0"/>
+              <a:buChar char="•"/>
+              <a:defRPr sz="1800" kern="1200">
+                <a:solidFill>
+                  <a:schemeClr val="tx1"/>
+                </a:solidFill>
+                <a:latin typeface="+mn-lt"/>
+                <a:ea typeface="+mn-ea"/>
+                <a:cs typeface="+mn-cs"/>
+              </a:defRPr>
+            </a:lvl9pPr>
+          </a:lstStyle>
+          <a:p>
+            <a:pPr marL="0" indent="0" algn="ctr" fontAlgn="auto">
+              <a:lnSpc>
+                <a:spcPct val="100000"/>
+              </a:lnSpc>
+              <a:spcBef>
+                <a:spcPts val="2400"/>
+              </a:spcBef>
+              <a:spcAft>
+                <a:spcPts val="0"/>
+              </a:spcAft>
+              <a:buNone/>
+            </a:pPr>
+            <a:r>
+              <a:rPr lang="en-US" sz="2000" dirty="0"/>
+              <a:t>Assign a score and weight to each constituent.</a:t>
+            </a:r>
+            <a:endParaRPr lang="en-US" sz="2000" b="1" dirty="0"/>
+          </a:p>
+        </p:txBody>
+      </p:sp>
+      <p:sp>
+        <p:nvSpPr>
+          <p:cNvPr id="29" name="Inhaltsplatzhalter 7">
+            <a:extLst>
+              <a:ext uri="{FF2B5EF4-FFF2-40B4-BE49-F238E27FC236}">
+                <a16:creationId xmlns:a16="http://schemas.microsoft.com/office/drawing/2014/main" id="{83DA0FFE-9CE5-42D8-8206-CD298C9ADF26}"/>
+              </a:ext>
+            </a:extLst>
+          </p:cNvPr>
+          <p:cNvSpPr txBox="1">
+            <a:spLocks/>
+          </p:cNvSpPr>
+          <p:nvPr/>
+        </p:nvSpPr>
+        <p:spPr>
+          <a:xfrm>
+            <a:off x="5577458" y="4439506"/>
+            <a:ext cx="1478457" cy="662782"/>
+          </a:xfrm>
+          <a:prstGeom prst="rect">
+            <a:avLst/>
+          </a:prstGeom>
+        </p:spPr>
+        <p:txBody>
+          <a:bodyPr anchor="ctr">
+            <a:normAutofit/>
+          </a:bodyPr>
+          <a:lstStyle>
+            <a:lvl1pPr marL="228600" indent="-228600" algn="l" defTabSz="914400" rtl="0" eaLnBrk="1" latinLnBrk="0" hangingPunct="1">
+              <a:lnSpc>
+                <a:spcPct val="90000"/>
+              </a:lnSpc>
+              <a:spcBef>
+                <a:spcPts val="1000"/>
+              </a:spcBef>
+              <a:buFont typeface="Arial" panose="020B0604020202020204" pitchFamily="34" charset="0"/>
+              <a:buChar char="•"/>
+              <a:defRPr sz="2800" kern="1200">
+                <a:solidFill>
+                  <a:schemeClr val="tx1"/>
+                </a:solidFill>
+                <a:latin typeface="Roboto Light" panose="02000000000000000000" pitchFamily="2" charset="0"/>
+                <a:ea typeface="Roboto Light" panose="02000000000000000000" pitchFamily="2" charset="0"/>
+                <a:cs typeface="+mn-cs"/>
+              </a:defRPr>
+            </a:lvl1pPr>
+            <a:lvl2pPr marL="685800" indent="-228600" algn="l" defTabSz="914400" rtl="0" eaLnBrk="1" latinLnBrk="0" hangingPunct="1">
+              <a:lnSpc>
+                <a:spcPct val="90000"/>
+              </a:lnSpc>
+              <a:spcBef>
+                <a:spcPts val="500"/>
+              </a:spcBef>
+              <a:buFont typeface="Arial" panose="020B0604020202020204" pitchFamily="34" charset="0"/>
+              <a:buChar char="•"/>
+              <a:defRPr sz="2400" kern="1200">
+                <a:solidFill>
+                  <a:schemeClr val="tx1"/>
+                </a:solidFill>
+                <a:latin typeface="Roboto Light" panose="02000000000000000000" pitchFamily="2" charset="0"/>
+                <a:ea typeface="Roboto Light" panose="02000000000000000000" pitchFamily="2" charset="0"/>
+                <a:cs typeface="+mn-cs"/>
+              </a:defRPr>
+            </a:lvl2pPr>
+            <a:lvl3pPr marL="1143000" indent="-228600" algn="l" defTabSz="914400" rtl="0" eaLnBrk="1" latinLnBrk="0" hangingPunct="1">
+              <a:lnSpc>
+                <a:spcPct val="90000"/>
+              </a:lnSpc>
+              <a:spcBef>
+                <a:spcPts val="500"/>
+              </a:spcBef>
+              <a:buFont typeface="Arial" panose="020B0604020202020204" pitchFamily="34" charset="0"/>
+              <a:buChar char="•"/>
+              <a:defRPr sz="2000" kern="1200">
+                <a:solidFill>
+                  <a:schemeClr val="tx1"/>
+                </a:solidFill>
+                <a:latin typeface="Roboto Light" panose="02000000000000000000" pitchFamily="2" charset="0"/>
+                <a:ea typeface="Roboto Light" panose="02000000000000000000" pitchFamily="2" charset="0"/>
+                <a:cs typeface="+mn-cs"/>
+              </a:defRPr>
+            </a:lvl3pPr>
+            <a:lvl4pPr marL="1600200" indent="-228600" algn="l" defTabSz="914400" rtl="0" eaLnBrk="1" latinLnBrk="0" hangingPunct="1">
+              <a:lnSpc>
+                <a:spcPct val="90000"/>
+              </a:lnSpc>
+              <a:spcBef>
+                <a:spcPts val="500"/>
+              </a:spcBef>
+              <a:buFont typeface="Arial" panose="020B0604020202020204" pitchFamily="34" charset="0"/>
+              <a:buChar char="•"/>
+              <a:defRPr sz="1800" kern="1200">
+                <a:solidFill>
+                  <a:schemeClr val="tx1"/>
+                </a:solidFill>
+                <a:latin typeface="Roboto Light" panose="02000000000000000000" pitchFamily="2" charset="0"/>
+                <a:ea typeface="Roboto Light" panose="02000000000000000000" pitchFamily="2" charset="0"/>
+                <a:cs typeface="+mn-cs"/>
+              </a:defRPr>
+            </a:lvl4pPr>
+            <a:lvl5pPr marL="2057400" indent="-228600" algn="l" defTabSz="914400" rtl="0" eaLnBrk="1" latinLnBrk="0" hangingPunct="1">
+              <a:lnSpc>
+                <a:spcPct val="90000"/>
+              </a:lnSpc>
+              <a:spcBef>
+                <a:spcPts val="500"/>
+              </a:spcBef>
+              <a:buFont typeface="Arial" panose="020B0604020202020204" pitchFamily="34" charset="0"/>
+              <a:buChar char="•"/>
+              <a:defRPr sz="1800" kern="1200">
+                <a:solidFill>
+                  <a:schemeClr val="tx1"/>
+                </a:solidFill>
+                <a:latin typeface="Roboto Light" panose="02000000000000000000" pitchFamily="2" charset="0"/>
+                <a:ea typeface="Roboto Light" panose="02000000000000000000" pitchFamily="2" charset="0"/>
+                <a:cs typeface="+mn-cs"/>
+              </a:defRPr>
+            </a:lvl5pPr>
+            <a:lvl6pPr marL="2514600" indent="-228600" algn="l" defTabSz="914400" rtl="0" eaLnBrk="1" latinLnBrk="0" hangingPunct="1">
+              <a:lnSpc>
+                <a:spcPct val="90000"/>
+              </a:lnSpc>
+              <a:spcBef>
+                <a:spcPts val="500"/>
+              </a:spcBef>
+              <a:buFont typeface="Arial" panose="020B0604020202020204" pitchFamily="34" charset="0"/>
+              <a:buChar char="•"/>
+              <a:defRPr sz="1800" kern="1200">
+                <a:solidFill>
+                  <a:schemeClr val="tx1"/>
+                </a:solidFill>
+                <a:latin typeface="+mn-lt"/>
+                <a:ea typeface="+mn-ea"/>
+                <a:cs typeface="+mn-cs"/>
+              </a:defRPr>
+            </a:lvl6pPr>
+            <a:lvl7pPr marL="2971800" indent="-228600" algn="l" defTabSz="914400" rtl="0" eaLnBrk="1" latinLnBrk="0" hangingPunct="1">
+              <a:lnSpc>
+                <a:spcPct val="90000"/>
+              </a:lnSpc>
+              <a:spcBef>
+                <a:spcPts val="500"/>
+              </a:spcBef>
+              <a:buFont typeface="Arial" panose="020B0604020202020204" pitchFamily="34" charset="0"/>
+              <a:buChar char="•"/>
+              <a:defRPr sz="1800" kern="1200">
+                <a:solidFill>
+                  <a:schemeClr val="tx1"/>
+                </a:solidFill>
+                <a:latin typeface="+mn-lt"/>
+                <a:ea typeface="+mn-ea"/>
+                <a:cs typeface="+mn-cs"/>
+              </a:defRPr>
+            </a:lvl7pPr>
+            <a:lvl8pPr marL="3429000" indent="-228600" algn="l" defTabSz="914400" rtl="0" eaLnBrk="1" latinLnBrk="0" hangingPunct="1">
+              <a:lnSpc>
+                <a:spcPct val="90000"/>
+              </a:lnSpc>
+              <a:spcBef>
+                <a:spcPts val="500"/>
+              </a:spcBef>
+              <a:buFont typeface="Arial" panose="020B0604020202020204" pitchFamily="34" charset="0"/>
+              <a:buChar char="•"/>
+              <a:defRPr sz="1800" kern="1200">
+                <a:solidFill>
+                  <a:schemeClr val="tx1"/>
+                </a:solidFill>
+                <a:latin typeface="+mn-lt"/>
+                <a:ea typeface="+mn-ea"/>
+                <a:cs typeface="+mn-cs"/>
+              </a:defRPr>
+            </a:lvl8pPr>
+            <a:lvl9pPr marL="3886200" indent="-228600" algn="l" defTabSz="914400" rtl="0" eaLnBrk="1" latinLnBrk="0" hangingPunct="1">
+              <a:lnSpc>
+                <a:spcPct val="90000"/>
+              </a:lnSpc>
+              <a:spcBef>
+                <a:spcPts val="500"/>
+              </a:spcBef>
+              <a:buFont typeface="Arial" panose="020B0604020202020204" pitchFamily="34" charset="0"/>
+              <a:buChar char="•"/>
+              <a:defRPr sz="1800" kern="1200">
+                <a:solidFill>
+                  <a:schemeClr val="tx1"/>
+                </a:solidFill>
+                <a:latin typeface="+mn-lt"/>
+                <a:ea typeface="+mn-ea"/>
+                <a:cs typeface="+mn-cs"/>
+              </a:defRPr>
+            </a:lvl9pPr>
+          </a:lstStyle>
+          <a:p>
+            <a:pPr marL="0" indent="0" algn="ctr" fontAlgn="auto">
+              <a:lnSpc>
+                <a:spcPct val="100000"/>
+              </a:lnSpc>
+              <a:spcBef>
+                <a:spcPts val="2400"/>
+              </a:spcBef>
+              <a:spcAft>
+                <a:spcPts val="0"/>
+              </a:spcAft>
+              <a:buNone/>
+            </a:pPr>
+            <a:r>
+              <a:rPr lang="en-US" sz="2000" b="1" dirty="0"/>
+              <a:t>Required:</a:t>
+            </a:r>
+          </a:p>
+        </p:txBody>
+      </p:sp>
+      <p:pic>
+        <p:nvPicPr>
+          <p:cNvPr id="16" name="Grafik 15">
+            <a:extLst>
+              <a:ext uri="{FF2B5EF4-FFF2-40B4-BE49-F238E27FC236}">
+                <a16:creationId xmlns:a16="http://schemas.microsoft.com/office/drawing/2014/main" id="{1CCEAB2D-219C-445B-9C6F-C9D85E3BB5D5}"/>
+              </a:ext>
+            </a:extLst>
+          </p:cNvPr>
+          <p:cNvPicPr>
+            <a:picLocks noChangeAspect="1"/>
+          </p:cNvPicPr>
+          <p:nvPr/>
+        </p:nvPicPr>
+        <p:blipFill>
+          <a:blip r:embed="rId4">
+            <a:extLst>
+              <a:ext uri="{28A0092B-C50C-407E-A947-70E740481C1C}">
+                <a14:useLocalDpi xmlns:a14="http://schemas.microsoft.com/office/drawing/2010/main" val="0"/>
+              </a:ext>
+              <a:ext uri="{96DAC541-7B7A-43D3-8B79-37D633B846F1}">
+                <asvg:svgBlip xmlns:asvg="http://schemas.microsoft.com/office/drawing/2016/SVG/main" r:embed="rId5"/>
+              </a:ext>
+            </a:extLst>
+          </a:blip>
+          <a:srcRect/>
+          <a:stretch/>
+        </p:blipFill>
+        <p:spPr>
+          <a:xfrm>
+            <a:off x="1354782" y="1204581"/>
+            <a:ext cx="9482434" cy="2947243"/>
+          </a:xfrm>
+          <a:prstGeom prst="rect">
+            <a:avLst/>
+          </a:prstGeom>
+        </p:spPr>
+      </p:pic>
+      <p:pic>
+        <p:nvPicPr>
+          <p:cNvPr id="7" name="Grafik 6">
+            <a:extLst>
+              <a:ext uri="{FF2B5EF4-FFF2-40B4-BE49-F238E27FC236}">
+                <a16:creationId xmlns:a16="http://schemas.microsoft.com/office/drawing/2014/main" id="{87F20890-42AA-462C-92D3-7F776EF5AFC0}"/>
+              </a:ext>
+            </a:extLst>
+          </p:cNvPr>
+          <p:cNvPicPr>
+            <a:picLocks noChangeAspect="1"/>
+          </p:cNvPicPr>
+          <p:nvPr/>
+        </p:nvPicPr>
+        <p:blipFill>
+          <a:blip r:embed="rId6">
+            <a:extLst>
+              <a:ext uri="{28A0092B-C50C-407E-A947-70E740481C1C}">
+                <a14:useLocalDpi xmlns:a14="http://schemas.microsoft.com/office/drawing/2010/main" val="0"/>
+              </a:ext>
+              <a:ext uri="{96DAC541-7B7A-43D3-8B79-37D633B846F1}">
+                <asvg:svgBlip xmlns:asvg="http://schemas.microsoft.com/office/drawing/2016/SVG/main" r:embed="rId7"/>
+              </a:ext>
+            </a:extLst>
+          </a:blip>
+          <a:stretch>
+            <a:fillRect/>
+          </a:stretch>
+        </p:blipFill>
+        <p:spPr>
+          <a:xfrm>
+            <a:off x="7055915" y="4645878"/>
+            <a:ext cx="1823803" cy="250037"/>
+          </a:xfrm>
+          <a:prstGeom prst="rect">
+            <a:avLst/>
+          </a:prstGeom>
+        </p:spPr>
+      </p:pic>
+      <p:grpSp>
+        <p:nvGrpSpPr>
+          <p:cNvPr id="18" name="Gruppieren 17">
+            <a:extLst>
+              <a:ext uri="{FF2B5EF4-FFF2-40B4-BE49-F238E27FC236}">
+                <a16:creationId xmlns:a16="http://schemas.microsoft.com/office/drawing/2014/main" id="{1575049A-89FA-43D3-97C2-D3A3E1056F2A}"/>
+              </a:ext>
+            </a:extLst>
+          </p:cNvPr>
+          <p:cNvGrpSpPr/>
+          <p:nvPr/>
+        </p:nvGrpSpPr>
+        <p:grpSpPr>
+          <a:xfrm>
+            <a:off x="8899890" y="1628732"/>
+            <a:ext cx="3159288" cy="2418954"/>
+            <a:chOff x="7280048" y="1313539"/>
+            <a:chExt cx="3159288" cy="2418954"/>
+          </a:xfrm>
+        </p:grpSpPr>
+        <p:sp>
+          <p:nvSpPr>
+            <p:cNvPr id="20" name="Inhaltsplatzhalter 7">
+              <a:extLst>
+                <a:ext uri="{FF2B5EF4-FFF2-40B4-BE49-F238E27FC236}">
+                  <a16:creationId xmlns:a16="http://schemas.microsoft.com/office/drawing/2014/main" id="{6F6B979B-F632-41B1-8524-97F65CA15D06}"/>
+                </a:ext>
+              </a:extLst>
+            </p:cNvPr>
+            <p:cNvSpPr txBox="1">
+              <a:spLocks/>
+            </p:cNvSpPr>
+            <p:nvPr/>
+          </p:nvSpPr>
+          <p:spPr>
+            <a:xfrm>
+              <a:off x="7965351" y="1997724"/>
+              <a:ext cx="2473985" cy="987227"/>
+            </a:xfrm>
+            <a:prstGeom prst="rect">
+              <a:avLst/>
+            </a:prstGeom>
+          </p:spPr>
+          <p:txBody>
+            <a:bodyPr anchor="ctr">
+              <a:normAutofit lnSpcReduction="10000"/>
+            </a:bodyPr>
+            <a:lstStyle>
+              <a:lvl1pPr marL="228600" indent="-228600" algn="l" defTabSz="914400" rtl="0" eaLnBrk="1" latinLnBrk="0" hangingPunct="1">
+                <a:lnSpc>
+                  <a:spcPct val="90000"/>
+                </a:lnSpc>
+                <a:spcBef>
+                  <a:spcPts val="1000"/>
+                </a:spcBef>
+                <a:buFont typeface="Arial" panose="020B0604020202020204" pitchFamily="34" charset="0"/>
+                <a:buChar char="•"/>
+                <a:defRPr sz="2800" kern="1200">
+                  <a:solidFill>
+                    <a:schemeClr val="tx1"/>
+                  </a:solidFill>
+                  <a:latin typeface="Roboto Light" panose="02000000000000000000" pitchFamily="2" charset="0"/>
+                  <a:ea typeface="Roboto Light" panose="02000000000000000000" pitchFamily="2" charset="0"/>
+                  <a:cs typeface="+mn-cs"/>
+                </a:defRPr>
+              </a:lvl1pPr>
+              <a:lvl2pPr marL="685800" indent="-228600" algn="l" defTabSz="914400" rtl="0" eaLnBrk="1" latinLnBrk="0" hangingPunct="1">
+                <a:lnSpc>
+                  <a:spcPct val="90000"/>
+                </a:lnSpc>
+                <a:spcBef>
+                  <a:spcPts val="500"/>
+                </a:spcBef>
+                <a:buFont typeface="Arial" panose="020B0604020202020204" pitchFamily="34" charset="0"/>
+                <a:buChar char="•"/>
+                <a:defRPr sz="2400" kern="1200">
+                  <a:solidFill>
+                    <a:schemeClr val="tx1"/>
+                  </a:solidFill>
+                  <a:latin typeface="Roboto Light" panose="02000000000000000000" pitchFamily="2" charset="0"/>
+                  <a:ea typeface="Roboto Light" panose="02000000000000000000" pitchFamily="2" charset="0"/>
+                  <a:cs typeface="+mn-cs"/>
+                </a:defRPr>
+              </a:lvl2pPr>
+              <a:lvl3pPr marL="1143000" indent="-228600" algn="l" defTabSz="914400" rtl="0" eaLnBrk="1" latinLnBrk="0" hangingPunct="1">
+                <a:lnSpc>
+                  <a:spcPct val="90000"/>
+                </a:lnSpc>
+                <a:spcBef>
+                  <a:spcPts val="500"/>
+                </a:spcBef>
+                <a:buFont typeface="Arial" panose="020B0604020202020204" pitchFamily="34" charset="0"/>
+                <a:buChar char="•"/>
+                <a:defRPr sz="2000" kern="1200">
+                  <a:solidFill>
+                    <a:schemeClr val="tx1"/>
+                  </a:solidFill>
+                  <a:latin typeface="Roboto Light" panose="02000000000000000000" pitchFamily="2" charset="0"/>
+                  <a:ea typeface="Roboto Light" panose="02000000000000000000" pitchFamily="2" charset="0"/>
+                  <a:cs typeface="+mn-cs"/>
+                </a:defRPr>
+              </a:lvl3pPr>
+              <a:lvl4pPr marL="1600200" indent="-228600" algn="l" defTabSz="914400" rtl="0" eaLnBrk="1" latinLnBrk="0" hangingPunct="1">
+                <a:lnSpc>
+                  <a:spcPct val="90000"/>
+                </a:lnSpc>
+                <a:spcBef>
+                  <a:spcPts val="500"/>
+                </a:spcBef>
+                <a:buFont typeface="Arial" panose="020B0604020202020204" pitchFamily="34" charset="0"/>
+                <a:buChar char="•"/>
+                <a:defRPr sz="1800" kern="1200">
+                  <a:solidFill>
+                    <a:schemeClr val="tx1"/>
+                  </a:solidFill>
+                  <a:latin typeface="Roboto Light" panose="02000000000000000000" pitchFamily="2" charset="0"/>
+                  <a:ea typeface="Roboto Light" panose="02000000000000000000" pitchFamily="2" charset="0"/>
+                  <a:cs typeface="+mn-cs"/>
+                </a:defRPr>
+              </a:lvl4pPr>
+              <a:lvl5pPr marL="2057400" indent="-228600" algn="l" defTabSz="914400" rtl="0" eaLnBrk="1" latinLnBrk="0" hangingPunct="1">
+                <a:lnSpc>
+                  <a:spcPct val="90000"/>
+                </a:lnSpc>
+                <a:spcBef>
+                  <a:spcPts val="500"/>
+                </a:spcBef>
+                <a:buFont typeface="Arial" panose="020B0604020202020204" pitchFamily="34" charset="0"/>
+                <a:buChar char="•"/>
+                <a:defRPr sz="1800" kern="1200">
+                  <a:solidFill>
+                    <a:schemeClr val="tx1"/>
+                  </a:solidFill>
+                  <a:latin typeface="Roboto Light" panose="02000000000000000000" pitchFamily="2" charset="0"/>
+                  <a:ea typeface="Roboto Light" panose="02000000000000000000" pitchFamily="2" charset="0"/>
+                  <a:cs typeface="+mn-cs"/>
+                </a:defRPr>
+              </a:lvl5pPr>
+              <a:lvl6pPr marL="2514600" indent="-228600" algn="l" defTabSz="914400" rtl="0" eaLnBrk="1" latinLnBrk="0" hangingPunct="1">
+                <a:lnSpc>
+                  <a:spcPct val="90000"/>
+                </a:lnSpc>
+                <a:spcBef>
+                  <a:spcPts val="500"/>
+                </a:spcBef>
+                <a:buFont typeface="Arial" panose="020B0604020202020204" pitchFamily="34" charset="0"/>
+                <a:buChar char="•"/>
+                <a:defRPr sz="1800" kern="1200">
+                  <a:solidFill>
+                    <a:schemeClr val="tx1"/>
+                  </a:solidFill>
+                  <a:latin typeface="+mn-lt"/>
+                  <a:ea typeface="+mn-ea"/>
+                  <a:cs typeface="+mn-cs"/>
+                </a:defRPr>
+              </a:lvl6pPr>
+              <a:lvl7pPr marL="2971800" indent="-228600" algn="l" defTabSz="914400" rtl="0" eaLnBrk="1" latinLnBrk="0" hangingPunct="1">
+                <a:lnSpc>
+                  <a:spcPct val="90000"/>
+                </a:lnSpc>
+                <a:spcBef>
+                  <a:spcPts val="500"/>
+                </a:spcBef>
+                <a:buFont typeface="Arial" panose="020B0604020202020204" pitchFamily="34" charset="0"/>
+                <a:buChar char="•"/>
+                <a:defRPr sz="1800" kern="1200">
+                  <a:solidFill>
+                    <a:schemeClr val="tx1"/>
+                  </a:solidFill>
+                  <a:latin typeface="+mn-lt"/>
+                  <a:ea typeface="+mn-ea"/>
+                  <a:cs typeface="+mn-cs"/>
+                </a:defRPr>
+              </a:lvl7pPr>
+              <a:lvl8pPr marL="3429000" indent="-228600" algn="l" defTabSz="914400" rtl="0" eaLnBrk="1" latinLnBrk="0" hangingPunct="1">
+                <a:lnSpc>
+                  <a:spcPct val="90000"/>
+                </a:lnSpc>
+                <a:spcBef>
+                  <a:spcPts val="500"/>
+                </a:spcBef>
+                <a:buFont typeface="Arial" panose="020B0604020202020204" pitchFamily="34" charset="0"/>
+                <a:buChar char="•"/>
+                <a:defRPr sz="1800" kern="1200">
+                  <a:solidFill>
+                    <a:schemeClr val="tx1"/>
+                  </a:solidFill>
+                  <a:latin typeface="+mn-lt"/>
+                  <a:ea typeface="+mn-ea"/>
+                  <a:cs typeface="+mn-cs"/>
+                </a:defRPr>
+              </a:lvl8pPr>
+              <a:lvl9pPr marL="3886200" indent="-228600" algn="l" defTabSz="914400" rtl="0" eaLnBrk="1" latinLnBrk="0" hangingPunct="1">
+                <a:lnSpc>
+                  <a:spcPct val="90000"/>
+                </a:lnSpc>
+                <a:spcBef>
+                  <a:spcPts val="500"/>
+                </a:spcBef>
+                <a:buFont typeface="Arial" panose="020B0604020202020204" pitchFamily="34" charset="0"/>
+                <a:buChar char="•"/>
+                <a:defRPr sz="1800" kern="1200">
+                  <a:solidFill>
+                    <a:schemeClr val="tx1"/>
+                  </a:solidFill>
+                  <a:latin typeface="+mn-lt"/>
+                  <a:ea typeface="+mn-ea"/>
+                  <a:cs typeface="+mn-cs"/>
+                </a:defRPr>
+              </a:lvl9pPr>
+            </a:lstStyle>
+            <a:p>
+              <a:pPr marL="0" indent="0" algn="ctr" fontAlgn="auto">
+                <a:lnSpc>
+                  <a:spcPct val="160000"/>
+                </a:lnSpc>
+                <a:spcBef>
+                  <a:spcPts val="2400"/>
+                </a:spcBef>
+                <a:spcAft>
+                  <a:spcPts val="0"/>
+                </a:spcAft>
+                <a:buNone/>
+              </a:pPr>
+              <a:r>
+                <a:rPr lang="en-US" sz="2000" dirty="0">
+                  <a:solidFill>
+                    <a:srgbClr val="002060"/>
+                  </a:solidFill>
+                </a:rPr>
+                <a:t>Importance for the composition score.</a:t>
+              </a:r>
+            </a:p>
+          </p:txBody>
+        </p:sp>
+        <p:sp>
+          <p:nvSpPr>
+            <p:cNvPr id="21" name="Ellipse 20">
+              <a:extLst>
+                <a:ext uri="{FF2B5EF4-FFF2-40B4-BE49-F238E27FC236}">
+                  <a16:creationId xmlns:a16="http://schemas.microsoft.com/office/drawing/2014/main" id="{1B2074D6-8FB3-48D3-88BA-5A58585BE927}"/>
+                </a:ext>
+              </a:extLst>
+            </p:cNvPr>
+            <p:cNvSpPr/>
+            <p:nvPr/>
+          </p:nvSpPr>
+          <p:spPr>
+            <a:xfrm>
+              <a:off x="7280048" y="1313539"/>
+              <a:ext cx="730675" cy="2418954"/>
+            </a:xfrm>
+            <a:prstGeom prst="ellipse">
+              <a:avLst/>
+            </a:prstGeom>
+            <a:noFill/>
+            <a:ln w="57150">
+              <a:solidFill>
+                <a:srgbClr val="C00000"/>
+              </a:solidFill>
+            </a:ln>
+          </p:spPr>
+          <p:style>
+            <a:lnRef idx="2">
+              <a:schemeClr val="accent1">
+                <a:shade val="50000"/>
+              </a:schemeClr>
+            </a:lnRef>
+            <a:fillRef idx="1">
+              <a:schemeClr val="accent1"/>
+            </a:fillRef>
+            <a:effectRef idx="0">
+              <a:schemeClr val="accent1"/>
+            </a:effectRef>
+            <a:fontRef idx="minor">
+              <a:schemeClr val="lt1"/>
+            </a:fontRef>
+          </p:style>
+          <p:txBody>
+            <a:bodyPr rtlCol="0" anchor="ctr"/>
+            <a:lstStyle/>
+            <a:p>
+              <a:pPr algn="ctr"/>
+              <a:endParaRPr lang="de-DE"/>
+            </a:p>
+          </p:txBody>
+        </p:sp>
+      </p:grpSp>
+    </p:spTree>
+    <p:extLst>
+      <p:ext uri="{BB962C8B-B14F-4D97-AF65-F5344CB8AC3E}">
+        <p14:creationId xmlns:p14="http://schemas.microsoft.com/office/powerpoint/2010/main" val="4089244002"/>
+      </p:ext>
+    </p:extLst>
+  </p:cSld>
+  <p:clrMapOvr>
+    <a:masterClrMapping/>
+  </p:clrMapOvr>
+  <p:timing>
+    <p:tnLst>
+      <p:par>
+        <p:cTn id="1" dur="indefinite" restart="never" nodeType="tmRoot">
+          <p:childTnLst>
+            <p:seq concurrent="1" nextAc="seek">
+              <p:cTn id="2" dur="indefinite" nodeType="mainSeq">
+                <p:childTnLst>
+                  <p:par>
+                    <p:cTn id="3" fill="hold">
+                      <p:stCondLst>
+                        <p:cond delay="indefinite"/>
+                      </p:stCondLst>
+                      <p:childTnLst>
+                        <p:par>
+                          <p:cTn id="4" fill="hold">
+                            <p:stCondLst>
+                              <p:cond delay="0"/>
+                            </p:stCondLst>
+                            <p:childTnLst>
+                              <p:par>
+                                <p:cTn id="5" presetID="1" presetClass="entr" presetSubtype="0" fill="hold" nodeType="clickEffect">
+                                  <p:stCondLst>
+                                    <p:cond delay="0"/>
+                                  </p:stCondLst>
+                                  <p:childTnLst>
+                                    <p:set>
+                                      <p:cBhvr>
+                                        <p:cTn id="6" dur="1" fill="hold">
+                                          <p:stCondLst>
+                                            <p:cond delay="0"/>
+                                          </p:stCondLst>
+                                        </p:cTn>
+                                        <p:tgtEl>
+                                          <p:spTgt spid="18"/>
+                                        </p:tgtEl>
+                                        <p:attrNameLst>
+                                          <p:attrName>style.visibility</p:attrName>
+                                        </p:attrNameLst>
+                                      </p:cBhvr>
+                                      <p:to>
+                                        <p:strVal val="visible"/>
+                                      </p:to>
+                                    </p:set>
+                                  </p:childTnLst>
+                                </p:cTn>
+                              </p:par>
+                            </p:childTnLst>
+                          </p:cTn>
+                        </p:par>
+                      </p:childTnLst>
+                    </p:cTn>
+                  </p:par>
+                </p:childTnLst>
+              </p:cTn>
+              <p:prevCondLst>
+                <p:cond evt="onPrev" delay="0">
+                  <p:tgtEl>
+                    <p:sldTgt/>
+                  </p:tgtEl>
+                </p:cond>
+              </p:prevCondLst>
+              <p:nextCondLst>
+                <p:cond evt="onNext" delay="0">
+                  <p:tgtEl>
+                    <p:sldTgt/>
+                  </p:tgtEl>
+                </p:cond>
+              </p:nextCondLst>
+            </p:seq>
+          </p:childTnLst>
+        </p:cTn>
+      </p:par>
+    </p:tnLst>
+  </p:timing>
+</p:sld>
+</file>
+
+<file path=ppt/slides/slide8.xml><?xml version="1.0" encoding="utf-8"?>
+<p:sld xmlns:a="http://schemas.openxmlformats.org/drawingml/2006/main" xmlns:r="http://schemas.openxmlformats.org/officeDocument/2006/relationships" xmlns:p="http://schemas.openxmlformats.org/presentationml/2006/main">
+  <p:cSld>
+    <p:spTree>
+      <p:nvGrpSpPr>
+        <p:cNvPr id="1" name=""/>
+        <p:cNvGrpSpPr/>
+        <p:nvPr/>
+      </p:nvGrpSpPr>
+      <p:grpSpPr>
+        <a:xfrm>
+          <a:off x="0" y="0"/>
+          <a:ext cx="0" cy="0"/>
+          <a:chOff x="0" y="0"/>
+          <a:chExt cx="0" cy="0"/>
+        </a:xfrm>
+      </p:grpSpPr>
+      <p:sp>
+        <p:nvSpPr>
+          <p:cNvPr id="2" name="Titel 1">
+            <a:extLst>
+              <a:ext uri="{FF2B5EF4-FFF2-40B4-BE49-F238E27FC236}">
+                <a16:creationId xmlns:a16="http://schemas.microsoft.com/office/drawing/2014/main" id="{2D0FFD85-9ECB-43AD-A5A9-1E845E3225DB}"/>
+              </a:ext>
+            </a:extLst>
+          </p:cNvPr>
+          <p:cNvSpPr>
+            <a:spLocks noGrp="1"/>
+          </p:cNvSpPr>
+          <p:nvPr>
+            <p:ph type="title"/>
+          </p:nvPr>
+        </p:nvSpPr>
+        <p:spPr/>
+        <p:txBody>
+          <a:bodyPr/>
+          <a:lstStyle/>
+          <a:p>
+            <a:r>
+              <a:rPr lang="en-US" dirty="0"/>
+              <a:t>Definition of LTA: </a:t>
+            </a:r>
+            <a:r>
+              <a:rPr lang="en-US" sz="2800" dirty="0"/>
+              <a:t>Aggregation</a:t>
+            </a:r>
+          </a:p>
+        </p:txBody>
+      </p:sp>
+      <p:sp>
+        <p:nvSpPr>
+          <p:cNvPr id="3" name="Foliennummernplatzhalter 2">
+            <a:extLst>
+              <a:ext uri="{FF2B5EF4-FFF2-40B4-BE49-F238E27FC236}">
+                <a16:creationId xmlns:a16="http://schemas.microsoft.com/office/drawing/2014/main" id="{A9A3E377-2D44-4492-89E5-28D1334E9EC0}"/>
+              </a:ext>
+            </a:extLst>
+          </p:cNvPr>
+          <p:cNvSpPr>
+            <a:spLocks noGrp="1"/>
+          </p:cNvSpPr>
+          <p:nvPr>
+            <p:ph type="sldNum" sz="quarter" idx="12"/>
+          </p:nvPr>
+        </p:nvSpPr>
+        <p:spPr/>
+        <p:txBody>
+          <a:bodyPr/>
+          <a:lstStyle/>
+          <a:p>
+            <a:fld id="{F4DAF760-8A09-427D-9634-9AF01F07ABD5}" type="slidenum">
+              <a:rPr lang="de-DE" smtClean="0"/>
+              <a:pPr/>
+              <a:t>8</a:t>
+            </a:fld>
+            <a:endParaRPr lang="de-DE" dirty="0"/>
+          </a:p>
+        </p:txBody>
+      </p:sp>
+      <p:sp>
+        <p:nvSpPr>
+          <p:cNvPr id="4" name="Datumsplatzhalter 3">
+            <a:extLst>
+              <a:ext uri="{FF2B5EF4-FFF2-40B4-BE49-F238E27FC236}">
+                <a16:creationId xmlns:a16="http://schemas.microsoft.com/office/drawing/2014/main" id="{92762C93-2A9A-4811-B406-3D4DB30BF929}"/>
+              </a:ext>
+            </a:extLst>
+          </p:cNvPr>
+          <p:cNvSpPr>
+            <a:spLocks noGrp="1"/>
+          </p:cNvSpPr>
+          <p:nvPr>
+            <p:ph type="dt" sz="half" idx="2"/>
+          </p:nvPr>
+        </p:nvSpPr>
+        <p:spPr/>
+        <p:txBody>
+          <a:bodyPr/>
+          <a:lstStyle/>
+          <a:p>
+            <a:fld id="{D7F7D5A7-3C53-4743-BB5A-ACD4681F2A20}" type="datetime4">
+              <a:rPr lang="en-US" smtClean="0"/>
+              <a:t>April 18, 2020</a:t>
+            </a:fld>
+            <a:endParaRPr lang="en-US" dirty="0"/>
+          </a:p>
+        </p:txBody>
+      </p:sp>
+      <p:sp>
+        <p:nvSpPr>
+          <p:cNvPr id="5" name="Fußzeilenplatzhalter 4">
+            <a:extLst>
+              <a:ext uri="{FF2B5EF4-FFF2-40B4-BE49-F238E27FC236}">
+                <a16:creationId xmlns:a16="http://schemas.microsoft.com/office/drawing/2014/main" id="{1A8776A3-0E10-4A7C-A4A4-D2611C7BC52B}"/>
+              </a:ext>
+            </a:extLst>
+          </p:cNvPr>
+          <p:cNvSpPr>
+            <a:spLocks noGrp="1"/>
+          </p:cNvSpPr>
+          <p:nvPr>
+            <p:ph type="ftr" sz="quarter" idx="3"/>
+          </p:nvPr>
+        </p:nvSpPr>
+        <p:spPr/>
+        <p:txBody>
+          <a:bodyPr/>
+          <a:lstStyle/>
+          <a:p>
+            <a:r>
+              <a:rPr lang="en-US"/>
+              <a:t>Learning to Aggregate on Structured Data</a:t>
+            </a:r>
+          </a:p>
+        </p:txBody>
+      </p:sp>
+      <p:grpSp>
+        <p:nvGrpSpPr>
+          <p:cNvPr id="45" name="Gruppieren 44">
+            <a:extLst>
+              <a:ext uri="{FF2B5EF4-FFF2-40B4-BE49-F238E27FC236}">
+                <a16:creationId xmlns:a16="http://schemas.microsoft.com/office/drawing/2014/main" id="{99CA98B2-5524-47C8-96D8-89D4FB88E80D}"/>
+              </a:ext>
+            </a:extLst>
+          </p:cNvPr>
+          <p:cNvGrpSpPr/>
+          <p:nvPr/>
+        </p:nvGrpSpPr>
+        <p:grpSpPr>
+          <a:xfrm>
+            <a:off x="1354782" y="1204580"/>
+            <a:ext cx="9482434" cy="2947245"/>
+            <a:chOff x="1354782" y="1204580"/>
+            <a:chExt cx="9482434" cy="2947245"/>
+          </a:xfrm>
+        </p:grpSpPr>
+        <p:pic>
+          <p:nvPicPr>
+            <p:cNvPr id="24" name="Grafik 23">
+              <a:extLst>
+                <a:ext uri="{FF2B5EF4-FFF2-40B4-BE49-F238E27FC236}">
+                  <a16:creationId xmlns:a16="http://schemas.microsoft.com/office/drawing/2014/main" id="{CC0044D9-3783-4C20-AF27-FE96639B1F9E}"/>
+                </a:ext>
+              </a:extLst>
+            </p:cNvPr>
+            <p:cNvPicPr>
+              <a:picLocks noChangeAspect="1"/>
+            </p:cNvPicPr>
+            <p:nvPr/>
+          </p:nvPicPr>
+          <p:blipFill>
+            <a:blip r:embed="rId2">
+              <a:extLst>
+                <a:ext uri="{28A0092B-C50C-407E-A947-70E740481C1C}">
+                  <a14:useLocalDpi xmlns:a14="http://schemas.microsoft.com/office/drawing/2010/main" val="0"/>
+                </a:ext>
+                <a:ext uri="{96DAC541-7B7A-43D3-8B79-37D633B846F1}">
+                  <asvg:svgBlip xmlns:asvg="http://schemas.microsoft.com/office/drawing/2016/SVG/main" r:embed="rId3"/>
+                </a:ext>
+              </a:extLst>
+            </a:blip>
+            <a:srcRect/>
+            <a:stretch/>
+          </p:blipFill>
+          <p:spPr>
+            <a:xfrm>
+              <a:off x="1354782" y="1204582"/>
+              <a:ext cx="9482434" cy="2947243"/>
+            </a:xfrm>
+            <a:prstGeom prst="rect">
+              <a:avLst/>
+            </a:prstGeom>
+          </p:spPr>
+        </p:pic>
+        <p:pic>
+          <p:nvPicPr>
+            <p:cNvPr id="16" name="Grafik 15">
+              <a:extLst>
+                <a:ext uri="{FF2B5EF4-FFF2-40B4-BE49-F238E27FC236}">
+                  <a16:creationId xmlns:a16="http://schemas.microsoft.com/office/drawing/2014/main" id="{1CCEAB2D-219C-445B-9C6F-C9D85E3BB5D5}"/>
+                </a:ext>
+              </a:extLst>
+            </p:cNvPr>
+            <p:cNvPicPr>
+              <a:picLocks noChangeAspect="1"/>
+            </p:cNvPicPr>
+            <p:nvPr/>
+          </p:nvPicPr>
+          <p:blipFill>
+            <a:blip r:embed="rId4">
+              <a:extLst>
+                <a:ext uri="{28A0092B-C50C-407E-A947-70E740481C1C}">
+                  <a14:useLocalDpi xmlns:a14="http://schemas.microsoft.com/office/drawing/2010/main" val="0"/>
+                </a:ext>
+                <a:ext uri="{96DAC541-7B7A-43D3-8B79-37D633B846F1}">
+                  <asvg:svgBlip xmlns:asvg="http://schemas.microsoft.com/office/drawing/2016/SVG/main" r:embed="rId5"/>
+                </a:ext>
+              </a:extLst>
+            </a:blip>
+            <a:srcRect/>
+            <a:stretch/>
+          </p:blipFill>
+          <p:spPr>
+            <a:xfrm>
+              <a:off x="1354782" y="1204581"/>
+              <a:ext cx="9482434" cy="2947243"/>
+            </a:xfrm>
+            <a:prstGeom prst="rect">
+              <a:avLst/>
+            </a:prstGeom>
+          </p:spPr>
+        </p:pic>
+        <p:pic>
+          <p:nvPicPr>
+            <p:cNvPr id="15" name="Grafik 14">
+              <a:extLst>
+                <a:ext uri="{FF2B5EF4-FFF2-40B4-BE49-F238E27FC236}">
+                  <a16:creationId xmlns:a16="http://schemas.microsoft.com/office/drawing/2014/main" id="{353B970F-D840-457B-B504-1E25EE200754}"/>
+                </a:ext>
+              </a:extLst>
+            </p:cNvPr>
+            <p:cNvPicPr>
+              <a:picLocks noChangeAspect="1"/>
+            </p:cNvPicPr>
+            <p:nvPr/>
+          </p:nvPicPr>
+          <p:blipFill>
+            <a:blip r:embed="rId6">
+              <a:extLst>
+                <a:ext uri="{28A0092B-C50C-407E-A947-70E740481C1C}">
+                  <a14:useLocalDpi xmlns:a14="http://schemas.microsoft.com/office/drawing/2010/main" val="0"/>
+                </a:ext>
+                <a:ext uri="{96DAC541-7B7A-43D3-8B79-37D633B846F1}">
+                  <asvg:svgBlip xmlns:asvg="http://schemas.microsoft.com/office/drawing/2016/SVG/main" r:embed="rId7"/>
+                </a:ext>
+              </a:extLst>
+            </a:blip>
+            <a:srcRect/>
+            <a:stretch/>
+          </p:blipFill>
+          <p:spPr>
+            <a:xfrm>
+              <a:off x="1354782" y="1204580"/>
+              <a:ext cx="9482434" cy="2947243"/>
+            </a:xfrm>
+            <a:prstGeom prst="rect">
+              <a:avLst/>
+            </a:prstGeom>
+          </p:spPr>
+        </p:pic>
+      </p:grpSp>
+      <p:pic>
+        <p:nvPicPr>
+          <p:cNvPr id="44" name="Grafik 43">
+            <a:extLst>
+              <a:ext uri="{FF2B5EF4-FFF2-40B4-BE49-F238E27FC236}">
+                <a16:creationId xmlns:a16="http://schemas.microsoft.com/office/drawing/2014/main" id="{70260FFE-F218-4F9C-A75C-799D7BB1F884}"/>
+              </a:ext>
+            </a:extLst>
+          </p:cNvPr>
+          <p:cNvPicPr>
+            <a:picLocks noChangeAspect="1"/>
+          </p:cNvPicPr>
+          <p:nvPr/>
+        </p:nvPicPr>
+        <p:blipFill>
+          <a:blip r:embed="rId8">
+            <a:extLst>
+              <a:ext uri="{28A0092B-C50C-407E-A947-70E740481C1C}">
+                <a14:useLocalDpi xmlns:a14="http://schemas.microsoft.com/office/drawing/2010/main" val="0"/>
+              </a:ext>
+              <a:ext uri="{96DAC541-7B7A-43D3-8B79-37D633B846F1}">
+                <asvg:svgBlip xmlns:asvg="http://schemas.microsoft.com/office/drawing/2016/SVG/main" r:embed="rId9"/>
+              </a:ext>
+            </a:extLst>
+          </a:blip>
+          <a:srcRect/>
+          <a:stretch/>
+        </p:blipFill>
+        <p:spPr>
+          <a:xfrm>
+            <a:off x="1354782" y="1204578"/>
+            <a:ext cx="9482434" cy="2947243"/>
+          </a:xfrm>
+          <a:prstGeom prst="rect">
+            <a:avLst/>
+          </a:prstGeom>
+        </p:spPr>
+      </p:pic>
+      <p:pic>
+        <p:nvPicPr>
+          <p:cNvPr id="46" name="Grafik 45">
+            <a:extLst>
+              <a:ext uri="{FF2B5EF4-FFF2-40B4-BE49-F238E27FC236}">
+                <a16:creationId xmlns:a16="http://schemas.microsoft.com/office/drawing/2014/main" id="{367E7390-60CA-4F76-B9BB-E0D76C8623AB}"/>
+              </a:ext>
+            </a:extLst>
+          </p:cNvPr>
+          <p:cNvPicPr>
+            <a:picLocks noChangeAspect="1"/>
+          </p:cNvPicPr>
+          <p:nvPr/>
+        </p:nvPicPr>
+        <p:blipFill>
+          <a:blip r:embed="rId10">
+            <a:extLst>
+              <a:ext uri="{28A0092B-C50C-407E-A947-70E740481C1C}">
+                <a14:useLocalDpi xmlns:a14="http://schemas.microsoft.com/office/drawing/2010/main" val="0"/>
+              </a:ext>
+              <a:ext uri="{96DAC541-7B7A-43D3-8B79-37D633B846F1}">
+                <asvg:svgBlip xmlns:asvg="http://schemas.microsoft.com/office/drawing/2016/SVG/main" r:embed="rId11"/>
+              </a:ext>
+            </a:extLst>
+          </a:blip>
+          <a:srcRect/>
+          <a:stretch/>
+        </p:blipFill>
+        <p:spPr>
+          <a:xfrm>
+            <a:off x="1354782" y="1204576"/>
+            <a:ext cx="9033940" cy="2947243"/>
+          </a:xfrm>
+          <a:prstGeom prst="rect">
+            <a:avLst/>
+          </a:prstGeom>
+        </p:spPr>
+      </p:pic>
+      <p:sp>
+        <p:nvSpPr>
+          <p:cNvPr id="17" name="Ellipse 16">
+            <a:extLst>
+              <a:ext uri="{FF2B5EF4-FFF2-40B4-BE49-F238E27FC236}">
+                <a16:creationId xmlns:a16="http://schemas.microsoft.com/office/drawing/2014/main" id="{D8A8949E-540E-43FD-A27B-9B1002CAB398}"/>
+              </a:ext>
+            </a:extLst>
+          </p:cNvPr>
+          <p:cNvSpPr/>
+          <p:nvPr/>
+        </p:nvSpPr>
+        <p:spPr>
+          <a:xfrm>
+            <a:off x="9570238" y="2432848"/>
+            <a:ext cx="467189" cy="490698"/>
+          </a:xfrm>
+          <a:prstGeom prst="ellipse">
+            <a:avLst/>
+          </a:prstGeom>
+          <a:noFill/>
+          <a:ln w="57150">
+            <a:solidFill>
+              <a:srgbClr val="C00000"/>
+            </a:solidFill>
+          </a:ln>
+        </p:spPr>
+        <p:style>
+          <a:lnRef idx="2">
+            <a:schemeClr val="accent1">
+              <a:shade val="50000"/>
+            </a:schemeClr>
+          </a:lnRef>
+          <a:fillRef idx="1">
+            <a:schemeClr val="accent1"/>
+          </a:fillRef>
+          <a:effectRef idx="0">
+            <a:schemeClr val="accent1"/>
+          </a:effectRef>
+          <a:fontRef idx="minor">
+            <a:schemeClr val="lt1"/>
+          </a:fontRef>
+        </p:style>
+        <p:txBody>
+          <a:bodyPr rtlCol="0" anchor="ctr"/>
+          <a:lstStyle/>
+          <a:p>
+            <a:pPr algn="ctr"/>
+            <a:endParaRPr lang="de-DE"/>
+          </a:p>
+        </p:txBody>
+      </p:sp>
+      <p:sp>
+        <p:nvSpPr>
+          <p:cNvPr id="50" name="Freihandform: Form 49">
+            <a:extLst>
+              <a:ext uri="{FF2B5EF4-FFF2-40B4-BE49-F238E27FC236}">
+                <a16:creationId xmlns:a16="http://schemas.microsoft.com/office/drawing/2014/main" id="{05CA01EF-B990-4D1C-8394-CE1DF14B174D}"/>
+              </a:ext>
+            </a:extLst>
+          </p:cNvPr>
+          <p:cNvSpPr/>
+          <p:nvPr/>
+        </p:nvSpPr>
+        <p:spPr>
+          <a:xfrm>
+            <a:off x="9121744" y="2923562"/>
+            <a:ext cx="693374" cy="2677049"/>
+          </a:xfrm>
+          <a:custGeom>
+            <a:avLst/>
+            <a:gdLst>
+              <a:gd name="connsiteX0" fmla="*/ 1023457 w 1023457"/>
+              <a:gd name="connsiteY0" fmla="*/ 0 h 1933663"/>
+              <a:gd name="connsiteX1" fmla="*/ 1023457 w 1023457"/>
+              <a:gd name="connsiteY1" fmla="*/ 0 h 1933663"/>
+              <a:gd name="connsiteX2" fmla="*/ 1023457 w 1023457"/>
+              <a:gd name="connsiteY2" fmla="*/ 1933663 h 1933663"/>
+              <a:gd name="connsiteX3" fmla="*/ 0 w 1023457"/>
+              <a:gd name="connsiteY3" fmla="*/ 1933663 h 1933663"/>
+            </a:gdLst>
+            <a:ahLst/>
+            <a:cxnLst>
+              <a:cxn ang="0">
+                <a:pos x="connsiteX0" y="connsiteY0"/>
+              </a:cxn>
+              <a:cxn ang="0">
+                <a:pos x="connsiteX1" y="connsiteY1"/>
+              </a:cxn>
+              <a:cxn ang="0">
+                <a:pos x="connsiteX2" y="connsiteY2"/>
+              </a:cxn>
+              <a:cxn ang="0">
+                <a:pos x="connsiteX3" y="connsiteY3"/>
+              </a:cxn>
+            </a:cxnLst>
+            <a:rect l="l" t="t" r="r" b="b"/>
+            <a:pathLst>
+              <a:path w="1023457" h="1933663">
+                <a:moveTo>
+                  <a:pt x="1023457" y="0"/>
+                </a:moveTo>
+                <a:lnTo>
+                  <a:pt x="1023457" y="0"/>
+                </a:lnTo>
+                <a:lnTo>
+                  <a:pt x="1023457" y="1933663"/>
+                </a:lnTo>
+                <a:lnTo>
+                  <a:pt x="0" y="1933663"/>
+                </a:lnTo>
+              </a:path>
+            </a:pathLst>
+          </a:custGeom>
+          <a:noFill/>
+          <a:ln w="19050">
+            <a:solidFill>
+              <a:srgbClr val="B0003E"/>
+            </a:solidFill>
+          </a:ln>
+        </p:spPr>
+        <p:style>
+          <a:lnRef idx="2">
+            <a:schemeClr val="accent1">
+              <a:shade val="50000"/>
+            </a:schemeClr>
+          </a:lnRef>
+          <a:fillRef idx="1">
+            <a:schemeClr val="accent1"/>
+          </a:fillRef>
+          <a:effectRef idx="0">
+            <a:schemeClr val="accent1"/>
+          </a:effectRef>
+          <a:fontRef idx="minor">
+            <a:schemeClr val="lt1"/>
+          </a:fontRef>
+        </p:style>
+        <p:txBody>
+          <a:bodyPr rtlCol="0" anchor="ctr"/>
+          <a:lstStyle/>
+          <a:p>
+            <a:pPr algn="ctr"/>
+            <a:endParaRPr lang="en-US"/>
+          </a:p>
+        </p:txBody>
+      </p:sp>
+      <p:sp>
+        <p:nvSpPr>
+          <p:cNvPr id="48" name="Freihandform: Form 47">
+            <a:extLst>
+              <a:ext uri="{FF2B5EF4-FFF2-40B4-BE49-F238E27FC236}">
+                <a16:creationId xmlns:a16="http://schemas.microsoft.com/office/drawing/2014/main" id="{368957C7-FCDC-495C-92DA-F918D539F3EF}"/>
+              </a:ext>
+            </a:extLst>
+          </p:cNvPr>
+          <p:cNvSpPr/>
+          <p:nvPr/>
+        </p:nvSpPr>
+        <p:spPr>
+          <a:xfrm>
+            <a:off x="9121745" y="2923562"/>
+            <a:ext cx="693374" cy="1983997"/>
+          </a:xfrm>
+          <a:custGeom>
+            <a:avLst/>
+            <a:gdLst>
+              <a:gd name="connsiteX0" fmla="*/ 1023457 w 1023457"/>
+              <a:gd name="connsiteY0" fmla="*/ 0 h 1933663"/>
+              <a:gd name="connsiteX1" fmla="*/ 1023457 w 1023457"/>
+              <a:gd name="connsiteY1" fmla="*/ 0 h 1933663"/>
+              <a:gd name="connsiteX2" fmla="*/ 1023457 w 1023457"/>
+              <a:gd name="connsiteY2" fmla="*/ 1933663 h 1933663"/>
+              <a:gd name="connsiteX3" fmla="*/ 0 w 1023457"/>
+              <a:gd name="connsiteY3" fmla="*/ 1933663 h 1933663"/>
+            </a:gdLst>
+            <a:ahLst/>
+            <a:cxnLst>
+              <a:cxn ang="0">
+                <a:pos x="connsiteX0" y="connsiteY0"/>
+              </a:cxn>
+              <a:cxn ang="0">
+                <a:pos x="connsiteX1" y="connsiteY1"/>
+              </a:cxn>
+              <a:cxn ang="0">
+                <a:pos x="connsiteX2" y="connsiteY2"/>
+              </a:cxn>
+              <a:cxn ang="0">
+                <a:pos x="connsiteX3" y="connsiteY3"/>
+              </a:cxn>
+            </a:cxnLst>
+            <a:rect l="l" t="t" r="r" b="b"/>
+            <a:pathLst>
+              <a:path w="1023457" h="1933663">
+                <a:moveTo>
+                  <a:pt x="1023457" y="0"/>
+                </a:moveTo>
+                <a:lnTo>
+                  <a:pt x="1023457" y="0"/>
+                </a:lnTo>
+                <a:lnTo>
+                  <a:pt x="1023457" y="1933663"/>
+                </a:lnTo>
+                <a:lnTo>
+                  <a:pt x="0" y="1933663"/>
+                </a:lnTo>
+              </a:path>
+            </a:pathLst>
+          </a:custGeom>
+          <a:noFill/>
+          <a:ln w="19050">
+            <a:solidFill>
+              <a:srgbClr val="B0003E"/>
+            </a:solidFill>
+          </a:ln>
+        </p:spPr>
+        <p:style>
+          <a:lnRef idx="2">
+            <a:schemeClr val="accent1">
+              <a:shade val="50000"/>
+            </a:schemeClr>
+          </a:lnRef>
+          <a:fillRef idx="1">
+            <a:schemeClr val="accent1"/>
+          </a:fillRef>
+          <a:effectRef idx="0">
+            <a:schemeClr val="accent1"/>
+          </a:effectRef>
+          <a:fontRef idx="minor">
+            <a:schemeClr val="lt1"/>
+          </a:fontRef>
+        </p:style>
+        <p:txBody>
+          <a:bodyPr rtlCol="0" anchor="ctr"/>
+          <a:lstStyle/>
+          <a:p>
+            <a:pPr algn="ctr"/>
+            <a:endParaRPr lang="en-US" dirty="0"/>
+          </a:p>
+        </p:txBody>
+      </p:sp>
+      <p:grpSp>
+        <p:nvGrpSpPr>
+          <p:cNvPr id="55" name="Gruppieren 54">
+            <a:extLst>
+              <a:ext uri="{FF2B5EF4-FFF2-40B4-BE49-F238E27FC236}">
+                <a16:creationId xmlns:a16="http://schemas.microsoft.com/office/drawing/2014/main" id="{D6116CC0-98C5-45B1-822B-69E700637893}"/>
+              </a:ext>
+            </a:extLst>
+          </p:cNvPr>
+          <p:cNvGrpSpPr/>
+          <p:nvPr/>
+        </p:nvGrpSpPr>
+        <p:grpSpPr>
+          <a:xfrm>
+            <a:off x="314586" y="4544821"/>
+            <a:ext cx="8732236" cy="1197918"/>
+            <a:chOff x="314586" y="4544821"/>
+            <a:chExt cx="8732236" cy="1197918"/>
+          </a:xfrm>
+        </p:grpSpPr>
+        <p:pic>
+          <p:nvPicPr>
+            <p:cNvPr id="43" name="Grafik 42">
+              <a:extLst>
+                <a:ext uri="{FF2B5EF4-FFF2-40B4-BE49-F238E27FC236}">
+                  <a16:creationId xmlns:a16="http://schemas.microsoft.com/office/drawing/2014/main" id="{C63A71D3-E622-4D81-9948-FC3D8C61A54A}"/>
+                </a:ext>
+              </a:extLst>
+            </p:cNvPr>
+            <p:cNvPicPr>
+              <a:picLocks noChangeAspect="1"/>
+            </p:cNvPicPr>
+            <p:nvPr/>
+          </p:nvPicPr>
+          <p:blipFill>
+            <a:blip r:embed="rId12">
+              <a:extLst>
+                <a:ext uri="{28A0092B-C50C-407E-A947-70E740481C1C}">
+                  <a14:useLocalDpi xmlns:a14="http://schemas.microsoft.com/office/drawing/2010/main" val="0"/>
+                </a:ext>
+                <a:ext uri="{96DAC541-7B7A-43D3-8B79-37D633B846F1}">
+                  <asvg:svgBlip xmlns:asvg="http://schemas.microsoft.com/office/drawing/2016/SVG/main" r:embed="rId13"/>
+                </a:ext>
+              </a:extLst>
+            </a:blip>
+            <a:stretch>
+              <a:fillRect/>
+            </a:stretch>
+          </p:blipFill>
+          <p:spPr>
+            <a:xfrm>
+              <a:off x="2826402" y="4765433"/>
+              <a:ext cx="6220420" cy="977306"/>
+            </a:xfrm>
+            <a:prstGeom prst="rect">
+              <a:avLst/>
+            </a:prstGeom>
+          </p:spPr>
+        </p:pic>
+        <p:sp>
+          <p:nvSpPr>
+            <p:cNvPr id="51" name="Inhaltsplatzhalter 7">
+              <a:extLst>
+                <a:ext uri="{FF2B5EF4-FFF2-40B4-BE49-F238E27FC236}">
+                  <a16:creationId xmlns:a16="http://schemas.microsoft.com/office/drawing/2014/main" id="{B96FDA72-6C96-457F-AE05-E47F61BD52CC}"/>
+                </a:ext>
+              </a:extLst>
+            </p:cNvPr>
+            <p:cNvSpPr txBox="1">
+              <a:spLocks/>
+            </p:cNvSpPr>
+            <p:nvPr/>
+          </p:nvSpPr>
+          <p:spPr>
+            <a:xfrm>
+              <a:off x="314586" y="4544821"/>
+              <a:ext cx="2428613" cy="662782"/>
+            </a:xfrm>
+            <a:prstGeom prst="rect">
+              <a:avLst/>
+            </a:prstGeom>
+          </p:spPr>
+          <p:txBody>
+            <a:bodyPr anchor="ctr">
+              <a:normAutofit/>
+            </a:bodyPr>
+            <a:lstStyle>
+              <a:lvl1pPr marL="228600" indent="-228600" algn="l" defTabSz="914400" rtl="0" eaLnBrk="1" latinLnBrk="0" hangingPunct="1">
+                <a:lnSpc>
+                  <a:spcPct val="90000"/>
+                </a:lnSpc>
+                <a:spcBef>
+                  <a:spcPts val="1000"/>
+                </a:spcBef>
+                <a:buFont typeface="Arial" panose="020B0604020202020204" pitchFamily="34" charset="0"/>
+                <a:buChar char="•"/>
+                <a:defRPr sz="2800" kern="1200">
+                  <a:solidFill>
+                    <a:schemeClr val="tx1"/>
+                  </a:solidFill>
+                  <a:latin typeface="Roboto Light" panose="02000000000000000000" pitchFamily="2" charset="0"/>
+                  <a:ea typeface="Roboto Light" panose="02000000000000000000" pitchFamily="2" charset="0"/>
+                  <a:cs typeface="+mn-cs"/>
+                </a:defRPr>
+              </a:lvl1pPr>
+              <a:lvl2pPr marL="685800" indent="-228600" algn="l" defTabSz="914400" rtl="0" eaLnBrk="1" latinLnBrk="0" hangingPunct="1">
+                <a:lnSpc>
+                  <a:spcPct val="90000"/>
+                </a:lnSpc>
+                <a:spcBef>
+                  <a:spcPts val="500"/>
+                </a:spcBef>
+                <a:buFont typeface="Arial" panose="020B0604020202020204" pitchFamily="34" charset="0"/>
+                <a:buChar char="•"/>
+                <a:defRPr sz="2400" kern="1200">
+                  <a:solidFill>
+                    <a:schemeClr val="tx1"/>
+                  </a:solidFill>
+                  <a:latin typeface="Roboto Light" panose="02000000000000000000" pitchFamily="2" charset="0"/>
+                  <a:ea typeface="Roboto Light" panose="02000000000000000000" pitchFamily="2" charset="0"/>
+                  <a:cs typeface="+mn-cs"/>
+                </a:defRPr>
+              </a:lvl2pPr>
+              <a:lvl3pPr marL="1143000" indent="-228600" algn="l" defTabSz="914400" rtl="0" eaLnBrk="1" latinLnBrk="0" hangingPunct="1">
+                <a:lnSpc>
+                  <a:spcPct val="90000"/>
+                </a:lnSpc>
+                <a:spcBef>
+                  <a:spcPts val="500"/>
+                </a:spcBef>
+                <a:buFont typeface="Arial" panose="020B0604020202020204" pitchFamily="34" charset="0"/>
+                <a:buChar char="•"/>
+                <a:defRPr sz="2000" kern="1200">
+                  <a:solidFill>
+                    <a:schemeClr val="tx1"/>
+                  </a:solidFill>
+                  <a:latin typeface="Roboto Light" panose="02000000000000000000" pitchFamily="2" charset="0"/>
+                  <a:ea typeface="Roboto Light" panose="02000000000000000000" pitchFamily="2" charset="0"/>
+                  <a:cs typeface="+mn-cs"/>
+                </a:defRPr>
+              </a:lvl3pPr>
+              <a:lvl4pPr marL="1600200" indent="-228600" algn="l" defTabSz="914400" rtl="0" eaLnBrk="1" latinLnBrk="0" hangingPunct="1">
+                <a:lnSpc>
+                  <a:spcPct val="90000"/>
+                </a:lnSpc>
+                <a:spcBef>
+                  <a:spcPts val="500"/>
+                </a:spcBef>
+                <a:buFont typeface="Arial" panose="020B0604020202020204" pitchFamily="34" charset="0"/>
+                <a:buChar char="•"/>
+                <a:defRPr sz="1800" kern="1200">
+                  <a:solidFill>
+                    <a:schemeClr val="tx1"/>
+                  </a:solidFill>
+                  <a:latin typeface="Roboto Light" panose="02000000000000000000" pitchFamily="2" charset="0"/>
+                  <a:ea typeface="Roboto Light" panose="02000000000000000000" pitchFamily="2" charset="0"/>
+                  <a:cs typeface="+mn-cs"/>
+                </a:defRPr>
+              </a:lvl4pPr>
+              <a:lvl5pPr marL="2057400" indent="-228600" algn="l" defTabSz="914400" rtl="0" eaLnBrk="1" latinLnBrk="0" hangingPunct="1">
+                <a:lnSpc>
+                  <a:spcPct val="90000"/>
+                </a:lnSpc>
+                <a:spcBef>
+                  <a:spcPts val="500"/>
+                </a:spcBef>
+                <a:buFont typeface="Arial" panose="020B0604020202020204" pitchFamily="34" charset="0"/>
+                <a:buChar char="•"/>
+                <a:defRPr sz="1800" kern="1200">
+                  <a:solidFill>
+                    <a:schemeClr val="tx1"/>
+                  </a:solidFill>
+                  <a:latin typeface="Roboto Light" panose="02000000000000000000" pitchFamily="2" charset="0"/>
+                  <a:ea typeface="Roboto Light" panose="02000000000000000000" pitchFamily="2" charset="0"/>
+                  <a:cs typeface="+mn-cs"/>
+                </a:defRPr>
+              </a:lvl5pPr>
+              <a:lvl6pPr marL="2514600" indent="-228600" algn="l" defTabSz="914400" rtl="0" eaLnBrk="1" latinLnBrk="0" hangingPunct="1">
+                <a:lnSpc>
+                  <a:spcPct val="90000"/>
+                </a:lnSpc>
+                <a:spcBef>
+                  <a:spcPts val="500"/>
+                </a:spcBef>
+                <a:buFont typeface="Arial" panose="020B0604020202020204" pitchFamily="34" charset="0"/>
+                <a:buChar char="•"/>
+                <a:defRPr sz="1800" kern="1200">
+                  <a:solidFill>
+                    <a:schemeClr val="tx1"/>
+                  </a:solidFill>
+                  <a:latin typeface="+mn-lt"/>
+                  <a:ea typeface="+mn-ea"/>
+                  <a:cs typeface="+mn-cs"/>
+                </a:defRPr>
+              </a:lvl6pPr>
+              <a:lvl7pPr marL="2971800" indent="-228600" algn="l" defTabSz="914400" rtl="0" eaLnBrk="1" latinLnBrk="0" hangingPunct="1">
+                <a:lnSpc>
+                  <a:spcPct val="90000"/>
+                </a:lnSpc>
+                <a:spcBef>
+                  <a:spcPts val="500"/>
+                </a:spcBef>
+                <a:buFont typeface="Arial" panose="020B0604020202020204" pitchFamily="34" charset="0"/>
+                <a:buChar char="•"/>
+                <a:defRPr sz="1800" kern="1200">
+                  <a:solidFill>
+                    <a:schemeClr val="tx1"/>
+                  </a:solidFill>
+                  <a:latin typeface="+mn-lt"/>
+                  <a:ea typeface="+mn-ea"/>
+                  <a:cs typeface="+mn-cs"/>
+                </a:defRPr>
+              </a:lvl7pPr>
+              <a:lvl8pPr marL="3429000" indent="-228600" algn="l" defTabSz="914400" rtl="0" eaLnBrk="1" latinLnBrk="0" hangingPunct="1">
+                <a:lnSpc>
+                  <a:spcPct val="90000"/>
+                </a:lnSpc>
+                <a:spcBef>
+                  <a:spcPts val="500"/>
+                </a:spcBef>
+                <a:buFont typeface="Arial" panose="020B0604020202020204" pitchFamily="34" charset="0"/>
+                <a:buChar char="•"/>
+                <a:defRPr sz="1800" kern="1200">
+                  <a:solidFill>
+                    <a:schemeClr val="tx1"/>
+                  </a:solidFill>
+                  <a:latin typeface="+mn-lt"/>
+                  <a:ea typeface="+mn-ea"/>
+                  <a:cs typeface="+mn-cs"/>
+                </a:defRPr>
+              </a:lvl8pPr>
+              <a:lvl9pPr marL="3886200" indent="-228600" algn="l" defTabSz="914400" rtl="0" eaLnBrk="1" latinLnBrk="0" hangingPunct="1">
+                <a:lnSpc>
+                  <a:spcPct val="90000"/>
+                </a:lnSpc>
+                <a:spcBef>
+                  <a:spcPts val="500"/>
+                </a:spcBef>
+                <a:buFont typeface="Arial" panose="020B0604020202020204" pitchFamily="34" charset="0"/>
+                <a:buChar char="•"/>
+                <a:defRPr sz="1800" kern="1200">
+                  <a:solidFill>
+                    <a:schemeClr val="tx1"/>
+                  </a:solidFill>
+                  <a:latin typeface="+mn-lt"/>
+                  <a:ea typeface="+mn-ea"/>
+                  <a:cs typeface="+mn-cs"/>
+                </a:defRPr>
+              </a:lvl9pPr>
+            </a:lstStyle>
+            <a:p>
+              <a:pPr marL="0" indent="0" algn="r" fontAlgn="auto">
+                <a:lnSpc>
+                  <a:spcPct val="100000"/>
+                </a:lnSpc>
+                <a:spcBef>
+                  <a:spcPts val="2400"/>
+                </a:spcBef>
+                <a:spcAft>
+                  <a:spcPts val="0"/>
+                </a:spcAft>
+                <a:buNone/>
+              </a:pPr>
+              <a:r>
+                <a:rPr lang="en-US" sz="2000" b="1" dirty="0"/>
+                <a:t>Idempotency:</a:t>
+              </a:r>
+            </a:p>
+          </p:txBody>
+        </p:sp>
+      </p:grpSp>
+      <p:sp>
+        <p:nvSpPr>
+          <p:cNvPr id="52" name="Inhaltsplatzhalter 7">
+            <a:extLst>
+              <a:ext uri="{FF2B5EF4-FFF2-40B4-BE49-F238E27FC236}">
+                <a16:creationId xmlns:a16="http://schemas.microsoft.com/office/drawing/2014/main" id="{8DFEA686-B822-47E6-8C6B-C50027FCB781}"/>
+              </a:ext>
+            </a:extLst>
+          </p:cNvPr>
+          <p:cNvSpPr txBox="1">
+            <a:spLocks/>
+          </p:cNvSpPr>
+          <p:nvPr/>
+        </p:nvSpPr>
+        <p:spPr>
+          <a:xfrm>
+            <a:off x="314585" y="5278903"/>
+            <a:ext cx="2428613" cy="662782"/>
+          </a:xfrm>
+          <a:prstGeom prst="rect">
+            <a:avLst/>
+          </a:prstGeom>
+        </p:spPr>
+        <p:txBody>
+          <a:bodyPr anchor="ctr">
+            <a:normAutofit/>
+          </a:bodyPr>
+          <a:lstStyle>
+            <a:lvl1pPr marL="228600" indent="-228600" algn="l" defTabSz="914400" rtl="0" eaLnBrk="1" latinLnBrk="0" hangingPunct="1">
+              <a:lnSpc>
+                <a:spcPct val="90000"/>
+              </a:lnSpc>
+              <a:spcBef>
+                <a:spcPts val="1000"/>
+              </a:spcBef>
+              <a:buFont typeface="Arial" panose="020B0604020202020204" pitchFamily="34" charset="0"/>
+              <a:buChar char="•"/>
+              <a:defRPr sz="2800" kern="1200">
+                <a:solidFill>
+                  <a:schemeClr val="tx1"/>
+                </a:solidFill>
+                <a:latin typeface="Roboto Light" panose="02000000000000000000" pitchFamily="2" charset="0"/>
+                <a:ea typeface="Roboto Light" panose="02000000000000000000" pitchFamily="2" charset="0"/>
+                <a:cs typeface="+mn-cs"/>
+              </a:defRPr>
+            </a:lvl1pPr>
+            <a:lvl2pPr marL="685800" indent="-228600" algn="l" defTabSz="914400" rtl="0" eaLnBrk="1" latinLnBrk="0" hangingPunct="1">
+              <a:lnSpc>
+                <a:spcPct val="90000"/>
+              </a:lnSpc>
+              <a:spcBef>
+                <a:spcPts val="500"/>
+              </a:spcBef>
+              <a:buFont typeface="Arial" panose="020B0604020202020204" pitchFamily="34" charset="0"/>
+              <a:buChar char="•"/>
+              <a:defRPr sz="2400" kern="1200">
+                <a:solidFill>
+                  <a:schemeClr val="tx1"/>
+                </a:solidFill>
+                <a:latin typeface="Roboto Light" panose="02000000000000000000" pitchFamily="2" charset="0"/>
+                <a:ea typeface="Roboto Light" panose="02000000000000000000" pitchFamily="2" charset="0"/>
+                <a:cs typeface="+mn-cs"/>
+              </a:defRPr>
+            </a:lvl2pPr>
+            <a:lvl3pPr marL="1143000" indent="-228600" algn="l" defTabSz="914400" rtl="0" eaLnBrk="1" latinLnBrk="0" hangingPunct="1">
+              <a:lnSpc>
+                <a:spcPct val="90000"/>
+              </a:lnSpc>
+              <a:spcBef>
+                <a:spcPts val="500"/>
+              </a:spcBef>
+              <a:buFont typeface="Arial" panose="020B0604020202020204" pitchFamily="34" charset="0"/>
+              <a:buChar char="•"/>
+              <a:defRPr sz="2000" kern="1200">
+                <a:solidFill>
+                  <a:schemeClr val="tx1"/>
+                </a:solidFill>
+                <a:latin typeface="Roboto Light" panose="02000000000000000000" pitchFamily="2" charset="0"/>
+                <a:ea typeface="Roboto Light" panose="02000000000000000000" pitchFamily="2" charset="0"/>
+                <a:cs typeface="+mn-cs"/>
+              </a:defRPr>
+            </a:lvl3pPr>
+            <a:lvl4pPr marL="1600200" indent="-228600" algn="l" defTabSz="914400" rtl="0" eaLnBrk="1" latinLnBrk="0" hangingPunct="1">
+              <a:lnSpc>
+                <a:spcPct val="90000"/>
+              </a:lnSpc>
+              <a:spcBef>
+                <a:spcPts val="500"/>
+              </a:spcBef>
+              <a:buFont typeface="Arial" panose="020B0604020202020204" pitchFamily="34" charset="0"/>
+              <a:buChar char="•"/>
+              <a:defRPr sz="1800" kern="1200">
+                <a:solidFill>
+                  <a:schemeClr val="tx1"/>
+                </a:solidFill>
+                <a:latin typeface="Roboto Light" panose="02000000000000000000" pitchFamily="2" charset="0"/>
+                <a:ea typeface="Roboto Light" panose="02000000000000000000" pitchFamily="2" charset="0"/>
+                <a:cs typeface="+mn-cs"/>
+              </a:defRPr>
+            </a:lvl4pPr>
+            <a:lvl5pPr marL="2057400" indent="-228600" algn="l" defTabSz="914400" rtl="0" eaLnBrk="1" latinLnBrk="0" hangingPunct="1">
+              <a:lnSpc>
+                <a:spcPct val="90000"/>
+              </a:lnSpc>
+              <a:spcBef>
+                <a:spcPts val="500"/>
+              </a:spcBef>
+              <a:buFont typeface="Arial" panose="020B0604020202020204" pitchFamily="34" charset="0"/>
+              <a:buChar char="•"/>
+              <a:defRPr sz="1800" kern="1200">
+                <a:solidFill>
+                  <a:schemeClr val="tx1"/>
+                </a:solidFill>
+                <a:latin typeface="Roboto Light" panose="02000000000000000000" pitchFamily="2" charset="0"/>
+                <a:ea typeface="Roboto Light" panose="02000000000000000000" pitchFamily="2" charset="0"/>
+                <a:cs typeface="+mn-cs"/>
+              </a:defRPr>
+            </a:lvl5pPr>
+            <a:lvl6pPr marL="2514600" indent="-228600" algn="l" defTabSz="914400" rtl="0" eaLnBrk="1" latinLnBrk="0" hangingPunct="1">
+              <a:lnSpc>
+                <a:spcPct val="90000"/>
+              </a:lnSpc>
+              <a:spcBef>
+                <a:spcPts val="500"/>
+              </a:spcBef>
+              <a:buFont typeface="Arial" panose="020B0604020202020204" pitchFamily="34" charset="0"/>
+              <a:buChar char="•"/>
+              <a:defRPr sz="1800" kern="1200">
+                <a:solidFill>
+                  <a:schemeClr val="tx1"/>
+                </a:solidFill>
+                <a:latin typeface="+mn-lt"/>
+                <a:ea typeface="+mn-ea"/>
+                <a:cs typeface="+mn-cs"/>
+              </a:defRPr>
+            </a:lvl6pPr>
+            <a:lvl7pPr marL="2971800" indent="-228600" algn="l" defTabSz="914400" rtl="0" eaLnBrk="1" latinLnBrk="0" hangingPunct="1">
+              <a:lnSpc>
+                <a:spcPct val="90000"/>
+              </a:lnSpc>
+              <a:spcBef>
+                <a:spcPts val="500"/>
+              </a:spcBef>
+              <a:buFont typeface="Arial" panose="020B0604020202020204" pitchFamily="34" charset="0"/>
+              <a:buChar char="•"/>
+              <a:defRPr sz="1800" kern="1200">
+                <a:solidFill>
+                  <a:schemeClr val="tx1"/>
+                </a:solidFill>
+                <a:latin typeface="+mn-lt"/>
+                <a:ea typeface="+mn-ea"/>
+                <a:cs typeface="+mn-cs"/>
+              </a:defRPr>
+            </a:lvl7pPr>
+            <a:lvl8pPr marL="3429000" indent="-228600" algn="l" defTabSz="914400" rtl="0" eaLnBrk="1" latinLnBrk="0" hangingPunct="1">
+              <a:lnSpc>
+                <a:spcPct val="90000"/>
+              </a:lnSpc>
+              <a:spcBef>
+                <a:spcPts val="500"/>
+              </a:spcBef>
+              <a:buFont typeface="Arial" panose="020B0604020202020204" pitchFamily="34" charset="0"/>
+              <a:buChar char="•"/>
+              <a:defRPr sz="1800" kern="1200">
+                <a:solidFill>
+                  <a:schemeClr val="tx1"/>
+                </a:solidFill>
+                <a:latin typeface="+mn-lt"/>
+                <a:ea typeface="+mn-ea"/>
+                <a:cs typeface="+mn-cs"/>
+              </a:defRPr>
+            </a:lvl8pPr>
+            <a:lvl9pPr marL="3886200" indent="-228600" algn="l" defTabSz="914400" rtl="0" eaLnBrk="1" latinLnBrk="0" hangingPunct="1">
+              <a:lnSpc>
+                <a:spcPct val="90000"/>
+              </a:lnSpc>
+              <a:spcBef>
+                <a:spcPts val="500"/>
+              </a:spcBef>
+              <a:buFont typeface="Arial" panose="020B0604020202020204" pitchFamily="34" charset="0"/>
+              <a:buChar char="•"/>
+              <a:defRPr sz="1800" kern="1200">
+                <a:solidFill>
+                  <a:schemeClr val="tx1"/>
+                </a:solidFill>
+                <a:latin typeface="+mn-lt"/>
+                <a:ea typeface="+mn-ea"/>
+                <a:cs typeface="+mn-cs"/>
+              </a:defRPr>
+            </a:lvl9pPr>
+          </a:lstStyle>
+          <a:p>
+            <a:pPr marL="0" indent="0" algn="r" fontAlgn="auto">
+              <a:lnSpc>
+                <a:spcPct val="100000"/>
+              </a:lnSpc>
+              <a:spcBef>
+                <a:spcPts val="2400"/>
+              </a:spcBef>
+              <a:spcAft>
+                <a:spcPts val="0"/>
+              </a:spcAft>
+              <a:buNone/>
+            </a:pPr>
+            <a:r>
+              <a:rPr lang="en-US" sz="2000" b="1" dirty="0"/>
+              <a:t>Zero invariance:</a:t>
+            </a:r>
+          </a:p>
+        </p:txBody>
+      </p:sp>
+      <p:sp>
+        <p:nvSpPr>
+          <p:cNvPr id="53" name="Rechteck 52">
+            <a:extLst>
+              <a:ext uri="{FF2B5EF4-FFF2-40B4-BE49-F238E27FC236}">
+                <a16:creationId xmlns:a16="http://schemas.microsoft.com/office/drawing/2014/main" id="{14B0CC80-8415-4F45-9A8E-37C50B663CD3}"/>
+              </a:ext>
+            </a:extLst>
+          </p:cNvPr>
+          <p:cNvSpPr/>
+          <p:nvPr/>
+        </p:nvSpPr>
+        <p:spPr>
+          <a:xfrm>
+            <a:off x="725648" y="5254086"/>
+            <a:ext cx="8396095" cy="616713"/>
+          </a:xfrm>
+          <a:prstGeom prst="rect">
+            <a:avLst/>
+          </a:prstGeom>
+          <a:solidFill>
+            <a:schemeClr val="bg1"/>
+          </a:solidFill>
+          <a:ln>
+            <a:noFill/>
+          </a:ln>
+        </p:spPr>
+        <p:style>
+          <a:lnRef idx="2">
+            <a:schemeClr val="accent1">
+              <a:shade val="50000"/>
+            </a:schemeClr>
+          </a:lnRef>
+          <a:fillRef idx="1">
+            <a:schemeClr val="accent1"/>
+          </a:fillRef>
+          <a:effectRef idx="0">
+            <a:schemeClr val="accent1"/>
+          </a:effectRef>
+          <a:fontRef idx="minor">
+            <a:schemeClr val="lt1"/>
+          </a:fontRef>
+        </p:style>
+        <p:txBody>
+          <a:bodyPr rtlCol="0" anchor="ctr"/>
+          <a:lstStyle/>
+          <a:p>
+            <a:pPr algn="ctr"/>
+            <a:endParaRPr lang="en-US"/>
+          </a:p>
+        </p:txBody>
+      </p:sp>
+    </p:spTree>
+    <p:extLst>
+      <p:ext uri="{BB962C8B-B14F-4D97-AF65-F5344CB8AC3E}">
+        <p14:creationId xmlns:p14="http://schemas.microsoft.com/office/powerpoint/2010/main" val="3374791810"/>
+      </p:ext>
+    </p:extLst>
+  </p:cSld>
+  <p:clrMapOvr>
+    <a:masterClrMapping/>
+  </p:clrMapOvr>
+  <p:timing>
+    <p:tnLst>
+      <p:par>
+        <p:cTn id="1" dur="indefinite" restart="never" nodeType="tmRoot">
+          <p:childTnLst>
+            <p:seq concurrent="1" nextAc="seek">
+              <p:cTn id="2" dur="indefinite" nodeType="mainSeq">
+                <p:childTnLst>
+                  <p:par>
+                    <p:cTn id="3" fill="hold">
+                      <p:stCondLst>
+                        <p:cond delay="indefinite"/>
+                      </p:stCondLst>
+                      <p:childTnLst>
+                        <p:par>
+                          <p:cTn id="4" fill="hold">
+                            <p:stCondLst>
+                              <p:cond delay="0"/>
+                            </p:stCondLst>
+                            <p:childTnLst>
+                              <p:par>
+                                <p:cTn id="5" presetID="1" presetClass="entr" presetSubtype="0" fill="hold" nodeType="clickEffect">
+                                  <p:stCondLst>
+                                    <p:cond delay="0"/>
+                                  </p:stCondLst>
+                                  <p:childTnLst>
+                                    <p:set>
+                                      <p:cBhvr>
+                                        <p:cTn id="6" dur="1" fill="hold">
+                                          <p:stCondLst>
+                                            <p:cond delay="0"/>
+                                          </p:stCondLst>
+                                        </p:cTn>
+                                        <p:tgtEl>
+                                          <p:spTgt spid="44"/>
+                                        </p:tgtEl>
+                                        <p:attrNameLst>
+                                          <p:attrName>style.visibility</p:attrName>
+                                        </p:attrNameLst>
+                                      </p:cBhvr>
+                                      <p:to>
+                                        <p:strVal val="visible"/>
+                                      </p:to>
+                                    </p:set>
+                                  </p:childTnLst>
+                                </p:cTn>
+                              </p:par>
+                              <p:par>
+                                <p:cTn id="7" presetID="1" presetClass="entr" presetSubtype="0" fill="hold" grpId="0" nodeType="withEffect">
+                                  <p:stCondLst>
+                                    <p:cond delay="0"/>
+                                  </p:stCondLst>
+                                  <p:childTnLst>
+                                    <p:set>
+                                      <p:cBhvr>
+                                        <p:cTn id="8" dur="1" fill="hold">
+                                          <p:stCondLst>
+                                            <p:cond delay="0"/>
+                                          </p:stCondLst>
+                                        </p:cTn>
+                                        <p:tgtEl>
+                                          <p:spTgt spid="17"/>
+                                        </p:tgtEl>
+                                        <p:attrNameLst>
+                                          <p:attrName>style.visibility</p:attrName>
+                                        </p:attrNameLst>
+                                      </p:cBhvr>
+                                      <p:to>
+                                        <p:strVal val="visible"/>
+                                      </p:to>
+                                    </p:set>
+                                  </p:childTnLst>
+                                </p:cTn>
+                              </p:par>
+                              <p:par>
+                                <p:cTn id="9" presetID="1" presetClass="entr" presetSubtype="0" fill="hold" nodeType="withEffect">
+                                  <p:stCondLst>
+                                    <p:cond delay="0"/>
+                                  </p:stCondLst>
+                                  <p:childTnLst>
+                                    <p:set>
+                                      <p:cBhvr>
+                                        <p:cTn id="10" dur="1" fill="hold">
+                                          <p:stCondLst>
+                                            <p:cond delay="0"/>
+                                          </p:stCondLst>
+                                        </p:cTn>
+                                        <p:tgtEl>
+                                          <p:spTgt spid="55"/>
+                                        </p:tgtEl>
+                                        <p:attrNameLst>
+                                          <p:attrName>style.visibility</p:attrName>
+                                        </p:attrNameLst>
+                                      </p:cBhvr>
+                                      <p:to>
+                                        <p:strVal val="visible"/>
+                                      </p:to>
+                                    </p:set>
+                                  </p:childTnLst>
+                                </p:cTn>
+                              </p:par>
+                              <p:par>
+                                <p:cTn id="11" presetID="1" presetClass="entr" presetSubtype="0" fill="hold" grpId="0" nodeType="withEffect">
+                                  <p:stCondLst>
+                                    <p:cond delay="0"/>
+                                  </p:stCondLst>
+                                  <p:childTnLst>
+                                    <p:set>
+                                      <p:cBhvr>
+                                        <p:cTn id="12" dur="1" fill="hold">
+                                          <p:stCondLst>
+                                            <p:cond delay="0"/>
+                                          </p:stCondLst>
+                                        </p:cTn>
+                                        <p:tgtEl>
+                                          <p:spTgt spid="48"/>
+                                        </p:tgtEl>
+                                        <p:attrNameLst>
+                                          <p:attrName>style.visibility</p:attrName>
+                                        </p:attrNameLst>
+                                      </p:cBhvr>
+                                      <p:to>
+                                        <p:strVal val="visible"/>
+                                      </p:to>
+                                    </p:set>
+                                  </p:childTnLst>
+                                </p:cTn>
+                              </p:par>
+                            </p:childTnLst>
+                          </p:cTn>
+                        </p:par>
+                      </p:childTnLst>
+                    </p:cTn>
+                  </p:par>
+                  <p:par>
+                    <p:cTn id="13" fill="hold">
+                      <p:stCondLst>
+                        <p:cond delay="indefinite"/>
+                      </p:stCondLst>
+                      <p:childTnLst>
+                        <p:par>
+                          <p:cTn id="14" fill="hold">
+                            <p:stCondLst>
+                              <p:cond delay="0"/>
+                            </p:stCondLst>
+                            <p:childTnLst>
+                              <p:par>
+                                <p:cTn id="15" presetID="1" presetClass="entr" presetSubtype="0" fill="hold" nodeType="clickEffect">
+                                  <p:stCondLst>
+                                    <p:cond delay="0"/>
+                                  </p:stCondLst>
+                                  <p:childTnLst>
+                                    <p:set>
+                                      <p:cBhvr>
+                                        <p:cTn id="16" dur="1" fill="hold">
+                                          <p:stCondLst>
+                                            <p:cond delay="0"/>
+                                          </p:stCondLst>
+                                        </p:cTn>
+                                        <p:tgtEl>
+                                          <p:spTgt spid="46"/>
+                                        </p:tgtEl>
+                                        <p:attrNameLst>
+                                          <p:attrName>style.visibility</p:attrName>
+                                        </p:attrNameLst>
+                                      </p:cBhvr>
+                                      <p:to>
+                                        <p:strVal val="visible"/>
+                                      </p:to>
+                                    </p:set>
+                                  </p:childTnLst>
+                                </p:cTn>
+                              </p:par>
+                              <p:par>
+                                <p:cTn id="17" presetID="1" presetClass="entr" presetSubtype="0" fill="hold" grpId="0" nodeType="withEffect">
+                                  <p:stCondLst>
+                                    <p:cond delay="0"/>
+                                  </p:stCondLst>
+                                  <p:childTnLst>
+                                    <p:set>
+                                      <p:cBhvr>
+                                        <p:cTn id="18" dur="1" fill="hold">
+                                          <p:stCondLst>
+                                            <p:cond delay="0"/>
+                                          </p:stCondLst>
+                                        </p:cTn>
+                                        <p:tgtEl>
+                                          <p:spTgt spid="50"/>
+                                        </p:tgtEl>
+                                        <p:attrNameLst>
+                                          <p:attrName>style.visibility</p:attrName>
+                                        </p:attrNameLst>
+                                      </p:cBhvr>
+                                      <p:to>
+                                        <p:strVal val="visible"/>
+                                      </p:to>
+                                    </p:set>
+                                  </p:childTnLst>
+                                </p:cTn>
+                              </p:par>
+                              <p:par>
+                                <p:cTn id="19" presetID="1" presetClass="exit" presetSubtype="0" fill="hold" grpId="0" nodeType="withEffect">
+                                  <p:stCondLst>
+                                    <p:cond delay="0"/>
+                                  </p:stCondLst>
+                                  <p:childTnLst>
+                                    <p:set>
+                                      <p:cBhvr>
+                                        <p:cTn id="20" dur="1" fill="hold">
+                                          <p:stCondLst>
+                                            <p:cond delay="0"/>
+                                          </p:stCondLst>
+                                        </p:cTn>
+                                        <p:tgtEl>
+                                          <p:spTgt spid="53"/>
+                                        </p:tgtEl>
+                                        <p:attrNameLst>
+                                          <p:attrName>style.visibility</p:attrName>
+                                        </p:attrNameLst>
+                                      </p:cBhvr>
+                                      <p:to>
+                                        <p:strVal val="hidden"/>
+                                      </p:to>
+                                    </p:set>
+                                  </p:childTnLst>
+                                </p:cTn>
+                              </p:par>
+                              <p:par>
+                                <p:cTn id="21" presetID="1" presetClass="exit" presetSubtype="0" fill="hold" grpId="1" nodeType="withEffect">
+                                  <p:stCondLst>
+                                    <p:cond delay="0"/>
+                                  </p:stCondLst>
+                                  <p:childTnLst>
+                                    <p:set>
+                                      <p:cBhvr>
+                                        <p:cTn id="22" dur="1" fill="hold">
+                                          <p:stCondLst>
+                                            <p:cond delay="0"/>
+                                          </p:stCondLst>
+                                        </p:cTn>
+                                        <p:tgtEl>
+                                          <p:spTgt spid="48"/>
+                                        </p:tgtEl>
+                                        <p:attrNameLst>
+                                          <p:attrName>style.visibility</p:attrName>
+                                        </p:attrNameLst>
+                                      </p:cBhvr>
+                                      <p:to>
+                                        <p:strVal val="hidden"/>
+                                      </p:to>
+                                    </p:set>
+                                  </p:childTnLst>
+                                </p:cTn>
+                              </p:par>
+                            </p:childTnLst>
+                          </p:cTn>
+                        </p:par>
+                      </p:childTnLst>
+                    </p:cTn>
+                  </p:par>
+                </p:childTnLst>
+              </p:cTn>
+              <p:prevCondLst>
+                <p:cond evt="onPrev" delay="0">
+                  <p:tgtEl>
+                    <p:sldTgt/>
+                  </p:tgtEl>
+                </p:cond>
+              </p:prevCondLst>
+              <p:nextCondLst>
+                <p:cond evt="onNext" delay="0">
+                  <p:tgtEl>
+                    <p:sldTgt/>
+                  </p:tgtEl>
+                </p:cond>
+              </p:nextCondLst>
+            </p:seq>
+          </p:childTnLst>
+        </p:cTn>
+      </p:par>
+    </p:tnLst>
+    <p:bldLst>
+      <p:bldP spid="17" grpId="0" animBg="1"/>
+      <p:bldP spid="50" grpId="0" animBg="1"/>
+      <p:bldP spid="48" grpId="0" animBg="1"/>
+      <p:bldP spid="48" grpId="1" animBg="1"/>
+      <p:bldP spid="53" grpId="0" animBg="1"/>
+    </p:bldLst>
+  </p:timing>
+</p:sld>
+</file>
+
+<file path=ppt/slides/slide9.xml><?xml version="1.0" encoding="utf-8"?>
+<p:sld xmlns:a="http://schemas.openxmlformats.org/drawingml/2006/main" xmlns:r="http://schemas.openxmlformats.org/officeDocument/2006/relationships" xmlns:p="http://schemas.openxmlformats.org/presentationml/2006/main">
+  <p:cSld>
+    <p:spTree>
+      <p:nvGrpSpPr>
+        <p:cNvPr id="1" name=""/>
+        <p:cNvGrpSpPr/>
+        <p:nvPr/>
+      </p:nvGrpSpPr>
+      <p:grpSpPr>
+        <a:xfrm>
+          <a:off x="0" y="0"/>
+          <a:ext cx="0" cy="0"/>
+          <a:chOff x="0" y="0"/>
+          <a:chExt cx="0" cy="0"/>
+        </a:xfrm>
+      </p:grpSpPr>
+      <p:sp>
+        <p:nvSpPr>
+          <p:cNvPr id="2" name="Titel 1">
+            <a:extLst>
+              <a:ext uri="{FF2B5EF4-FFF2-40B4-BE49-F238E27FC236}">
+                <a16:creationId xmlns:a16="http://schemas.microsoft.com/office/drawing/2014/main" id="{2D0FFD85-9ECB-43AD-A5A9-1E845E3225DB}"/>
+              </a:ext>
+            </a:extLst>
+          </p:cNvPr>
+          <p:cNvSpPr>
+            <a:spLocks noGrp="1"/>
+          </p:cNvSpPr>
+          <p:nvPr>
+            <p:ph type="title"/>
+          </p:nvPr>
+        </p:nvSpPr>
+        <p:spPr/>
+        <p:txBody>
+          <a:bodyPr/>
+          <a:lstStyle/>
+          <a:p>
+            <a:r>
+              <a:rPr lang="en-US" dirty="0"/>
+              <a:t>Definition of LTA: </a:t>
+            </a:r>
+            <a:r>
+              <a:rPr lang="en-US" sz="2800" dirty="0"/>
+              <a:t>Formulations</a:t>
+            </a:r>
+          </a:p>
+        </p:txBody>
+      </p:sp>
+      <p:sp>
+        <p:nvSpPr>
+          <p:cNvPr id="3" name="Foliennummernplatzhalter 2">
+            <a:extLst>
+              <a:ext uri="{FF2B5EF4-FFF2-40B4-BE49-F238E27FC236}">
+                <a16:creationId xmlns:a16="http://schemas.microsoft.com/office/drawing/2014/main" id="{A9A3E377-2D44-4492-89E5-28D1334E9EC0}"/>
+              </a:ext>
+            </a:extLst>
+          </p:cNvPr>
+          <p:cNvSpPr>
+            <a:spLocks noGrp="1"/>
+          </p:cNvSpPr>
+          <p:nvPr>
+            <p:ph type="sldNum" sz="quarter" idx="12"/>
+          </p:nvPr>
+        </p:nvSpPr>
+        <p:spPr/>
+        <p:txBody>
+          <a:bodyPr/>
+          <a:lstStyle/>
+          <a:p>
+            <a:fld id="{F4DAF760-8A09-427D-9634-9AF01F07ABD5}" type="slidenum">
+              <a:rPr lang="de-DE" smtClean="0"/>
+              <a:pPr/>
+              <a:t>9</a:t>
+            </a:fld>
+            <a:endParaRPr lang="de-DE" dirty="0"/>
+          </a:p>
+        </p:txBody>
+      </p:sp>
+      <p:sp>
+        <p:nvSpPr>
+          <p:cNvPr id="4" name="Datumsplatzhalter 3">
+            <a:extLst>
+              <a:ext uri="{FF2B5EF4-FFF2-40B4-BE49-F238E27FC236}">
+                <a16:creationId xmlns:a16="http://schemas.microsoft.com/office/drawing/2014/main" id="{92762C93-2A9A-4811-B406-3D4DB30BF929}"/>
+              </a:ext>
+            </a:extLst>
+          </p:cNvPr>
+          <p:cNvSpPr>
+            <a:spLocks noGrp="1"/>
+          </p:cNvSpPr>
+          <p:nvPr>
+            <p:ph type="dt" sz="half" idx="2"/>
+          </p:nvPr>
+        </p:nvSpPr>
+        <p:spPr/>
+        <p:txBody>
+          <a:bodyPr/>
+          <a:lstStyle/>
+          <a:p>
+            <a:fld id="{0B7FC291-FBAC-4F28-B0CE-3289A37DBBF4}" type="datetime4">
+              <a:rPr lang="en-US" smtClean="0"/>
+              <a:t>April 18, 2020</a:t>
+            </a:fld>
+            <a:endParaRPr lang="en-US" dirty="0"/>
+          </a:p>
+        </p:txBody>
+      </p:sp>
+      <p:sp>
+        <p:nvSpPr>
+          <p:cNvPr id="5" name="Fußzeilenplatzhalter 4">
+            <a:extLst>
+              <a:ext uri="{FF2B5EF4-FFF2-40B4-BE49-F238E27FC236}">
+                <a16:creationId xmlns:a16="http://schemas.microsoft.com/office/drawing/2014/main" id="{1A8776A3-0E10-4A7C-A4A4-D2611C7BC52B}"/>
+              </a:ext>
+            </a:extLst>
+          </p:cNvPr>
+          <p:cNvSpPr>
+            <a:spLocks noGrp="1"/>
+          </p:cNvSpPr>
+          <p:nvPr>
+            <p:ph type="ftr" sz="quarter" idx="3"/>
+          </p:nvPr>
+        </p:nvSpPr>
+        <p:spPr/>
+        <p:txBody>
+          <a:bodyPr/>
+          <a:lstStyle/>
+          <a:p>
+            <a:r>
+              <a:rPr lang="en-US"/>
+              <a:t>Learning to Aggregate on Structured Data</a:t>
+            </a:r>
+          </a:p>
+        </p:txBody>
+      </p:sp>
+      <p:pic>
+        <p:nvPicPr>
+          <p:cNvPr id="24" name="Grafik 23">
+            <a:extLst>
+              <a:ext uri="{FF2B5EF4-FFF2-40B4-BE49-F238E27FC236}">
+                <a16:creationId xmlns:a16="http://schemas.microsoft.com/office/drawing/2014/main" id="{CC0044D9-3783-4C20-AF27-FE96639B1F9E}"/>
+              </a:ext>
+            </a:extLst>
+          </p:cNvPr>
+          <p:cNvPicPr>
+            <a:picLocks noChangeAspect="1"/>
+          </p:cNvPicPr>
+          <p:nvPr/>
+        </p:nvPicPr>
+        <p:blipFill>
+          <a:blip r:embed="rId2">
+            <a:extLst>
+              <a:ext uri="{28A0092B-C50C-407E-A947-70E740481C1C}">
+                <a14:useLocalDpi xmlns:a14="http://schemas.microsoft.com/office/drawing/2010/main" val="0"/>
+              </a:ext>
+              <a:ext uri="{96DAC541-7B7A-43D3-8B79-37D633B846F1}">
+                <asvg:svgBlip xmlns:asvg="http://schemas.microsoft.com/office/drawing/2016/SVG/main" r:embed="rId3"/>
+              </a:ext>
+            </a:extLst>
+          </a:blip>
+          <a:srcRect/>
+          <a:stretch/>
+        </p:blipFill>
+        <p:spPr>
+          <a:xfrm>
+            <a:off x="1354782" y="1204582"/>
+            <a:ext cx="9482434" cy="2947243"/>
+          </a:xfrm>
+          <a:prstGeom prst="rect">
+            <a:avLst/>
+          </a:prstGeom>
+        </p:spPr>
+      </p:pic>
+      <p:pic>
+        <p:nvPicPr>
+          <p:cNvPr id="16" name="Grafik 15">
+            <a:extLst>
+              <a:ext uri="{FF2B5EF4-FFF2-40B4-BE49-F238E27FC236}">
+                <a16:creationId xmlns:a16="http://schemas.microsoft.com/office/drawing/2014/main" id="{1CCEAB2D-219C-445B-9C6F-C9D85E3BB5D5}"/>
+              </a:ext>
+            </a:extLst>
+          </p:cNvPr>
+          <p:cNvPicPr>
+            <a:picLocks noChangeAspect="1"/>
+          </p:cNvPicPr>
+          <p:nvPr/>
+        </p:nvPicPr>
+        <p:blipFill>
+          <a:blip r:embed="rId4">
+            <a:extLst>
+              <a:ext uri="{28A0092B-C50C-407E-A947-70E740481C1C}">
+                <a14:useLocalDpi xmlns:a14="http://schemas.microsoft.com/office/drawing/2010/main" val="0"/>
+              </a:ext>
+              <a:ext uri="{96DAC541-7B7A-43D3-8B79-37D633B846F1}">
+                <asvg:svgBlip xmlns:asvg="http://schemas.microsoft.com/office/drawing/2016/SVG/main" r:embed="rId5"/>
+              </a:ext>
+            </a:extLst>
+          </a:blip>
+          <a:srcRect/>
+          <a:stretch/>
+        </p:blipFill>
+        <p:spPr>
+          <a:xfrm>
+            <a:off x="1354782" y="1204581"/>
+            <a:ext cx="9482434" cy="2947243"/>
+          </a:xfrm>
+          <a:prstGeom prst="rect">
+            <a:avLst/>
+          </a:prstGeom>
+        </p:spPr>
+      </p:pic>
+      <p:pic>
+        <p:nvPicPr>
+          <p:cNvPr id="14" name="Grafik 13">
+            <a:extLst>
+              <a:ext uri="{FF2B5EF4-FFF2-40B4-BE49-F238E27FC236}">
+                <a16:creationId xmlns:a16="http://schemas.microsoft.com/office/drawing/2014/main" id="{1E0CADD2-043F-4CD7-8FF7-ACF496918DBC}"/>
+              </a:ext>
+            </a:extLst>
+          </p:cNvPr>
+          <p:cNvPicPr>
+            <a:picLocks noChangeAspect="1"/>
+          </p:cNvPicPr>
+          <p:nvPr/>
+        </p:nvPicPr>
+        <p:blipFill>
+          <a:blip r:embed="rId6">
+            <a:extLst>
+              <a:ext uri="{28A0092B-C50C-407E-A947-70E740481C1C}">
+                <a14:useLocalDpi xmlns:a14="http://schemas.microsoft.com/office/drawing/2010/main" val="0"/>
+              </a:ext>
+              <a:ext uri="{96DAC541-7B7A-43D3-8B79-37D633B846F1}">
+                <asvg:svgBlip xmlns:asvg="http://schemas.microsoft.com/office/drawing/2016/SVG/main" r:embed="rId7"/>
+              </a:ext>
+            </a:extLst>
+          </a:blip>
+          <a:srcRect/>
+          <a:stretch/>
+        </p:blipFill>
+        <p:spPr>
+          <a:xfrm>
+            <a:off x="1354782" y="1204581"/>
+            <a:ext cx="9482434" cy="2947243"/>
+          </a:xfrm>
+          <a:prstGeom prst="rect">
+            <a:avLst/>
+          </a:prstGeom>
+        </p:spPr>
+      </p:pic>
+      <p:grpSp>
+        <p:nvGrpSpPr>
+          <p:cNvPr id="9" name="Gruppieren 8">
+            <a:extLst>
+              <a:ext uri="{FF2B5EF4-FFF2-40B4-BE49-F238E27FC236}">
+                <a16:creationId xmlns:a16="http://schemas.microsoft.com/office/drawing/2014/main" id="{FC2C6846-2A4C-4934-9212-03A00CBC4A51}"/>
+              </a:ext>
+            </a:extLst>
+          </p:cNvPr>
+          <p:cNvGrpSpPr/>
+          <p:nvPr/>
+        </p:nvGrpSpPr>
+        <p:grpSpPr>
+          <a:xfrm>
+            <a:off x="3304963" y="5049479"/>
+            <a:ext cx="5582072" cy="1052740"/>
+            <a:chOff x="3518128" y="4822986"/>
+            <a:chExt cx="5582072" cy="1052740"/>
+          </a:xfrm>
+        </p:grpSpPr>
+        <p:sp>
+          <p:nvSpPr>
+            <p:cNvPr id="25" name="Inhaltsplatzhalter 7">
+              <a:extLst>
+                <a:ext uri="{FF2B5EF4-FFF2-40B4-BE49-F238E27FC236}">
+                  <a16:creationId xmlns:a16="http://schemas.microsoft.com/office/drawing/2014/main" id="{9A67294D-6C43-4BA7-ADA6-EC6EF79AE9E7}"/>
+                </a:ext>
+              </a:extLst>
+            </p:cNvPr>
+            <p:cNvSpPr txBox="1">
+              <a:spLocks/>
+            </p:cNvSpPr>
+            <p:nvPr/>
+          </p:nvSpPr>
+          <p:spPr>
+            <a:xfrm>
+              <a:off x="3518128" y="5212944"/>
+              <a:ext cx="5582072" cy="662782"/>
+            </a:xfrm>
+            <a:prstGeom prst="rect">
+              <a:avLst/>
+            </a:prstGeom>
+          </p:spPr>
+          <p:txBody>
+            <a:bodyPr anchor="ctr">
+              <a:normAutofit/>
+            </a:bodyPr>
+            <a:lstStyle>
+              <a:lvl1pPr marL="228600" indent="-228600" algn="l" defTabSz="914400" rtl="0" eaLnBrk="1" latinLnBrk="0" hangingPunct="1">
+                <a:lnSpc>
+                  <a:spcPct val="90000"/>
+                </a:lnSpc>
+                <a:spcBef>
+                  <a:spcPts val="1000"/>
+                </a:spcBef>
+                <a:buFont typeface="Arial" panose="020B0604020202020204" pitchFamily="34" charset="0"/>
+                <a:buChar char="•"/>
+                <a:defRPr sz="2800" kern="1200">
+                  <a:solidFill>
+                    <a:schemeClr val="tx1"/>
+                  </a:solidFill>
+                  <a:latin typeface="Roboto Light" panose="02000000000000000000" pitchFamily="2" charset="0"/>
+                  <a:ea typeface="Roboto Light" panose="02000000000000000000" pitchFamily="2" charset="0"/>
+                  <a:cs typeface="+mn-cs"/>
+                </a:defRPr>
+              </a:lvl1pPr>
+              <a:lvl2pPr marL="685800" indent="-228600" algn="l" defTabSz="914400" rtl="0" eaLnBrk="1" latinLnBrk="0" hangingPunct="1">
+                <a:lnSpc>
+                  <a:spcPct val="90000"/>
+                </a:lnSpc>
+                <a:spcBef>
+                  <a:spcPts val="500"/>
+                </a:spcBef>
+                <a:buFont typeface="Arial" panose="020B0604020202020204" pitchFamily="34" charset="0"/>
+                <a:buChar char="•"/>
+                <a:defRPr sz="2400" kern="1200">
+                  <a:solidFill>
+                    <a:schemeClr val="tx1"/>
+                  </a:solidFill>
+                  <a:latin typeface="Roboto Light" panose="02000000000000000000" pitchFamily="2" charset="0"/>
+                  <a:ea typeface="Roboto Light" panose="02000000000000000000" pitchFamily="2" charset="0"/>
+                  <a:cs typeface="+mn-cs"/>
+                </a:defRPr>
+              </a:lvl2pPr>
+              <a:lvl3pPr marL="1143000" indent="-228600" algn="l" defTabSz="914400" rtl="0" eaLnBrk="1" latinLnBrk="0" hangingPunct="1">
+                <a:lnSpc>
+                  <a:spcPct val="90000"/>
+                </a:lnSpc>
+                <a:spcBef>
+                  <a:spcPts val="500"/>
+                </a:spcBef>
+                <a:buFont typeface="Arial" panose="020B0604020202020204" pitchFamily="34" charset="0"/>
+                <a:buChar char="•"/>
+                <a:defRPr sz="2000" kern="1200">
+                  <a:solidFill>
+                    <a:schemeClr val="tx1"/>
+                  </a:solidFill>
+                  <a:latin typeface="Roboto Light" panose="02000000000000000000" pitchFamily="2" charset="0"/>
+                  <a:ea typeface="Roboto Light" panose="02000000000000000000" pitchFamily="2" charset="0"/>
+                  <a:cs typeface="+mn-cs"/>
+                </a:defRPr>
+              </a:lvl3pPr>
+              <a:lvl4pPr marL="1600200" indent="-228600" algn="l" defTabSz="914400" rtl="0" eaLnBrk="1" latinLnBrk="0" hangingPunct="1">
+                <a:lnSpc>
+                  <a:spcPct val="90000"/>
+                </a:lnSpc>
+                <a:spcBef>
+                  <a:spcPts val="500"/>
+                </a:spcBef>
+                <a:buFont typeface="Arial" panose="020B0604020202020204" pitchFamily="34" charset="0"/>
+                <a:buChar char="•"/>
+                <a:defRPr sz="1800" kern="1200">
+                  <a:solidFill>
+                    <a:schemeClr val="tx1"/>
+                  </a:solidFill>
+                  <a:latin typeface="Roboto Light" panose="02000000000000000000" pitchFamily="2" charset="0"/>
+                  <a:ea typeface="Roboto Light" panose="02000000000000000000" pitchFamily="2" charset="0"/>
+                  <a:cs typeface="+mn-cs"/>
+                </a:defRPr>
+              </a:lvl4pPr>
+              <a:lvl5pPr marL="2057400" indent="-228600" algn="l" defTabSz="914400" rtl="0" eaLnBrk="1" latinLnBrk="0" hangingPunct="1">
+                <a:lnSpc>
+                  <a:spcPct val="90000"/>
+                </a:lnSpc>
+                <a:spcBef>
+                  <a:spcPts val="500"/>
+                </a:spcBef>
+                <a:buFont typeface="Arial" panose="020B0604020202020204" pitchFamily="34" charset="0"/>
+                <a:buChar char="•"/>
+                <a:defRPr sz="1800" kern="1200">
+                  <a:solidFill>
+                    <a:schemeClr val="tx1"/>
+                  </a:solidFill>
+                  <a:latin typeface="Roboto Light" panose="02000000000000000000" pitchFamily="2" charset="0"/>
+                  <a:ea typeface="Roboto Light" panose="02000000000000000000" pitchFamily="2" charset="0"/>
+                  <a:cs typeface="+mn-cs"/>
+                </a:defRPr>
+              </a:lvl5pPr>
+              <a:lvl6pPr marL="2514600" indent="-228600" algn="l" defTabSz="914400" rtl="0" eaLnBrk="1" latinLnBrk="0" hangingPunct="1">
+                <a:lnSpc>
+                  <a:spcPct val="90000"/>
+                </a:lnSpc>
+                <a:spcBef>
+                  <a:spcPts val="500"/>
+                </a:spcBef>
+                <a:buFont typeface="Arial" panose="020B0604020202020204" pitchFamily="34" charset="0"/>
+                <a:buChar char="•"/>
+                <a:defRPr sz="1800" kern="1200">
+                  <a:solidFill>
+                    <a:schemeClr val="tx1"/>
+                  </a:solidFill>
+                  <a:latin typeface="+mn-lt"/>
+                  <a:ea typeface="+mn-ea"/>
+                  <a:cs typeface="+mn-cs"/>
+                </a:defRPr>
+              </a:lvl6pPr>
+              <a:lvl7pPr marL="2971800" indent="-228600" algn="l" defTabSz="914400" rtl="0" eaLnBrk="1" latinLnBrk="0" hangingPunct="1">
+                <a:lnSpc>
+                  <a:spcPct val="90000"/>
+                </a:lnSpc>
+                <a:spcBef>
+                  <a:spcPts val="500"/>
+                </a:spcBef>
+                <a:buFont typeface="Arial" panose="020B0604020202020204" pitchFamily="34" charset="0"/>
+                <a:buChar char="•"/>
+                <a:defRPr sz="1800" kern="1200">
+                  <a:solidFill>
+                    <a:schemeClr val="tx1"/>
+                  </a:solidFill>
+                  <a:latin typeface="+mn-lt"/>
+                  <a:ea typeface="+mn-ea"/>
+                  <a:cs typeface="+mn-cs"/>
+                </a:defRPr>
+              </a:lvl7pPr>
+              <a:lvl8pPr marL="3429000" indent="-228600" algn="l" defTabSz="914400" rtl="0" eaLnBrk="1" latinLnBrk="0" hangingPunct="1">
+                <a:lnSpc>
+                  <a:spcPct val="90000"/>
+                </a:lnSpc>
+                <a:spcBef>
+                  <a:spcPts val="500"/>
+                </a:spcBef>
+                <a:buFont typeface="Arial" panose="020B0604020202020204" pitchFamily="34" charset="0"/>
+                <a:buChar char="•"/>
+                <a:defRPr sz="1800" kern="1200">
+                  <a:solidFill>
+                    <a:schemeClr val="tx1"/>
+                  </a:solidFill>
+                  <a:latin typeface="+mn-lt"/>
+                  <a:ea typeface="+mn-ea"/>
+                  <a:cs typeface="+mn-cs"/>
+                </a:defRPr>
+              </a:lvl8pPr>
+              <a:lvl9pPr marL="3886200" indent="-228600" algn="l" defTabSz="914400" rtl="0" eaLnBrk="1" latinLnBrk="0" hangingPunct="1">
+                <a:lnSpc>
+                  <a:spcPct val="90000"/>
+                </a:lnSpc>
+                <a:spcBef>
+                  <a:spcPts val="500"/>
+                </a:spcBef>
+                <a:buFont typeface="Arial" panose="020B0604020202020204" pitchFamily="34" charset="0"/>
+                <a:buChar char="•"/>
+                <a:defRPr sz="1800" kern="1200">
+                  <a:solidFill>
+                    <a:schemeClr val="tx1"/>
+                  </a:solidFill>
+                  <a:latin typeface="+mn-lt"/>
+                  <a:ea typeface="+mn-ea"/>
+                  <a:cs typeface="+mn-cs"/>
+                </a:defRPr>
+              </a:lvl9pPr>
+            </a:lstStyle>
+            <a:p>
+              <a:pPr marL="0" indent="0" algn="ctr" fontAlgn="auto">
+                <a:lnSpc>
+                  <a:spcPct val="100000"/>
+                </a:lnSpc>
+                <a:spcBef>
+                  <a:spcPts val="2400"/>
+                </a:spcBef>
+                <a:spcAft>
+                  <a:spcPts val="0"/>
+                </a:spcAft>
+                <a:buNone/>
+              </a:pPr>
+              <a:r>
+                <a:rPr lang="en-US" sz="2000" dirty="0"/>
+                <a:t>LTA Formulation</a:t>
+              </a:r>
+              <a:endParaRPr lang="en-US" sz="2000" b="1" dirty="0"/>
+            </a:p>
+          </p:txBody>
+        </p:sp>
+        <p:pic>
+          <p:nvPicPr>
+            <p:cNvPr id="8" name="Grafik 7">
+              <a:extLst>
+                <a:ext uri="{FF2B5EF4-FFF2-40B4-BE49-F238E27FC236}">
+                  <a16:creationId xmlns:a16="http://schemas.microsoft.com/office/drawing/2014/main" id="{59692759-39CA-465C-9E09-249588BC3FFD}"/>
+                </a:ext>
+              </a:extLst>
+            </p:cNvPr>
+            <p:cNvPicPr>
+              <a:picLocks noChangeAspect="1"/>
+            </p:cNvPicPr>
+            <p:nvPr/>
+          </p:nvPicPr>
+          <p:blipFill>
+            <a:blip r:embed="rId8">
+              <a:extLst>
+                <a:ext uri="{28A0092B-C50C-407E-A947-70E740481C1C}">
+                  <a14:useLocalDpi xmlns:a14="http://schemas.microsoft.com/office/drawing/2010/main" val="0"/>
+                </a:ext>
+                <a:ext uri="{96DAC541-7B7A-43D3-8B79-37D633B846F1}">
+                  <asvg:svgBlip xmlns:asvg="http://schemas.microsoft.com/office/drawing/2016/SVG/main" r:embed="rId9"/>
+                </a:ext>
+              </a:extLst>
+            </a:blip>
+            <a:stretch>
+              <a:fillRect/>
+            </a:stretch>
+          </p:blipFill>
+          <p:spPr>
+            <a:xfrm>
+              <a:off x="4139048" y="4822986"/>
+              <a:ext cx="4340233" cy="335297"/>
+            </a:xfrm>
+            <a:prstGeom prst="rect">
+              <a:avLst/>
+            </a:prstGeom>
+          </p:spPr>
+        </p:pic>
+      </p:grpSp>
+      <p:pic>
+        <p:nvPicPr>
+          <p:cNvPr id="19" name="Grafik 18">
+            <a:extLst>
+              <a:ext uri="{FF2B5EF4-FFF2-40B4-BE49-F238E27FC236}">
+                <a16:creationId xmlns:a16="http://schemas.microsoft.com/office/drawing/2014/main" id="{4FD05C30-7D79-4CC5-848F-5727FCE4B8C6}"/>
+              </a:ext>
+            </a:extLst>
+          </p:cNvPr>
+          <p:cNvPicPr>
+            <a:picLocks noChangeAspect="1"/>
+          </p:cNvPicPr>
+          <p:nvPr/>
+        </p:nvPicPr>
+        <p:blipFill>
+          <a:blip r:embed="rId10">
+            <a:extLst>
+              <a:ext uri="{28A0092B-C50C-407E-A947-70E740481C1C}">
+                <a14:useLocalDpi xmlns:a14="http://schemas.microsoft.com/office/drawing/2010/main" val="0"/>
+              </a:ext>
+              <a:ext uri="{96DAC541-7B7A-43D3-8B79-37D633B846F1}">
+                <asvg:svgBlip xmlns:asvg="http://schemas.microsoft.com/office/drawing/2016/SVG/main" r:embed="rId11"/>
+              </a:ext>
+            </a:extLst>
+          </a:blip>
+          <a:srcRect/>
+          <a:stretch/>
+        </p:blipFill>
+        <p:spPr>
+          <a:xfrm>
+            <a:off x="1354782" y="1204581"/>
+            <a:ext cx="9482434" cy="2947243"/>
+          </a:xfrm>
+          <a:prstGeom prst="rect">
+            <a:avLst/>
+          </a:prstGeom>
+        </p:spPr>
+      </p:pic>
+      <p:grpSp>
+        <p:nvGrpSpPr>
+          <p:cNvPr id="15" name="Gruppieren 14">
+            <a:extLst>
+              <a:ext uri="{FF2B5EF4-FFF2-40B4-BE49-F238E27FC236}">
+                <a16:creationId xmlns:a16="http://schemas.microsoft.com/office/drawing/2014/main" id="{86AD7EAA-DFF8-4F0A-A4A9-C5740A7BA42C}"/>
+              </a:ext>
+            </a:extLst>
+          </p:cNvPr>
+          <p:cNvGrpSpPr/>
+          <p:nvPr/>
+        </p:nvGrpSpPr>
+        <p:grpSpPr>
+          <a:xfrm>
+            <a:off x="2573005" y="2390879"/>
+            <a:ext cx="2989903" cy="2016831"/>
+            <a:chOff x="2573005" y="2390879"/>
+            <a:chExt cx="2989903" cy="2016831"/>
+          </a:xfrm>
+        </p:grpSpPr>
+        <p:sp>
+          <p:nvSpPr>
+            <p:cNvPr id="22" name="Ellipse 21">
+              <a:extLst>
+                <a:ext uri="{FF2B5EF4-FFF2-40B4-BE49-F238E27FC236}">
+                  <a16:creationId xmlns:a16="http://schemas.microsoft.com/office/drawing/2014/main" id="{0CED3991-98D6-48EE-A53F-BE252E170F4B}"/>
+                </a:ext>
+              </a:extLst>
+            </p:cNvPr>
+            <p:cNvSpPr/>
+            <p:nvPr/>
+          </p:nvSpPr>
+          <p:spPr>
+            <a:xfrm>
+              <a:off x="3821781" y="2390879"/>
+              <a:ext cx="467189" cy="490698"/>
+            </a:xfrm>
+            <a:prstGeom prst="ellipse">
+              <a:avLst/>
+            </a:prstGeom>
+            <a:noFill/>
+            <a:ln w="57150">
+              <a:solidFill>
+                <a:srgbClr val="C00000"/>
+              </a:solidFill>
+            </a:ln>
+          </p:spPr>
+          <p:style>
+            <a:lnRef idx="2">
+              <a:schemeClr val="accent1">
+                <a:shade val="50000"/>
+              </a:schemeClr>
+            </a:lnRef>
+            <a:fillRef idx="1">
+              <a:schemeClr val="accent1"/>
+            </a:fillRef>
+            <a:effectRef idx="0">
+              <a:schemeClr val="accent1"/>
+            </a:effectRef>
+            <a:fontRef idx="minor">
+              <a:schemeClr val="lt1"/>
+            </a:fontRef>
+          </p:style>
+          <p:txBody>
+            <a:bodyPr rtlCol="0" anchor="ctr"/>
+            <a:lstStyle/>
+            <a:p>
+              <a:pPr algn="ctr"/>
+              <a:endParaRPr lang="de-DE"/>
+            </a:p>
+          </p:txBody>
+        </p:sp>
+        <p:cxnSp>
+          <p:nvCxnSpPr>
+            <p:cNvPr id="23" name="Gerader Verbinder 22">
+              <a:extLst>
+                <a:ext uri="{FF2B5EF4-FFF2-40B4-BE49-F238E27FC236}">
+                  <a16:creationId xmlns:a16="http://schemas.microsoft.com/office/drawing/2014/main" id="{C74541D0-24B8-4DC5-B87F-008FCC237546}"/>
+                </a:ext>
+              </a:extLst>
+            </p:cNvPr>
+            <p:cNvCxnSpPr>
+              <a:cxnSpLocks/>
+              <a:stCxn id="22" idx="4"/>
+              <a:endCxn id="26" idx="0"/>
+            </p:cNvCxnSpPr>
+            <p:nvPr/>
+          </p:nvCxnSpPr>
+          <p:spPr>
+            <a:xfrm>
+              <a:off x="4055376" y="2881577"/>
+              <a:ext cx="12581" cy="989986"/>
+            </a:xfrm>
+            <a:prstGeom prst="line">
+              <a:avLst/>
+            </a:prstGeom>
+            <a:ln w="19050">
+              <a:solidFill>
+                <a:srgbClr val="C00000"/>
+              </a:solidFill>
+            </a:ln>
+          </p:spPr>
+          <p:style>
+            <a:lnRef idx="1">
+              <a:schemeClr val="accent1"/>
+            </a:lnRef>
+            <a:fillRef idx="0">
+              <a:schemeClr val="accent1"/>
+            </a:fillRef>
+            <a:effectRef idx="0">
+              <a:schemeClr val="accent1"/>
+            </a:effectRef>
+            <a:fontRef idx="minor">
+              <a:schemeClr val="tx1"/>
+            </a:fontRef>
+          </p:style>
+        </p:cxnSp>
+        <p:sp>
+          <p:nvSpPr>
+            <p:cNvPr id="26" name="Inhaltsplatzhalter 7">
+              <a:extLst>
+                <a:ext uri="{FF2B5EF4-FFF2-40B4-BE49-F238E27FC236}">
+                  <a16:creationId xmlns:a16="http://schemas.microsoft.com/office/drawing/2014/main" id="{4934A06B-9F98-4BAA-B561-797D101F11D3}"/>
+                </a:ext>
+              </a:extLst>
+            </p:cNvPr>
+            <p:cNvSpPr txBox="1">
+              <a:spLocks/>
+            </p:cNvSpPr>
+            <p:nvPr/>
+          </p:nvSpPr>
+          <p:spPr>
+            <a:xfrm>
+              <a:off x="2573005" y="3871563"/>
+              <a:ext cx="2989903" cy="536147"/>
+            </a:xfrm>
+            <a:prstGeom prst="rect">
+              <a:avLst/>
+            </a:prstGeom>
+          </p:spPr>
+          <p:txBody>
+            <a:bodyPr anchor="ctr">
+              <a:normAutofit/>
+            </a:bodyPr>
+            <a:lstStyle>
+              <a:lvl1pPr marL="228600" indent="-228600" algn="l" defTabSz="914400" rtl="0" eaLnBrk="1" latinLnBrk="0" hangingPunct="1">
+                <a:lnSpc>
+                  <a:spcPct val="90000"/>
+                </a:lnSpc>
+                <a:spcBef>
+                  <a:spcPts val="1000"/>
+                </a:spcBef>
+                <a:buFont typeface="Arial" panose="020B0604020202020204" pitchFamily="34" charset="0"/>
+                <a:buChar char="•"/>
+                <a:defRPr sz="2800" kern="1200">
+                  <a:solidFill>
+                    <a:schemeClr val="tx1"/>
+                  </a:solidFill>
+                  <a:latin typeface="Roboto Light" panose="02000000000000000000" pitchFamily="2" charset="0"/>
+                  <a:ea typeface="Roboto Light" panose="02000000000000000000" pitchFamily="2" charset="0"/>
+                  <a:cs typeface="+mn-cs"/>
+                </a:defRPr>
+              </a:lvl1pPr>
+              <a:lvl2pPr marL="685800" indent="-228600" algn="l" defTabSz="914400" rtl="0" eaLnBrk="1" latinLnBrk="0" hangingPunct="1">
+                <a:lnSpc>
+                  <a:spcPct val="90000"/>
+                </a:lnSpc>
+                <a:spcBef>
+                  <a:spcPts val="500"/>
+                </a:spcBef>
+                <a:buFont typeface="Arial" panose="020B0604020202020204" pitchFamily="34" charset="0"/>
+                <a:buChar char="•"/>
+                <a:defRPr sz="2400" kern="1200">
+                  <a:solidFill>
+                    <a:schemeClr val="tx1"/>
+                  </a:solidFill>
+                  <a:latin typeface="Roboto Light" panose="02000000000000000000" pitchFamily="2" charset="0"/>
+                  <a:ea typeface="Roboto Light" panose="02000000000000000000" pitchFamily="2" charset="0"/>
+                  <a:cs typeface="+mn-cs"/>
+                </a:defRPr>
+              </a:lvl2pPr>
+              <a:lvl3pPr marL="1143000" indent="-228600" algn="l" defTabSz="914400" rtl="0" eaLnBrk="1" latinLnBrk="0" hangingPunct="1">
+                <a:lnSpc>
+                  <a:spcPct val="90000"/>
+                </a:lnSpc>
+                <a:spcBef>
+                  <a:spcPts val="500"/>
+                </a:spcBef>
+                <a:buFont typeface="Arial" panose="020B0604020202020204" pitchFamily="34" charset="0"/>
+                <a:buChar char="•"/>
+                <a:defRPr sz="2000" kern="1200">
+                  <a:solidFill>
+                    <a:schemeClr val="tx1"/>
+                  </a:solidFill>
+                  <a:latin typeface="Roboto Light" panose="02000000000000000000" pitchFamily="2" charset="0"/>
+                  <a:ea typeface="Roboto Light" panose="02000000000000000000" pitchFamily="2" charset="0"/>
+                  <a:cs typeface="+mn-cs"/>
+                </a:defRPr>
+              </a:lvl3pPr>
+              <a:lvl4pPr marL="1600200" indent="-228600" algn="l" defTabSz="914400" rtl="0" eaLnBrk="1" latinLnBrk="0" hangingPunct="1">
+                <a:lnSpc>
+                  <a:spcPct val="90000"/>
+                </a:lnSpc>
+                <a:spcBef>
+                  <a:spcPts val="500"/>
+                </a:spcBef>
+                <a:buFont typeface="Arial" panose="020B0604020202020204" pitchFamily="34" charset="0"/>
+                <a:buChar char="•"/>
+                <a:defRPr sz="1800" kern="1200">
+                  <a:solidFill>
+                    <a:schemeClr val="tx1"/>
+                  </a:solidFill>
+                  <a:latin typeface="Roboto Light" panose="02000000000000000000" pitchFamily="2" charset="0"/>
+                  <a:ea typeface="Roboto Light" panose="02000000000000000000" pitchFamily="2" charset="0"/>
+                  <a:cs typeface="+mn-cs"/>
+                </a:defRPr>
+              </a:lvl4pPr>
+              <a:lvl5pPr marL="2057400" indent="-228600" algn="l" defTabSz="914400" rtl="0" eaLnBrk="1" latinLnBrk="0" hangingPunct="1">
+                <a:lnSpc>
+                  <a:spcPct val="90000"/>
+                </a:lnSpc>
+                <a:spcBef>
+                  <a:spcPts val="500"/>
+                </a:spcBef>
+                <a:buFont typeface="Arial" panose="020B0604020202020204" pitchFamily="34" charset="0"/>
+                <a:buChar char="•"/>
+                <a:defRPr sz="1800" kern="1200">
+                  <a:solidFill>
+                    <a:schemeClr val="tx1"/>
+                  </a:solidFill>
+                  <a:latin typeface="Roboto Light" panose="02000000000000000000" pitchFamily="2" charset="0"/>
+                  <a:ea typeface="Roboto Light" panose="02000000000000000000" pitchFamily="2" charset="0"/>
+                  <a:cs typeface="+mn-cs"/>
+                </a:defRPr>
+              </a:lvl5pPr>
+              <a:lvl6pPr marL="2514600" indent="-228600" algn="l" defTabSz="914400" rtl="0" eaLnBrk="1" latinLnBrk="0" hangingPunct="1">
+                <a:lnSpc>
+                  <a:spcPct val="90000"/>
+                </a:lnSpc>
+                <a:spcBef>
+                  <a:spcPts val="500"/>
+                </a:spcBef>
+                <a:buFont typeface="Arial" panose="020B0604020202020204" pitchFamily="34" charset="0"/>
+                <a:buChar char="•"/>
+                <a:defRPr sz="1800" kern="1200">
+                  <a:solidFill>
+                    <a:schemeClr val="tx1"/>
+                  </a:solidFill>
+                  <a:latin typeface="+mn-lt"/>
+                  <a:ea typeface="+mn-ea"/>
+                  <a:cs typeface="+mn-cs"/>
+                </a:defRPr>
+              </a:lvl6pPr>
+              <a:lvl7pPr marL="2971800" indent="-228600" algn="l" defTabSz="914400" rtl="0" eaLnBrk="1" latinLnBrk="0" hangingPunct="1">
+                <a:lnSpc>
+                  <a:spcPct val="90000"/>
+                </a:lnSpc>
+                <a:spcBef>
+                  <a:spcPts val="500"/>
+                </a:spcBef>
+                <a:buFont typeface="Arial" panose="020B0604020202020204" pitchFamily="34" charset="0"/>
+                <a:buChar char="•"/>
+                <a:defRPr sz="1800" kern="1200">
+                  <a:solidFill>
+                    <a:schemeClr val="tx1"/>
+                  </a:solidFill>
+                  <a:latin typeface="+mn-lt"/>
+                  <a:ea typeface="+mn-ea"/>
+                  <a:cs typeface="+mn-cs"/>
+                </a:defRPr>
+              </a:lvl7pPr>
+              <a:lvl8pPr marL="3429000" indent="-228600" algn="l" defTabSz="914400" rtl="0" eaLnBrk="1" latinLnBrk="0" hangingPunct="1">
+                <a:lnSpc>
+                  <a:spcPct val="90000"/>
+                </a:lnSpc>
+                <a:spcBef>
+                  <a:spcPts val="500"/>
+                </a:spcBef>
+                <a:buFont typeface="Arial" panose="020B0604020202020204" pitchFamily="34" charset="0"/>
+                <a:buChar char="•"/>
+                <a:defRPr sz="1800" kern="1200">
+                  <a:solidFill>
+                    <a:schemeClr val="tx1"/>
+                  </a:solidFill>
+                  <a:latin typeface="+mn-lt"/>
+                  <a:ea typeface="+mn-ea"/>
+                  <a:cs typeface="+mn-cs"/>
+                </a:defRPr>
+              </a:lvl8pPr>
+              <a:lvl9pPr marL="3886200" indent="-228600" algn="l" defTabSz="914400" rtl="0" eaLnBrk="1" latinLnBrk="0" hangingPunct="1">
+                <a:lnSpc>
+                  <a:spcPct val="90000"/>
+                </a:lnSpc>
+                <a:spcBef>
+                  <a:spcPts val="500"/>
+                </a:spcBef>
+                <a:buFont typeface="Arial" panose="020B0604020202020204" pitchFamily="34" charset="0"/>
+                <a:buChar char="•"/>
+                <a:defRPr sz="1800" kern="1200">
+                  <a:solidFill>
+                    <a:schemeClr val="tx1"/>
+                  </a:solidFill>
+                  <a:latin typeface="+mn-lt"/>
+                  <a:ea typeface="+mn-ea"/>
+                  <a:cs typeface="+mn-cs"/>
+                </a:defRPr>
+              </a:lvl9pPr>
+            </a:lstStyle>
+            <a:p>
+              <a:pPr marL="0" indent="0" algn="ctr" fontAlgn="auto">
+                <a:lnSpc>
+                  <a:spcPct val="100000"/>
+                </a:lnSpc>
+                <a:spcBef>
+                  <a:spcPts val="2400"/>
+                </a:spcBef>
+                <a:spcAft>
+                  <a:spcPts val="0"/>
+                </a:spcAft>
+                <a:buNone/>
+              </a:pPr>
+              <a:r>
+                <a:rPr lang="en-US" sz="2000" dirty="0">
+                  <a:solidFill>
+                    <a:srgbClr val="002060"/>
+                  </a:solidFill>
+                </a:rPr>
+                <a:t>Trivial decomposition</a:t>
+              </a:r>
+            </a:p>
+          </p:txBody>
+        </p:sp>
+      </p:grpSp>
+    </p:spTree>
+    <p:extLst>
+      <p:ext uri="{BB962C8B-B14F-4D97-AF65-F5344CB8AC3E}">
+        <p14:creationId xmlns:p14="http://schemas.microsoft.com/office/powerpoint/2010/main" val="3710297840"/>
+      </p:ext>
+    </p:extLst>
+  </p:cSld>
+  <p:clrMapOvr>
+    <a:masterClrMapping/>
+  </p:clrMapOvr>
+  <p:timing>
+    <p:tnLst>
+      <p:par>
+        <p:cTn id="1" dur="indefinite" restart="never" nodeType="tmRoot">
+          <p:childTnLst>
+            <p:seq concurrent="1" nextAc="seek">
+              <p:cTn id="2" dur="indefinite" nodeType="mainSeq">
+                <p:childTnLst>
+                  <p:par>
+                    <p:cTn id="3" fill="hold">
+                      <p:stCondLst>
+                        <p:cond delay="indefinite"/>
+                      </p:stCondLst>
+                      <p:childTnLst>
+                        <p:par>
+                          <p:cTn id="4" fill="hold">
+                            <p:stCondLst>
+                              <p:cond delay="0"/>
+                            </p:stCondLst>
+                            <p:childTnLst>
+                              <p:par>
+                                <p:cTn id="5" presetID="1" presetClass="entr" presetSubtype="0" fill="hold" nodeType="clickEffect">
+                                  <p:stCondLst>
+                                    <p:cond delay="0"/>
+                                  </p:stCondLst>
+                                  <p:childTnLst>
+                                    <p:set>
+                                      <p:cBhvr>
+                                        <p:cTn id="6" dur="1" fill="hold">
+                                          <p:stCondLst>
+                                            <p:cond delay="0"/>
+                                          </p:stCondLst>
+                                        </p:cTn>
+                                        <p:tgtEl>
+                                          <p:spTgt spid="19"/>
+                                        </p:tgtEl>
+                                        <p:attrNameLst>
+                                          <p:attrName>style.visibility</p:attrName>
+                                        </p:attrNameLst>
+                                      </p:cBhvr>
+                                      <p:to>
+                                        <p:strVal val="visible"/>
+                                      </p:to>
+                                    </p:set>
+                                  </p:childTnLst>
+                                </p:cTn>
+                              </p:par>
+                              <p:par>
+                                <p:cTn id="7" presetID="1" presetClass="entr" presetSubtype="0" fill="hold" nodeType="withEffect">
+                                  <p:stCondLst>
+                                    <p:cond delay="0"/>
+                                  </p:stCondLst>
+                                  <p:childTnLst>
+                                    <p:set>
+                                      <p:cBhvr>
+                                        <p:cTn id="8" dur="1" fill="hold">
+                                          <p:stCondLst>
+                                            <p:cond delay="0"/>
+                                          </p:stCondLst>
+                                        </p:cTn>
+                                        <p:tgtEl>
+                                          <p:spTgt spid="15"/>
+                                        </p:tgtEl>
+                                        <p:attrNameLst>
+                                          <p:attrName>style.visibility</p:attrName>
+                                        </p:attrNameLst>
+                                      </p:cBhvr>
+                                      <p:to>
+                                        <p:strVal val="visible"/>
+                                      </p:to>
+                                    </p:set>
+                                  </p:childTnLst>
+                                </p:cTn>
+                              </p:par>
+                            </p:childTnLst>
+                          </p:cTn>
+                        </p:par>
+                      </p:childTnLst>
+                    </p:cTn>
+                  </p:par>
+                </p:childTnLst>
+              </p:cTn>
+              <p:prevCondLst>
+                <p:cond evt="onPrev" delay="0">
+                  <p:tgtEl>
+                    <p:sldTgt/>
+                  </p:tgtEl>
+                </p:cond>
+              </p:prevCondLst>
+              <p:nextCondLst>
+                <p:cond evt="onNext" delay="0">
+                  <p:tgtEl>
+                    <p:sldTgt/>
+                  </p:tgtEl>
+                </p:cond>
+              </p:nextCondLst>
+            </p:seq>
+          </p:childTnLst>
+        </p:cTn>
+      </p:par>
+    </p:tnLst>
+  </p:timing>
 </p:sld>
 </file>
 
